--- a/G13/G13-學生宿舍網路維修管理系統.pptx
+++ b/G13/G13-學生宿舍網路維修管理系統.pptx
@@ -9,18 +9,19 @@
     <p:sldId id="262" r:id="rId3"/>
     <p:sldId id="263" r:id="rId4"/>
     <p:sldId id="259" r:id="rId5"/>
-    <p:sldId id="271" r:id="rId6"/>
-    <p:sldId id="260" r:id="rId7"/>
-    <p:sldId id="261" r:id="rId8"/>
-    <p:sldId id="257" r:id="rId9"/>
-    <p:sldId id="264" r:id="rId10"/>
-    <p:sldId id="265" r:id="rId11"/>
-    <p:sldId id="270" r:id="rId12"/>
-    <p:sldId id="258" r:id="rId13"/>
-    <p:sldId id="266" r:id="rId14"/>
-    <p:sldId id="269" r:id="rId15"/>
-    <p:sldId id="268" r:id="rId16"/>
-    <p:sldId id="267" r:id="rId17"/>
+    <p:sldId id="260" r:id="rId6"/>
+    <p:sldId id="261" r:id="rId7"/>
+    <p:sldId id="257" r:id="rId8"/>
+    <p:sldId id="264" r:id="rId9"/>
+    <p:sldId id="265" r:id="rId10"/>
+    <p:sldId id="270" r:id="rId11"/>
+    <p:sldId id="258" r:id="rId12"/>
+    <p:sldId id="266" r:id="rId13"/>
+    <p:sldId id="269" r:id="rId14"/>
+    <p:sldId id="268" r:id="rId15"/>
+    <p:sldId id="273" r:id="rId16"/>
+    <p:sldId id="272" r:id="rId17"/>
+    <p:sldId id="267" r:id="rId18"/>
   </p:sldIdLst>
   <p:sldSz cx="12192000" cy="6858000"/>
   <p:notesSz cx="6858000" cy="9144000"/>
@@ -139,757 +140,6 @@
 </file>
 
 <file path=ppt/diagrams/colors1.xml><?xml version="1.0" encoding="utf-8"?>
-<dgm:colorsDef xmlns:dgm="http://schemas.openxmlformats.org/drawingml/2006/diagram" xmlns:a="http://schemas.openxmlformats.org/drawingml/2006/main" uniqueId="urn:microsoft.com/office/officeart/2005/8/colors/accent0_3">
-  <dgm:title val=""/>
-  <dgm:desc val=""/>
-  <dgm:catLst>
-    <dgm:cat type="mainScheme" pri="10300"/>
-  </dgm:catLst>
-  <dgm:styleLbl name="node0">
-    <dgm:fillClrLst meth="repeat">
-      <a:schemeClr val="dk2"/>
-    </dgm:fillClrLst>
-    <dgm:linClrLst meth="repeat">
-      <a:schemeClr val="lt2"/>
-    </dgm:linClrLst>
-    <dgm:effectClrLst/>
-    <dgm:txLinClrLst/>
-    <dgm:txFillClrLst/>
-    <dgm:txEffectClrLst/>
-  </dgm:styleLbl>
-  <dgm:styleLbl name="alignNode1">
-    <dgm:fillClrLst meth="repeat">
-      <a:schemeClr val="dk2"/>
-    </dgm:fillClrLst>
-    <dgm:linClrLst meth="repeat">
-      <a:schemeClr val="dk2"/>
-    </dgm:linClrLst>
-    <dgm:effectClrLst/>
-    <dgm:txLinClrLst/>
-    <dgm:txFillClrLst/>
-    <dgm:txEffectClrLst/>
-  </dgm:styleLbl>
-  <dgm:styleLbl name="node1">
-    <dgm:fillClrLst meth="repeat">
-      <a:schemeClr val="dk2"/>
-    </dgm:fillClrLst>
-    <dgm:linClrLst meth="repeat">
-      <a:schemeClr val="lt2"/>
-    </dgm:linClrLst>
-    <dgm:effectClrLst/>
-    <dgm:txLinClrLst/>
-    <dgm:txFillClrLst/>
-    <dgm:txEffectClrLst/>
-  </dgm:styleLbl>
-  <dgm:styleLbl name="lnNode1">
-    <dgm:fillClrLst meth="repeat">
-      <a:schemeClr val="dk2"/>
-    </dgm:fillClrLst>
-    <dgm:linClrLst meth="repeat">
-      <a:schemeClr val="lt2"/>
-    </dgm:linClrLst>
-    <dgm:effectClrLst/>
-    <dgm:txLinClrLst/>
-    <dgm:txFillClrLst/>
-    <dgm:txEffectClrLst/>
-  </dgm:styleLbl>
-  <dgm:styleLbl name="vennNode1">
-    <dgm:fillClrLst meth="repeat">
-      <a:schemeClr val="dk2">
-        <a:alpha val="50000"/>
-      </a:schemeClr>
-    </dgm:fillClrLst>
-    <dgm:linClrLst meth="repeat">
-      <a:schemeClr val="lt2"/>
-    </dgm:linClrLst>
-    <dgm:effectClrLst/>
-    <dgm:txLinClrLst/>
-    <dgm:txFillClrLst/>
-    <dgm:txEffectClrLst/>
-  </dgm:styleLbl>
-  <dgm:styleLbl name="node2">
-    <dgm:fillClrLst meth="repeat">
-      <a:schemeClr val="dk2"/>
-    </dgm:fillClrLst>
-    <dgm:linClrLst meth="repeat">
-      <a:schemeClr val="lt2"/>
-    </dgm:linClrLst>
-    <dgm:effectClrLst/>
-    <dgm:txLinClrLst/>
-    <dgm:txFillClrLst/>
-    <dgm:txEffectClrLst/>
-  </dgm:styleLbl>
-  <dgm:styleLbl name="node3">
-    <dgm:fillClrLst meth="repeat">
-      <a:schemeClr val="dk2"/>
-    </dgm:fillClrLst>
-    <dgm:linClrLst meth="repeat">
-      <a:schemeClr val="lt2"/>
-    </dgm:linClrLst>
-    <dgm:effectClrLst/>
-    <dgm:txLinClrLst/>
-    <dgm:txFillClrLst/>
-    <dgm:txEffectClrLst/>
-  </dgm:styleLbl>
-  <dgm:styleLbl name="node4">
-    <dgm:fillClrLst meth="repeat">
-      <a:schemeClr val="dk2"/>
-    </dgm:fillClrLst>
-    <dgm:linClrLst meth="repeat">
-      <a:schemeClr val="lt2"/>
-    </dgm:linClrLst>
-    <dgm:effectClrLst/>
-    <dgm:txLinClrLst/>
-    <dgm:txFillClrLst/>
-    <dgm:txEffectClrLst/>
-  </dgm:styleLbl>
-  <dgm:styleLbl name="fgImgPlace1">
-    <dgm:fillClrLst meth="repeat">
-      <a:schemeClr val="dk2">
-        <a:tint val="50000"/>
-      </a:schemeClr>
-    </dgm:fillClrLst>
-    <dgm:linClrLst meth="repeat">
-      <a:schemeClr val="lt2"/>
-    </dgm:linClrLst>
-    <dgm:effectClrLst/>
-    <dgm:txLinClrLst/>
-    <dgm:txFillClrLst meth="repeat">
-      <a:schemeClr val="lt2"/>
-    </dgm:txFillClrLst>
-    <dgm:txEffectClrLst/>
-  </dgm:styleLbl>
-  <dgm:styleLbl name="alignImgPlace1">
-    <dgm:fillClrLst meth="repeat">
-      <a:schemeClr val="dk2">
-        <a:tint val="50000"/>
-      </a:schemeClr>
-    </dgm:fillClrLst>
-    <dgm:linClrLst meth="repeat">
-      <a:schemeClr val="dk2">
-        <a:shade val="80000"/>
-      </a:schemeClr>
-    </dgm:linClrLst>
-    <dgm:effectClrLst/>
-    <dgm:txLinClrLst/>
-    <dgm:txFillClrLst meth="repeat">
-      <a:schemeClr val="lt2"/>
-    </dgm:txFillClrLst>
-    <dgm:txEffectClrLst/>
-  </dgm:styleLbl>
-  <dgm:styleLbl name="bgImgPlace1">
-    <dgm:fillClrLst meth="repeat">
-      <a:schemeClr val="dk2">
-        <a:tint val="50000"/>
-      </a:schemeClr>
-    </dgm:fillClrLst>
-    <dgm:linClrLst meth="repeat">
-      <a:schemeClr val="dk2">
-        <a:shade val="80000"/>
-      </a:schemeClr>
-    </dgm:linClrLst>
-    <dgm:effectClrLst/>
-    <dgm:txLinClrLst/>
-    <dgm:txFillClrLst meth="repeat">
-      <a:schemeClr val="lt2"/>
-    </dgm:txFillClrLst>
-    <dgm:txEffectClrLst/>
-  </dgm:styleLbl>
-  <dgm:styleLbl name="sibTrans2D1">
-    <dgm:fillClrLst meth="repeat">
-      <a:schemeClr val="dk2">
-        <a:tint val="60000"/>
-      </a:schemeClr>
-    </dgm:fillClrLst>
-    <dgm:linClrLst meth="repeat">
-      <a:schemeClr val="dk2">
-        <a:tint val="60000"/>
-      </a:schemeClr>
-    </dgm:linClrLst>
-    <dgm:effectClrLst/>
-    <dgm:txLinClrLst/>
-    <dgm:txFillClrLst/>
-    <dgm:txEffectClrLst/>
-  </dgm:styleLbl>
-  <dgm:styleLbl name="fgSibTrans2D1">
-    <dgm:fillClrLst meth="repeat">
-      <a:schemeClr val="dk2">
-        <a:tint val="60000"/>
-      </a:schemeClr>
-    </dgm:fillClrLst>
-    <dgm:linClrLst meth="repeat">
-      <a:schemeClr val="dk2">
-        <a:tint val="60000"/>
-      </a:schemeClr>
-    </dgm:linClrLst>
-    <dgm:effectClrLst/>
-    <dgm:txLinClrLst/>
-    <dgm:txFillClrLst/>
-    <dgm:txEffectClrLst/>
-  </dgm:styleLbl>
-  <dgm:styleLbl name="bgSibTrans2D1">
-    <dgm:fillClrLst meth="repeat">
-      <a:schemeClr val="dk2">
-        <a:tint val="60000"/>
-      </a:schemeClr>
-    </dgm:fillClrLst>
-    <dgm:linClrLst meth="repeat">
-      <a:schemeClr val="dk2">
-        <a:tint val="60000"/>
-      </a:schemeClr>
-    </dgm:linClrLst>
-    <dgm:effectClrLst/>
-    <dgm:txLinClrLst/>
-    <dgm:txFillClrLst/>
-    <dgm:txEffectClrLst/>
-  </dgm:styleLbl>
-  <dgm:styleLbl name="sibTrans1D1">
-    <dgm:fillClrLst meth="repeat">
-      <a:schemeClr val="dk2"/>
-    </dgm:fillClrLst>
-    <dgm:linClrLst meth="repeat">
-      <a:schemeClr val="dk2"/>
-    </dgm:linClrLst>
-    <dgm:effectClrLst/>
-    <dgm:txLinClrLst/>
-    <dgm:txFillClrLst meth="repeat">
-      <a:schemeClr val="lt2"/>
-    </dgm:txFillClrLst>
-    <dgm:txEffectClrLst/>
-  </dgm:styleLbl>
-  <dgm:styleLbl name="callout">
-    <dgm:fillClrLst meth="repeat">
-      <a:schemeClr val="dk2"/>
-    </dgm:fillClrLst>
-    <dgm:linClrLst meth="repeat">
-      <a:schemeClr val="dk2">
-        <a:tint val="50000"/>
-      </a:schemeClr>
-    </dgm:linClrLst>
-    <dgm:effectClrLst/>
-    <dgm:txLinClrLst/>
-    <dgm:txFillClrLst meth="repeat">
-      <a:schemeClr val="lt2"/>
-    </dgm:txFillClrLst>
-    <dgm:txEffectClrLst/>
-  </dgm:styleLbl>
-  <dgm:styleLbl name="asst0">
-    <dgm:fillClrLst meth="repeat">
-      <a:schemeClr val="dk2"/>
-    </dgm:fillClrLst>
-    <dgm:linClrLst meth="repeat">
-      <a:schemeClr val="lt2"/>
-    </dgm:linClrLst>
-    <dgm:effectClrLst/>
-    <dgm:txLinClrLst/>
-    <dgm:txFillClrLst/>
-    <dgm:txEffectClrLst/>
-  </dgm:styleLbl>
-  <dgm:styleLbl name="asst1">
-    <dgm:fillClrLst meth="repeat">
-      <a:schemeClr val="dk2"/>
-    </dgm:fillClrLst>
-    <dgm:linClrLst meth="repeat">
-      <a:schemeClr val="lt2"/>
-    </dgm:linClrLst>
-    <dgm:effectClrLst/>
-    <dgm:txLinClrLst/>
-    <dgm:txFillClrLst/>
-    <dgm:txEffectClrLst/>
-  </dgm:styleLbl>
-  <dgm:styleLbl name="asst2">
-    <dgm:fillClrLst meth="repeat">
-      <a:schemeClr val="dk2"/>
-    </dgm:fillClrLst>
-    <dgm:linClrLst meth="repeat">
-      <a:schemeClr val="lt2"/>
-    </dgm:linClrLst>
-    <dgm:effectClrLst/>
-    <dgm:txLinClrLst/>
-    <dgm:txFillClrLst/>
-    <dgm:txEffectClrLst/>
-  </dgm:styleLbl>
-  <dgm:styleLbl name="asst3">
-    <dgm:fillClrLst meth="repeat">
-      <a:schemeClr val="dk2"/>
-    </dgm:fillClrLst>
-    <dgm:linClrLst meth="repeat">
-      <a:schemeClr val="lt2"/>
-    </dgm:linClrLst>
-    <dgm:effectClrLst/>
-    <dgm:txLinClrLst/>
-    <dgm:txFillClrLst/>
-    <dgm:txEffectClrLst/>
-  </dgm:styleLbl>
-  <dgm:styleLbl name="asst4">
-    <dgm:fillClrLst meth="repeat">
-      <a:schemeClr val="dk2"/>
-    </dgm:fillClrLst>
-    <dgm:linClrLst meth="repeat">
-      <a:schemeClr val="lt2"/>
-    </dgm:linClrLst>
-    <dgm:effectClrLst/>
-    <dgm:txLinClrLst/>
-    <dgm:txFillClrLst/>
-    <dgm:txEffectClrLst/>
-  </dgm:styleLbl>
-  <dgm:styleLbl name="parChTrans2D1">
-    <dgm:fillClrLst meth="repeat">
-      <a:schemeClr val="dk2">
-        <a:tint val="60000"/>
-      </a:schemeClr>
-    </dgm:fillClrLst>
-    <dgm:linClrLst meth="repeat">
-      <a:schemeClr val="dk2">
-        <a:tint val="60000"/>
-      </a:schemeClr>
-    </dgm:linClrLst>
-    <dgm:effectClrLst/>
-    <dgm:txLinClrLst/>
-    <dgm:txFillClrLst meth="repeat">
-      <a:schemeClr val="lt2"/>
-    </dgm:txFillClrLst>
-    <dgm:txEffectClrLst/>
-  </dgm:styleLbl>
-  <dgm:styleLbl name="parChTrans2D2">
-    <dgm:fillClrLst meth="repeat">
-      <a:schemeClr val="dk2"/>
-    </dgm:fillClrLst>
-    <dgm:linClrLst meth="repeat">
-      <a:schemeClr val="dk2"/>
-    </dgm:linClrLst>
-    <dgm:effectClrLst/>
-    <dgm:txLinClrLst/>
-    <dgm:txFillClrLst meth="repeat">
-      <a:schemeClr val="lt2"/>
-    </dgm:txFillClrLst>
-    <dgm:txEffectClrLst/>
-  </dgm:styleLbl>
-  <dgm:styleLbl name="parChTrans2D3">
-    <dgm:fillClrLst meth="repeat">
-      <a:schemeClr val="dk2"/>
-    </dgm:fillClrLst>
-    <dgm:linClrLst meth="repeat">
-      <a:schemeClr val="dk2"/>
-    </dgm:linClrLst>
-    <dgm:effectClrLst/>
-    <dgm:txLinClrLst/>
-    <dgm:txFillClrLst meth="repeat">
-      <a:schemeClr val="lt2"/>
-    </dgm:txFillClrLst>
-    <dgm:txEffectClrLst/>
-  </dgm:styleLbl>
-  <dgm:styleLbl name="parChTrans2D4">
-    <dgm:fillClrLst meth="repeat">
-      <a:schemeClr val="dk2"/>
-    </dgm:fillClrLst>
-    <dgm:linClrLst meth="repeat">
-      <a:schemeClr val="dk2"/>
-    </dgm:linClrLst>
-    <dgm:effectClrLst/>
-    <dgm:txLinClrLst/>
-    <dgm:txFillClrLst meth="repeat">
-      <a:schemeClr val="lt2"/>
-    </dgm:txFillClrLst>
-    <dgm:txEffectClrLst/>
-  </dgm:styleLbl>
-  <dgm:styleLbl name="parChTrans1D1">
-    <dgm:fillClrLst meth="repeat">
-      <a:schemeClr val="dk2"/>
-    </dgm:fillClrLst>
-    <dgm:linClrLst meth="repeat">
-      <a:schemeClr val="dk2">
-        <a:shade val="60000"/>
-      </a:schemeClr>
-    </dgm:linClrLst>
-    <dgm:effectClrLst/>
-    <dgm:txLinClrLst/>
-    <dgm:txFillClrLst meth="repeat">
-      <a:schemeClr val="tx1"/>
-    </dgm:txFillClrLst>
-    <dgm:txEffectClrLst/>
-  </dgm:styleLbl>
-  <dgm:styleLbl name="parChTrans1D2">
-    <dgm:fillClrLst meth="repeat">
-      <a:schemeClr val="dk2"/>
-    </dgm:fillClrLst>
-    <dgm:linClrLst meth="repeat">
-      <a:schemeClr val="dk2">
-        <a:shade val="60000"/>
-      </a:schemeClr>
-    </dgm:linClrLst>
-    <dgm:effectClrLst/>
-    <dgm:txLinClrLst/>
-    <dgm:txFillClrLst meth="repeat">
-      <a:schemeClr val="tx1"/>
-    </dgm:txFillClrLst>
-    <dgm:txEffectClrLst/>
-  </dgm:styleLbl>
-  <dgm:styleLbl name="parChTrans1D3">
-    <dgm:fillClrLst meth="repeat">
-      <a:schemeClr val="dk2"/>
-    </dgm:fillClrLst>
-    <dgm:linClrLst meth="repeat">
-      <a:schemeClr val="dk2">
-        <a:shade val="80000"/>
-      </a:schemeClr>
-    </dgm:linClrLst>
-    <dgm:effectClrLst/>
-    <dgm:txLinClrLst/>
-    <dgm:txFillClrLst meth="repeat">
-      <a:schemeClr val="tx1"/>
-    </dgm:txFillClrLst>
-    <dgm:txEffectClrLst/>
-  </dgm:styleLbl>
-  <dgm:styleLbl name="parChTrans1D4">
-    <dgm:fillClrLst meth="repeat">
-      <a:schemeClr val="dk2"/>
-    </dgm:fillClrLst>
-    <dgm:linClrLst meth="repeat">
-      <a:schemeClr val="dk2">
-        <a:shade val="80000"/>
-      </a:schemeClr>
-    </dgm:linClrLst>
-    <dgm:effectClrLst/>
-    <dgm:txLinClrLst/>
-    <dgm:txFillClrLst meth="repeat">
-      <a:schemeClr val="tx1"/>
-    </dgm:txFillClrLst>
-    <dgm:txEffectClrLst/>
-  </dgm:styleLbl>
-  <dgm:styleLbl name="fgAcc1">
-    <dgm:fillClrLst meth="repeat">
-      <a:schemeClr val="lt2">
-        <a:alpha val="90000"/>
-      </a:schemeClr>
-    </dgm:fillClrLst>
-    <dgm:linClrLst meth="repeat">
-      <a:schemeClr val="dk2"/>
-    </dgm:linClrLst>
-    <dgm:effectClrLst/>
-    <dgm:txLinClrLst/>
-    <dgm:txFillClrLst meth="repeat">
-      <a:schemeClr val="dk1"/>
-    </dgm:txFillClrLst>
-    <dgm:txEffectClrLst/>
-  </dgm:styleLbl>
-  <dgm:styleLbl name="conFgAcc1">
-    <dgm:fillClrLst meth="repeat">
-      <a:schemeClr val="lt2">
-        <a:alpha val="90000"/>
-      </a:schemeClr>
-    </dgm:fillClrLst>
-    <dgm:linClrLst meth="repeat">
-      <a:schemeClr val="dk2"/>
-    </dgm:linClrLst>
-    <dgm:effectClrLst/>
-    <dgm:txLinClrLst/>
-    <dgm:txFillClrLst meth="repeat">
-      <a:schemeClr val="dk1"/>
-    </dgm:txFillClrLst>
-    <dgm:txEffectClrLst/>
-  </dgm:styleLbl>
-  <dgm:styleLbl name="alignAcc1">
-    <dgm:fillClrLst meth="repeat">
-      <a:schemeClr val="lt2">
-        <a:alpha val="90000"/>
-      </a:schemeClr>
-    </dgm:fillClrLst>
-    <dgm:linClrLst meth="repeat">
-      <a:schemeClr val="dk2"/>
-    </dgm:linClrLst>
-    <dgm:effectClrLst/>
-    <dgm:txLinClrLst/>
-    <dgm:txFillClrLst meth="repeat">
-      <a:schemeClr val="dk1"/>
-    </dgm:txFillClrLst>
-    <dgm:txEffectClrLst/>
-  </dgm:styleLbl>
-  <dgm:styleLbl name="trAlignAcc1">
-    <dgm:fillClrLst meth="repeat">
-      <a:schemeClr val="lt2">
-        <a:alpha val="40000"/>
-      </a:schemeClr>
-    </dgm:fillClrLst>
-    <dgm:linClrLst meth="repeat">
-      <a:schemeClr val="dk2"/>
-    </dgm:linClrLst>
-    <dgm:effectClrLst/>
-    <dgm:txLinClrLst/>
-    <dgm:txFillClrLst meth="repeat">
-      <a:schemeClr val="dk1"/>
-    </dgm:txFillClrLst>
-    <dgm:txEffectClrLst/>
-  </dgm:styleLbl>
-  <dgm:styleLbl name="bgAcc1">
-    <dgm:fillClrLst meth="repeat">
-      <a:schemeClr val="lt2">
-        <a:alpha val="90000"/>
-      </a:schemeClr>
-    </dgm:fillClrLst>
-    <dgm:linClrLst meth="repeat">
-      <a:schemeClr val="dk2"/>
-    </dgm:linClrLst>
-    <dgm:effectClrLst/>
-    <dgm:txLinClrLst/>
-    <dgm:txFillClrLst meth="repeat">
-      <a:schemeClr val="dk1"/>
-    </dgm:txFillClrLst>
-    <dgm:txEffectClrLst/>
-  </dgm:styleLbl>
-  <dgm:styleLbl name="solidFgAcc1">
-    <dgm:fillClrLst meth="repeat">
-      <a:schemeClr val="lt2"/>
-    </dgm:fillClrLst>
-    <dgm:linClrLst meth="repeat">
-      <a:schemeClr val="dk2"/>
-    </dgm:linClrLst>
-    <dgm:effectClrLst/>
-    <dgm:txLinClrLst/>
-    <dgm:txFillClrLst meth="repeat">
-      <a:schemeClr val="dk1"/>
-    </dgm:txFillClrLst>
-    <dgm:txEffectClrLst/>
-  </dgm:styleLbl>
-  <dgm:styleLbl name="solidAlignAcc1">
-    <dgm:fillClrLst meth="repeat">
-      <a:schemeClr val="lt2"/>
-    </dgm:fillClrLst>
-    <dgm:linClrLst meth="repeat">
-      <a:schemeClr val="dk2"/>
-    </dgm:linClrLst>
-    <dgm:effectClrLst/>
-    <dgm:txLinClrLst/>
-    <dgm:txFillClrLst meth="repeat">
-      <a:schemeClr val="dk1"/>
-    </dgm:txFillClrLst>
-    <dgm:txEffectClrLst/>
-  </dgm:styleLbl>
-  <dgm:styleLbl name="solidBgAcc1">
-    <dgm:fillClrLst meth="repeat">
-      <a:schemeClr val="lt2"/>
-    </dgm:fillClrLst>
-    <dgm:linClrLst meth="repeat">
-      <a:schemeClr val="dk2"/>
-    </dgm:linClrLst>
-    <dgm:effectClrLst/>
-    <dgm:txLinClrLst/>
-    <dgm:txFillClrLst meth="repeat">
-      <a:schemeClr val="dk1"/>
-    </dgm:txFillClrLst>
-    <dgm:txEffectClrLst/>
-  </dgm:styleLbl>
-  <dgm:styleLbl name="fgAccFollowNode1">
-    <dgm:fillClrLst meth="repeat">
-      <a:schemeClr val="dk2">
-        <a:alpha val="90000"/>
-        <a:tint val="40000"/>
-      </a:schemeClr>
-    </dgm:fillClrLst>
-    <dgm:linClrLst meth="repeat">
-      <a:schemeClr val="dk2">
-        <a:alpha val="90000"/>
-        <a:tint val="40000"/>
-      </a:schemeClr>
-    </dgm:linClrLst>
-    <dgm:effectClrLst/>
-    <dgm:txLinClrLst/>
-    <dgm:txFillClrLst meth="repeat">
-      <a:schemeClr val="dk1"/>
-    </dgm:txFillClrLst>
-    <dgm:txEffectClrLst/>
-  </dgm:styleLbl>
-  <dgm:styleLbl name="alignAccFollowNode1">
-    <dgm:fillClrLst meth="repeat">
-      <a:schemeClr val="dk2">
-        <a:alpha val="90000"/>
-        <a:tint val="40000"/>
-      </a:schemeClr>
-    </dgm:fillClrLst>
-    <dgm:linClrLst meth="repeat">
-      <a:schemeClr val="dk2">
-        <a:alpha val="90000"/>
-        <a:tint val="40000"/>
-      </a:schemeClr>
-    </dgm:linClrLst>
-    <dgm:effectClrLst/>
-    <dgm:txLinClrLst/>
-    <dgm:txFillClrLst meth="repeat">
-      <a:schemeClr val="dk1"/>
-    </dgm:txFillClrLst>
-    <dgm:txEffectClrLst/>
-  </dgm:styleLbl>
-  <dgm:styleLbl name="bgAccFollowNode1">
-    <dgm:fillClrLst meth="repeat">
-      <a:schemeClr val="dk2">
-        <a:alpha val="90000"/>
-        <a:tint val="40000"/>
-      </a:schemeClr>
-    </dgm:fillClrLst>
-    <dgm:linClrLst meth="repeat">
-      <a:schemeClr val="dk2">
-        <a:alpha val="90000"/>
-        <a:tint val="40000"/>
-      </a:schemeClr>
-    </dgm:linClrLst>
-    <dgm:effectClrLst/>
-    <dgm:txLinClrLst/>
-    <dgm:txFillClrLst meth="repeat">
-      <a:schemeClr val="dk1"/>
-    </dgm:txFillClrLst>
-    <dgm:txEffectClrLst/>
-  </dgm:styleLbl>
-  <dgm:styleLbl name="fgAcc0">
-    <dgm:fillClrLst meth="repeat">
-      <a:schemeClr val="lt2">
-        <a:alpha val="90000"/>
-      </a:schemeClr>
-    </dgm:fillClrLst>
-    <dgm:linClrLst meth="repeat">
-      <a:schemeClr val="dk2"/>
-    </dgm:linClrLst>
-    <dgm:effectClrLst/>
-    <dgm:txLinClrLst/>
-    <dgm:txFillClrLst meth="repeat">
-      <a:schemeClr val="dk1"/>
-    </dgm:txFillClrLst>
-    <dgm:txEffectClrLst/>
-  </dgm:styleLbl>
-  <dgm:styleLbl name="fgAcc2">
-    <dgm:fillClrLst meth="repeat">
-      <a:schemeClr val="lt2">
-        <a:alpha val="90000"/>
-      </a:schemeClr>
-    </dgm:fillClrLst>
-    <dgm:linClrLst meth="repeat">
-      <a:schemeClr val="dk2"/>
-    </dgm:linClrLst>
-    <dgm:effectClrLst/>
-    <dgm:txLinClrLst/>
-    <dgm:txFillClrLst meth="repeat">
-      <a:schemeClr val="dk1"/>
-    </dgm:txFillClrLst>
-    <dgm:txEffectClrLst/>
-  </dgm:styleLbl>
-  <dgm:styleLbl name="fgAcc3">
-    <dgm:fillClrLst meth="repeat">
-      <a:schemeClr val="lt2">
-        <a:alpha val="90000"/>
-      </a:schemeClr>
-    </dgm:fillClrLst>
-    <dgm:linClrLst meth="repeat">
-      <a:schemeClr val="dk2"/>
-    </dgm:linClrLst>
-    <dgm:effectClrLst/>
-    <dgm:txLinClrLst/>
-    <dgm:txFillClrLst meth="repeat">
-      <a:schemeClr val="dk1"/>
-    </dgm:txFillClrLst>
-    <dgm:txEffectClrLst/>
-  </dgm:styleLbl>
-  <dgm:styleLbl name="fgAcc4">
-    <dgm:fillClrLst meth="repeat">
-      <a:schemeClr val="lt2">
-        <a:alpha val="90000"/>
-      </a:schemeClr>
-    </dgm:fillClrLst>
-    <dgm:linClrLst meth="repeat">
-      <a:schemeClr val="dk2"/>
-    </dgm:linClrLst>
-    <dgm:effectClrLst/>
-    <dgm:txLinClrLst/>
-    <dgm:txFillClrLst meth="repeat">
-      <a:schemeClr val="dk1"/>
-    </dgm:txFillClrLst>
-    <dgm:txEffectClrLst/>
-  </dgm:styleLbl>
-  <dgm:styleLbl name="bgShp">
-    <dgm:fillClrLst meth="repeat">
-      <a:schemeClr val="dk2">
-        <a:tint val="40000"/>
-      </a:schemeClr>
-    </dgm:fillClrLst>
-    <dgm:linClrLst meth="repeat">
-      <a:schemeClr val="dk2"/>
-    </dgm:linClrLst>
-    <dgm:effectClrLst/>
-    <dgm:txLinClrLst/>
-    <dgm:txFillClrLst meth="repeat">
-      <a:schemeClr val="dk1"/>
-    </dgm:txFillClrLst>
-    <dgm:txEffectClrLst/>
-  </dgm:styleLbl>
-  <dgm:styleLbl name="dkBgShp">
-    <dgm:fillClrLst meth="repeat">
-      <a:schemeClr val="dk2">
-        <a:shade val="80000"/>
-      </a:schemeClr>
-    </dgm:fillClrLst>
-    <dgm:linClrLst meth="repeat">
-      <a:schemeClr val="dk2"/>
-    </dgm:linClrLst>
-    <dgm:effectClrLst/>
-    <dgm:txLinClrLst/>
-    <dgm:txFillClrLst meth="repeat">
-      <a:schemeClr val="lt1"/>
-    </dgm:txFillClrLst>
-    <dgm:txEffectClrLst/>
-  </dgm:styleLbl>
-  <dgm:styleLbl name="trBgShp">
-    <dgm:fillClrLst meth="repeat">
-      <a:schemeClr val="dk2">
-        <a:tint val="50000"/>
-        <a:alpha val="40000"/>
-      </a:schemeClr>
-    </dgm:fillClrLst>
-    <dgm:linClrLst meth="repeat">
-      <a:schemeClr val="dk2"/>
-    </dgm:linClrLst>
-    <dgm:effectClrLst/>
-    <dgm:txLinClrLst/>
-    <dgm:txFillClrLst meth="repeat">
-      <a:schemeClr val="lt1"/>
-    </dgm:txFillClrLst>
-    <dgm:txEffectClrLst/>
-  </dgm:styleLbl>
-  <dgm:styleLbl name="fgShp">
-    <dgm:fillClrLst meth="repeat">
-      <a:schemeClr val="dk2">
-        <a:tint val="60000"/>
-      </a:schemeClr>
-    </dgm:fillClrLst>
-    <dgm:linClrLst meth="repeat">
-      <a:schemeClr val="lt2"/>
-    </dgm:linClrLst>
-    <dgm:effectClrLst/>
-    <dgm:txLinClrLst/>
-    <dgm:txFillClrLst meth="repeat">
-      <a:schemeClr val="dk1"/>
-    </dgm:txFillClrLst>
-    <dgm:txEffectClrLst/>
-  </dgm:styleLbl>
-  <dgm:styleLbl name="revTx">
-    <dgm:fillClrLst meth="repeat">
-      <a:schemeClr val="lt2">
-        <a:alpha val="0"/>
-      </a:schemeClr>
-    </dgm:fillClrLst>
-    <dgm:linClrLst meth="repeat">
-      <a:schemeClr val="dk1">
-        <a:alpha val="0"/>
-      </a:schemeClr>
-    </dgm:linClrLst>
-    <dgm:effectClrLst/>
-    <dgm:txLinClrLst/>
-    <dgm:txFillClrLst meth="repeat">
-      <a:schemeClr val="tx1"/>
-    </dgm:txFillClrLst>
-    <dgm:txEffectClrLst/>
-  </dgm:styleLbl>
-</dgm:colorsDef>
-</file>
-
-<file path=ppt/diagrams/colors2.xml><?xml version="1.0" encoding="utf-8"?>
 <dgm:colorsDef xmlns:dgm="http://schemas.openxmlformats.org/drawingml/2006/diagram" xmlns:a="http://schemas.openxmlformats.org/drawingml/2006/main" uniqueId="urn:microsoft.com/office/officeart/2005/8/colors/accent0_3">
   <dgm:title val=""/>
   <dgm:desc val=""/>
@@ -2282,1051 +1532,6 @@
 </dgm:dataModel>
 </file>
 
-<file path=ppt/diagrams/data2.xml><?xml version="1.0" encoding="utf-8"?>
-<dgm:dataModel xmlns:dgm="http://schemas.openxmlformats.org/drawingml/2006/diagram" xmlns:a="http://schemas.openxmlformats.org/drawingml/2006/main">
-  <dgm:ptLst>
-    <dgm:pt modelId="{9861F8CE-0EA0-4F74-A8DD-809B9DCE9D2F}" type="doc">
-      <dgm:prSet loTypeId="urn:microsoft.com/office/officeart/2005/8/layout/vList5" loCatId="list" qsTypeId="urn:microsoft.com/office/officeart/2005/8/quickstyle/simple1" qsCatId="simple" csTypeId="urn:microsoft.com/office/officeart/2005/8/colors/accent0_3" csCatId="mainScheme" phldr="1"/>
-      <dgm:spPr/>
-      <dgm:t>
-        <a:bodyPr/>
-        <a:lstStyle/>
-        <a:p>
-          <a:endParaRPr lang="zh-TW" altLang="en-US"/>
-        </a:p>
-      </dgm:t>
-    </dgm:pt>
-    <dgm:pt modelId="{E89D6884-6A81-449E-BCB0-CCDF576B44C9}">
-      <dgm:prSet phldrT="[文字]"/>
-      <dgm:spPr/>
-      <dgm:t>
-        <a:bodyPr/>
-        <a:lstStyle/>
-        <a:p>
-          <a:pPr>
-            <a:buFont typeface="+mj-lt"/>
-            <a:buAutoNum type="arabicPeriod"/>
-          </a:pPr>
-          <a:r>
-            <a:rPr lang="en-US" dirty="0"/>
-            <a:t>apply </a:t>
-          </a:r>
-          <a:r>
-            <a:rPr lang="zh-TW" altLang="en-US" dirty="0"/>
-            <a:t>申報</a:t>
-          </a:r>
-        </a:p>
-      </dgm:t>
-    </dgm:pt>
-    <dgm:pt modelId="{85D885A6-51A9-4FBC-A2F7-E031EBDDE95D}" type="parTrans" cxnId="{927448C0-9F70-4618-AB9E-E9E9252398C4}">
-      <dgm:prSet/>
-      <dgm:spPr/>
-      <dgm:t>
-        <a:bodyPr/>
-        <a:lstStyle/>
-        <a:p>
-          <a:endParaRPr lang="zh-TW" altLang="en-US"/>
-        </a:p>
-      </dgm:t>
-    </dgm:pt>
-    <dgm:pt modelId="{633ED76E-8233-4946-9B2B-71E46FEEEDC8}" type="sibTrans" cxnId="{927448C0-9F70-4618-AB9E-E9E9252398C4}">
-      <dgm:prSet/>
-      <dgm:spPr/>
-      <dgm:t>
-        <a:bodyPr/>
-        <a:lstStyle/>
-        <a:p>
-          <a:endParaRPr lang="zh-TW" altLang="en-US"/>
-        </a:p>
-      </dgm:t>
-    </dgm:pt>
-    <dgm:pt modelId="{00108D04-2904-4238-9D8F-F5A1C6554ECE}">
-      <dgm:prSet/>
-      <dgm:spPr/>
-      <dgm:t>
-        <a:bodyPr/>
-        <a:lstStyle/>
-        <a:p>
-          <a:pPr>
-            <a:buFont typeface="+mj-lt"/>
-            <a:buAutoNum type="arabicPeriod"/>
-          </a:pPr>
-          <a:r>
-            <a:rPr lang="en-US" dirty="0"/>
-            <a:t>sweep </a:t>
-          </a:r>
-          <a:r>
-            <a:rPr lang="zh-TW" altLang="en-US" dirty="0"/>
-            <a:t>清掃</a:t>
-          </a:r>
-          <a:endParaRPr lang="en-US" altLang="zh-TW" dirty="0"/>
-        </a:p>
-      </dgm:t>
-    </dgm:pt>
-    <dgm:pt modelId="{D9561A27-8D21-43AB-987B-56C6FE1A7725}" type="parTrans" cxnId="{163C950C-302A-451D-9921-AC766292E893}">
-      <dgm:prSet/>
-      <dgm:spPr/>
-      <dgm:t>
-        <a:bodyPr/>
-        <a:lstStyle/>
-        <a:p>
-          <a:endParaRPr lang="zh-TW" altLang="en-US"/>
-        </a:p>
-      </dgm:t>
-    </dgm:pt>
-    <dgm:pt modelId="{56C35AB7-1039-42DA-AEBB-B0D1F85E4EFD}" type="sibTrans" cxnId="{163C950C-302A-451D-9921-AC766292E893}">
-      <dgm:prSet/>
-      <dgm:spPr/>
-      <dgm:t>
-        <a:bodyPr/>
-        <a:lstStyle/>
-        <a:p>
-          <a:endParaRPr lang="zh-TW" altLang="en-US"/>
-        </a:p>
-      </dgm:t>
-    </dgm:pt>
-    <dgm:pt modelId="{388EAC76-8273-45C7-BAB7-610753D1EA69}">
-      <dgm:prSet/>
-      <dgm:spPr/>
-      <dgm:t>
-        <a:bodyPr/>
-        <a:lstStyle/>
-        <a:p>
-          <a:pPr>
-            <a:buFont typeface="+mj-lt"/>
-            <a:buAutoNum type="arabicPeriod"/>
-          </a:pPr>
-          <a:r>
-            <a:rPr lang="en-US" dirty="0"/>
-            <a:t>malfunction </a:t>
-          </a:r>
-          <a:r>
-            <a:rPr lang="zh-TW" altLang="en-US" dirty="0"/>
-            <a:t>故障</a:t>
-          </a:r>
-          <a:endParaRPr lang="en-US" altLang="zh-TW" dirty="0"/>
-        </a:p>
-      </dgm:t>
-    </dgm:pt>
-    <dgm:pt modelId="{F12291AC-9572-47CB-9CBE-9FA1B76E2566}" type="parTrans" cxnId="{38D0C80E-FB6C-4797-A3F3-C7962BB30A03}">
-      <dgm:prSet/>
-      <dgm:spPr/>
-      <dgm:t>
-        <a:bodyPr/>
-        <a:lstStyle/>
-        <a:p>
-          <a:endParaRPr lang="zh-TW" altLang="en-US"/>
-        </a:p>
-      </dgm:t>
-    </dgm:pt>
-    <dgm:pt modelId="{D8E291EE-73C2-4FA6-81A0-1538F8F40D02}" type="sibTrans" cxnId="{38D0C80E-FB6C-4797-A3F3-C7962BB30A03}">
-      <dgm:prSet/>
-      <dgm:spPr/>
-      <dgm:t>
-        <a:bodyPr/>
-        <a:lstStyle/>
-        <a:p>
-          <a:endParaRPr lang="zh-TW" altLang="en-US"/>
-        </a:p>
-      </dgm:t>
-    </dgm:pt>
-    <dgm:pt modelId="{874A5C79-89B8-4AFB-8F51-9E70EEF042E5}">
-      <dgm:prSet/>
-      <dgm:spPr/>
-      <dgm:t>
-        <a:bodyPr/>
-        <a:lstStyle/>
-        <a:p>
-          <a:pPr>
-            <a:buFont typeface="+mj-lt"/>
-            <a:buAutoNum type="arabicPeriod"/>
-          </a:pPr>
-          <a:r>
-            <a:rPr lang="en-US" dirty="0"/>
-            <a:t>processing </a:t>
-          </a:r>
-          <a:r>
-            <a:rPr lang="zh-TW" altLang="en-US" dirty="0"/>
-            <a:t>處理過程</a:t>
-          </a:r>
-          <a:endParaRPr lang="en-US" altLang="zh-TW" dirty="0"/>
-        </a:p>
-      </dgm:t>
-    </dgm:pt>
-    <dgm:pt modelId="{C41BE1AE-1242-41FD-A132-4DD2AE1817D3}" type="parTrans" cxnId="{EC1F0CD2-3857-49A7-A80A-05006DE89E66}">
-      <dgm:prSet/>
-      <dgm:spPr/>
-      <dgm:t>
-        <a:bodyPr/>
-        <a:lstStyle/>
-        <a:p>
-          <a:endParaRPr lang="zh-TW" altLang="en-US"/>
-        </a:p>
-      </dgm:t>
-    </dgm:pt>
-    <dgm:pt modelId="{BBAA1813-D723-44A6-9D7E-63F7BF7C31EF}" type="sibTrans" cxnId="{EC1F0CD2-3857-49A7-A80A-05006DE89E66}">
-      <dgm:prSet/>
-      <dgm:spPr/>
-      <dgm:t>
-        <a:bodyPr/>
-        <a:lstStyle/>
-        <a:p>
-          <a:endParaRPr lang="zh-TW" altLang="en-US"/>
-        </a:p>
-      </dgm:t>
-    </dgm:pt>
-    <dgm:pt modelId="{A7C34D9C-A052-45A4-8695-DB5D20CA622D}">
-      <dgm:prSet/>
-      <dgm:spPr/>
-      <dgm:t>
-        <a:bodyPr/>
-        <a:lstStyle/>
-        <a:p>
-          <a:pPr>
-            <a:buFont typeface="+mj-lt"/>
-            <a:buAutoNum type="arabicPeriod"/>
-          </a:pPr>
-          <a:r>
-            <a:rPr lang="en-US" dirty="0"/>
-            <a:t>switch </a:t>
-          </a:r>
-          <a:r>
-            <a:rPr lang="zh-TW" altLang="en-US" dirty="0"/>
-            <a:t>網路交換器</a:t>
-          </a:r>
-        </a:p>
-      </dgm:t>
-    </dgm:pt>
-    <dgm:pt modelId="{67193209-854D-4E6C-B1D3-A8E0ACF58FFA}" type="parTrans" cxnId="{71152C09-339F-4152-BF38-185F30D5983E}">
-      <dgm:prSet/>
-      <dgm:spPr/>
-      <dgm:t>
-        <a:bodyPr/>
-        <a:lstStyle/>
-        <a:p>
-          <a:endParaRPr lang="zh-TW" altLang="en-US"/>
-        </a:p>
-      </dgm:t>
-    </dgm:pt>
-    <dgm:pt modelId="{B012E012-2649-45C7-AB2A-6A65AA2C93E3}" type="sibTrans" cxnId="{71152C09-339F-4152-BF38-185F30D5983E}">
-      <dgm:prSet/>
-      <dgm:spPr/>
-      <dgm:t>
-        <a:bodyPr/>
-        <a:lstStyle/>
-        <a:p>
-          <a:endParaRPr lang="zh-TW" altLang="en-US"/>
-        </a:p>
-      </dgm:t>
-    </dgm:pt>
-    <dgm:pt modelId="{A4D6143B-27B2-4FA5-AAC5-4EAB81CAC59F}">
-      <dgm:prSet/>
-      <dgm:spPr/>
-      <dgm:t>
-        <a:bodyPr/>
-        <a:lstStyle/>
-        <a:p>
-          <a:pPr>
-            <a:buFont typeface="+mj-lt"/>
-            <a:buAutoNum type="arabicPeriod"/>
-          </a:pPr>
-          <a:r>
-            <a:rPr lang="en-US" dirty="0"/>
-            <a:t>cabinet </a:t>
-          </a:r>
-          <a:r>
-            <a:rPr lang="zh-TW" altLang="en-US" dirty="0"/>
-            <a:t>機櫃</a:t>
-          </a:r>
-        </a:p>
-      </dgm:t>
-    </dgm:pt>
-    <dgm:pt modelId="{DB02FA38-7E80-4632-9DCC-145B31D36D2F}" type="parTrans" cxnId="{A74558FD-73B4-4689-8493-7BB2F23BD4E9}">
-      <dgm:prSet/>
-      <dgm:spPr/>
-      <dgm:t>
-        <a:bodyPr/>
-        <a:lstStyle/>
-        <a:p>
-          <a:endParaRPr lang="zh-TW" altLang="en-US"/>
-        </a:p>
-      </dgm:t>
-    </dgm:pt>
-    <dgm:pt modelId="{85AA5731-0011-434F-B047-DF17AC1407CD}" type="sibTrans" cxnId="{A74558FD-73B4-4689-8493-7BB2F23BD4E9}">
-      <dgm:prSet/>
-      <dgm:spPr/>
-      <dgm:t>
-        <a:bodyPr/>
-        <a:lstStyle/>
-        <a:p>
-          <a:endParaRPr lang="zh-TW" altLang="en-US"/>
-        </a:p>
-      </dgm:t>
-    </dgm:pt>
-    <dgm:pt modelId="{004019E1-B456-42C4-B0A2-C4EDCFD9430A}">
-      <dgm:prSet/>
-      <dgm:spPr/>
-      <dgm:t>
-        <a:bodyPr/>
-        <a:lstStyle/>
-        <a:p>
-          <a:pPr>
-            <a:buFont typeface="+mj-lt"/>
-            <a:buAutoNum type="arabicPeriod"/>
-          </a:pPr>
-          <a:r>
-            <a:rPr lang="en-US" dirty="0"/>
-            <a:t>vendor </a:t>
-          </a:r>
-          <a:r>
-            <a:rPr lang="zh-TW" altLang="en-US" dirty="0"/>
-            <a:t>廠商</a:t>
-          </a:r>
-        </a:p>
-      </dgm:t>
-    </dgm:pt>
-    <dgm:pt modelId="{C571B623-D5D7-4540-9F07-BCF6C7F08A54}" type="parTrans" cxnId="{5685F0C8-F87B-4AAA-919F-9FF2FBC7C540}">
-      <dgm:prSet/>
-      <dgm:spPr/>
-      <dgm:t>
-        <a:bodyPr/>
-        <a:lstStyle/>
-        <a:p>
-          <a:endParaRPr lang="zh-TW" altLang="en-US"/>
-        </a:p>
-      </dgm:t>
-    </dgm:pt>
-    <dgm:pt modelId="{6618B4EA-D763-4475-AC48-9E57C4F220E8}" type="sibTrans" cxnId="{5685F0C8-F87B-4AAA-919F-9FF2FBC7C540}">
-      <dgm:prSet/>
-      <dgm:spPr/>
-      <dgm:t>
-        <a:bodyPr/>
-        <a:lstStyle/>
-        <a:p>
-          <a:endParaRPr lang="zh-TW" altLang="en-US"/>
-        </a:p>
-      </dgm:t>
-    </dgm:pt>
-    <dgm:pt modelId="{6C67805C-D9F4-48FD-9F03-F54D73807303}">
-      <dgm:prSet/>
-      <dgm:spPr/>
-      <dgm:t>
-        <a:bodyPr/>
-        <a:lstStyle/>
-        <a:p>
-          <a:pPr>
-            <a:buFont typeface="+mj-lt"/>
-            <a:buAutoNum type="arabicPeriod"/>
-          </a:pPr>
-          <a:r>
-            <a:rPr lang="en-US" altLang="zh-TW" dirty="0"/>
-            <a:t>Boarder</a:t>
-          </a:r>
-          <a:r>
-            <a:rPr lang="zh-TW" altLang="en-US" dirty="0"/>
-            <a:t> 住宿生</a:t>
-          </a:r>
-          <a:endParaRPr lang="en-US" altLang="zh-TW" dirty="0"/>
-        </a:p>
-      </dgm:t>
-    </dgm:pt>
-    <dgm:pt modelId="{8D0922CC-D620-4273-9135-09799232AC13}" type="parTrans" cxnId="{5E200817-9616-4C2A-A891-0DB6D2B7AE1E}">
-      <dgm:prSet/>
-      <dgm:spPr/>
-      <dgm:t>
-        <a:bodyPr/>
-        <a:lstStyle/>
-        <a:p>
-          <a:endParaRPr lang="zh-TW" altLang="en-US"/>
-        </a:p>
-      </dgm:t>
-    </dgm:pt>
-    <dgm:pt modelId="{0C7F7A17-65B9-4E87-B22A-B7E9404B91AE}" type="sibTrans" cxnId="{5E200817-9616-4C2A-A891-0DB6D2B7AE1E}">
-      <dgm:prSet/>
-      <dgm:spPr/>
-      <dgm:t>
-        <a:bodyPr/>
-        <a:lstStyle/>
-        <a:p>
-          <a:endParaRPr lang="zh-TW" altLang="en-US"/>
-        </a:p>
-      </dgm:t>
-    </dgm:pt>
-    <dgm:pt modelId="{570200AA-010C-41F0-B6CC-4B39979824AA}">
-      <dgm:prSet/>
-      <dgm:spPr/>
-      <dgm:t>
-        <a:bodyPr/>
-        <a:lstStyle/>
-        <a:p>
-          <a:pPr>
-            <a:buFont typeface="+mj-lt"/>
-            <a:buAutoNum type="arabicPeriod"/>
-          </a:pPr>
-          <a:r>
-            <a:rPr lang="en-US" dirty="0"/>
-            <a:t>employee </a:t>
-          </a:r>
-          <a:r>
-            <a:rPr lang="zh-TW" altLang="en-US" dirty="0"/>
-            <a:t>工作人員</a:t>
-          </a:r>
-          <a:endParaRPr lang="en-US" altLang="zh-TW" dirty="0"/>
-        </a:p>
-      </dgm:t>
-    </dgm:pt>
-    <dgm:pt modelId="{15607BB9-B1E7-4CAD-AC7E-CFEB5B6C882C}" type="parTrans" cxnId="{A9948EB5-5F45-4DE7-9EC8-919C0B0498BA}">
-      <dgm:prSet/>
-      <dgm:spPr/>
-      <dgm:t>
-        <a:bodyPr/>
-        <a:lstStyle/>
-        <a:p>
-          <a:endParaRPr lang="zh-TW" altLang="en-US"/>
-        </a:p>
-      </dgm:t>
-    </dgm:pt>
-    <dgm:pt modelId="{DE836515-59FC-431E-B91A-EACED6700EF7}" type="sibTrans" cxnId="{A9948EB5-5F45-4DE7-9EC8-919C0B0498BA}">
-      <dgm:prSet/>
-      <dgm:spPr/>
-      <dgm:t>
-        <a:bodyPr/>
-        <a:lstStyle/>
-        <a:p>
-          <a:endParaRPr lang="zh-TW" altLang="en-US"/>
-        </a:p>
-      </dgm:t>
-    </dgm:pt>
-    <dgm:pt modelId="{CD4D70D3-0221-4505-9683-4BEB8155EBE3}">
-      <dgm:prSet/>
-      <dgm:spPr/>
-      <dgm:t>
-        <a:bodyPr/>
-        <a:lstStyle/>
-        <a:p>
-          <a:pPr>
-            <a:buFont typeface="Arial" panose="020B0604020202020204" pitchFamily="34" charset="0"/>
-            <a:buNone/>
-          </a:pPr>
-          <a:r>
-            <a:rPr lang="zh-TW" altLang="en-US" dirty="0"/>
-            <a:t>網路報修單</a:t>
-          </a:r>
-          <a:endParaRPr lang="en-US" altLang="zh-TW" dirty="0"/>
-        </a:p>
-      </dgm:t>
-    </dgm:pt>
-    <dgm:pt modelId="{73E7896A-EB35-4FE4-9CCF-E1D57AFF6002}" type="parTrans" cxnId="{DF1F275F-7019-4CDE-945C-B6A5FCE39E2A}">
-      <dgm:prSet/>
-      <dgm:spPr/>
-      <dgm:t>
-        <a:bodyPr/>
-        <a:lstStyle/>
-        <a:p>
-          <a:endParaRPr lang="zh-TW" altLang="en-US"/>
-        </a:p>
-      </dgm:t>
-    </dgm:pt>
-    <dgm:pt modelId="{ED5C54AE-C803-4B70-A1C6-DB32E63657B9}" type="sibTrans" cxnId="{DF1F275F-7019-4CDE-945C-B6A5FCE39E2A}">
-      <dgm:prSet/>
-      <dgm:spPr/>
-      <dgm:t>
-        <a:bodyPr/>
-        <a:lstStyle/>
-        <a:p>
-          <a:endParaRPr lang="zh-TW" altLang="en-US"/>
-        </a:p>
-      </dgm:t>
-    </dgm:pt>
-    <dgm:pt modelId="{3BFDCD1F-E803-4FC5-B2ED-8CAA545124D9}">
-      <dgm:prSet/>
-      <dgm:spPr/>
-      <dgm:t>
-        <a:bodyPr/>
-        <a:lstStyle/>
-        <a:p>
-          <a:pPr>
-            <a:buFont typeface="Arial" panose="020B0604020202020204" pitchFamily="34" charset="0"/>
-            <a:buNone/>
-          </a:pPr>
-          <a:r>
-            <a:rPr lang="zh-TW" altLang="en-US" dirty="0"/>
-            <a:t>網路維修單</a:t>
-          </a:r>
-          <a:endParaRPr lang="en-US" altLang="zh-TW" dirty="0"/>
-        </a:p>
-      </dgm:t>
-    </dgm:pt>
-    <dgm:pt modelId="{6A310BE0-F7AF-49EC-9745-34C217950233}" type="parTrans" cxnId="{3DF13104-299B-40D6-9570-5852CA0C3F20}">
-      <dgm:prSet/>
-      <dgm:spPr/>
-      <dgm:t>
-        <a:bodyPr/>
-        <a:lstStyle/>
-        <a:p>
-          <a:endParaRPr lang="zh-TW" altLang="en-US"/>
-        </a:p>
-      </dgm:t>
-    </dgm:pt>
-    <dgm:pt modelId="{66D9E779-7776-4DAD-82D2-2520DFDD762E}" type="sibTrans" cxnId="{3DF13104-299B-40D6-9570-5852CA0C3F20}">
-      <dgm:prSet/>
-      <dgm:spPr/>
-      <dgm:t>
-        <a:bodyPr/>
-        <a:lstStyle/>
-        <a:p>
-          <a:endParaRPr lang="zh-TW" altLang="en-US"/>
-        </a:p>
-      </dgm:t>
-    </dgm:pt>
-    <dgm:pt modelId="{84840241-B7CC-4AE6-BE96-B5D31C35FB80}">
-      <dgm:prSet/>
-      <dgm:spPr/>
-      <dgm:t>
-        <a:bodyPr/>
-        <a:lstStyle/>
-        <a:p>
-          <a:pPr>
-            <a:buFont typeface="Arial" panose="020B0604020202020204" pitchFamily="34" charset="0"/>
-            <a:buNone/>
-          </a:pPr>
-          <a:r>
-            <a:rPr lang="zh-TW" altLang="en-US" dirty="0"/>
-            <a:t>機櫃清潔</a:t>
-          </a:r>
-          <a:endParaRPr lang="en-US" altLang="zh-TW" dirty="0"/>
-        </a:p>
-      </dgm:t>
-    </dgm:pt>
-    <dgm:pt modelId="{EC1A2FCD-A5CA-4A3D-93F9-76DD67E71A02}" type="parTrans" cxnId="{7FEFF22E-4BCA-4FCD-9F1F-0F8429DF4299}">
-      <dgm:prSet/>
-      <dgm:spPr/>
-      <dgm:t>
-        <a:bodyPr/>
-        <a:lstStyle/>
-        <a:p>
-          <a:endParaRPr lang="zh-TW" altLang="en-US"/>
-        </a:p>
-      </dgm:t>
-    </dgm:pt>
-    <dgm:pt modelId="{D172B1B6-D950-4BC1-8A61-938BE19B0C1C}" type="sibTrans" cxnId="{7FEFF22E-4BCA-4FCD-9F1F-0F8429DF4299}">
-      <dgm:prSet/>
-      <dgm:spPr/>
-      <dgm:t>
-        <a:bodyPr/>
-        <a:lstStyle/>
-        <a:p>
-          <a:endParaRPr lang="zh-TW" altLang="en-US"/>
-        </a:p>
-      </dgm:t>
-    </dgm:pt>
-    <dgm:pt modelId="{C1864CBE-8B11-45EF-877E-21B715E6BC3F}">
-      <dgm:prSet phldrT="[文字]"/>
-      <dgm:spPr/>
-      <dgm:t>
-        <a:bodyPr/>
-        <a:lstStyle/>
-        <a:p>
-          <a:pPr>
-            <a:buFont typeface="Arial" panose="020B0604020202020204" pitchFamily="34" charset="0"/>
-            <a:buNone/>
-          </a:pPr>
-          <a:r>
-            <a:rPr lang="zh-TW" altLang="en-US" dirty="0"/>
-            <a:t>跟廠商報修故障交換器</a:t>
-          </a:r>
-        </a:p>
-      </dgm:t>
-    </dgm:pt>
-    <dgm:pt modelId="{327B3251-D9CC-4C2C-8D47-A31204789B6D}" type="parTrans" cxnId="{9E0559F3-B8C4-45FA-97E2-EF2D03558037}">
-      <dgm:prSet/>
-      <dgm:spPr/>
-      <dgm:t>
-        <a:bodyPr/>
-        <a:lstStyle/>
-        <a:p>
-          <a:endParaRPr lang="zh-TW" altLang="en-US"/>
-        </a:p>
-      </dgm:t>
-    </dgm:pt>
-    <dgm:pt modelId="{8D7F8CE2-B6AE-4F9E-BC2B-8A4D7E2BA228}" type="sibTrans" cxnId="{9E0559F3-B8C4-45FA-97E2-EF2D03558037}">
-      <dgm:prSet/>
-      <dgm:spPr/>
-      <dgm:t>
-        <a:bodyPr/>
-        <a:lstStyle/>
-        <a:p>
-          <a:endParaRPr lang="zh-TW" altLang="en-US"/>
-        </a:p>
-      </dgm:t>
-    </dgm:pt>
-    <dgm:pt modelId="{432DBEEF-53E0-4A07-A82F-DEDEBC007B04}">
-      <dgm:prSet/>
-      <dgm:spPr/>
-      <dgm:t>
-        <a:bodyPr/>
-        <a:lstStyle/>
-        <a:p>
-          <a:pPr>
-            <a:buFont typeface="Arial" panose="020B0604020202020204" pitchFamily="34" charset="0"/>
-            <a:buNone/>
-          </a:pPr>
-          <a:r>
-            <a:rPr lang="zh-TW" altLang="en-US" dirty="0"/>
-            <a:t>身份為學生</a:t>
-          </a:r>
-          <a:endParaRPr lang="en-US" altLang="zh-TW" dirty="0"/>
-        </a:p>
-      </dgm:t>
-    </dgm:pt>
-    <dgm:pt modelId="{6027DA28-5C48-4A4E-A25A-736CA292AC74}" type="parTrans" cxnId="{14259C37-E1D2-4729-B918-AF5EBBCBA036}">
-      <dgm:prSet/>
-      <dgm:spPr/>
-      <dgm:t>
-        <a:bodyPr/>
-        <a:lstStyle/>
-        <a:p>
-          <a:endParaRPr lang="zh-TW" altLang="en-US"/>
-        </a:p>
-      </dgm:t>
-    </dgm:pt>
-    <dgm:pt modelId="{7D5FDD38-D6A0-4F05-85FB-42C636F154BF}" type="sibTrans" cxnId="{14259C37-E1D2-4729-B918-AF5EBBCBA036}">
-      <dgm:prSet/>
-      <dgm:spPr/>
-      <dgm:t>
-        <a:bodyPr/>
-        <a:lstStyle/>
-        <a:p>
-          <a:endParaRPr lang="zh-TW" altLang="en-US"/>
-        </a:p>
-      </dgm:t>
-    </dgm:pt>
-    <dgm:pt modelId="{91065604-16F6-4C33-B993-E2E23EE52532}">
-      <dgm:prSet/>
-      <dgm:spPr/>
-      <dgm:t>
-        <a:bodyPr/>
-        <a:lstStyle/>
-        <a:p>
-          <a:pPr>
-            <a:buFont typeface="Arial" panose="020B0604020202020204" pitchFamily="34" charset="0"/>
-            <a:buNone/>
-          </a:pPr>
-          <a:r>
-            <a:rPr lang="zh-TW" altLang="en-US" dirty="0"/>
-            <a:t>身份為學生</a:t>
-          </a:r>
-          <a:endParaRPr lang="en-US" altLang="zh-TW" dirty="0"/>
-        </a:p>
-      </dgm:t>
-    </dgm:pt>
-    <dgm:pt modelId="{F144B275-F064-4060-8360-41A1641AC523}" type="parTrans" cxnId="{182D3B26-C128-4323-96A2-684021F5AC66}">
-      <dgm:prSet/>
-      <dgm:spPr/>
-      <dgm:t>
-        <a:bodyPr/>
-        <a:lstStyle/>
-        <a:p>
-          <a:endParaRPr lang="zh-TW" altLang="en-US"/>
-        </a:p>
-      </dgm:t>
-    </dgm:pt>
-    <dgm:pt modelId="{DCEC096E-899D-4645-98BB-1958E7ED80DF}" type="sibTrans" cxnId="{182D3B26-C128-4323-96A2-684021F5AC66}">
-      <dgm:prSet/>
-      <dgm:spPr/>
-      <dgm:t>
-        <a:bodyPr/>
-        <a:lstStyle/>
-        <a:p>
-          <a:endParaRPr lang="zh-TW" altLang="en-US"/>
-        </a:p>
-      </dgm:t>
-    </dgm:pt>
-    <dgm:pt modelId="{176FF34E-3788-4C46-A091-011482F607A5}">
-      <dgm:prSet/>
-      <dgm:spPr/>
-      <dgm:t>
-        <a:bodyPr/>
-        <a:lstStyle/>
-        <a:p>
-          <a:pPr>
-            <a:buFont typeface="Arial" panose="020B0604020202020204" pitchFamily="34" charset="0"/>
-            <a:buNone/>
-          </a:pPr>
-          <a:r>
-            <a:rPr lang="zh-TW" altLang="en-US" dirty="0"/>
-            <a:t>放置交換器場所</a:t>
-          </a:r>
-        </a:p>
-      </dgm:t>
-    </dgm:pt>
-    <dgm:pt modelId="{CFBF8D61-A2E1-42A0-A51A-363BAE7B1A9E}" type="parTrans" cxnId="{0E9F916B-A4DD-4719-A1A2-1FF865DAF0A5}">
-      <dgm:prSet/>
-      <dgm:spPr/>
-      <dgm:t>
-        <a:bodyPr/>
-        <a:lstStyle/>
-        <a:p>
-          <a:endParaRPr lang="zh-TW" altLang="en-US"/>
-        </a:p>
-      </dgm:t>
-    </dgm:pt>
-    <dgm:pt modelId="{BEC0EEDA-1862-437C-B620-66F694670D12}" type="sibTrans" cxnId="{0E9F916B-A4DD-4719-A1A2-1FF865DAF0A5}">
-      <dgm:prSet/>
-      <dgm:spPr/>
-      <dgm:t>
-        <a:bodyPr/>
-        <a:lstStyle/>
-        <a:p>
-          <a:endParaRPr lang="zh-TW" altLang="en-US"/>
-        </a:p>
-      </dgm:t>
-    </dgm:pt>
-    <dgm:pt modelId="{AB6573F4-BF1C-49A5-B2FD-A6CD0D368D5F}">
-      <dgm:prSet/>
-      <dgm:spPr/>
-      <dgm:t>
-        <a:bodyPr/>
-        <a:lstStyle/>
-        <a:p>
-          <a:pPr>
-            <a:buFont typeface="Arial" panose="020B0604020202020204" pitchFamily="34" charset="0"/>
-            <a:buNone/>
-          </a:pPr>
-          <a:r>
-            <a:rPr lang="zh-TW" altLang="en-US" dirty="0"/>
-            <a:t>交換器提供商</a:t>
-          </a:r>
-        </a:p>
-      </dgm:t>
-    </dgm:pt>
-    <dgm:pt modelId="{3B21A985-3DFB-458B-AB0B-1818D29CEE74}" type="parTrans" cxnId="{0A3DA1F6-FBF9-47C4-A674-A9C4CE3DC37A}">
-      <dgm:prSet/>
-      <dgm:spPr/>
-      <dgm:t>
-        <a:bodyPr/>
-        <a:lstStyle/>
-        <a:p>
-          <a:endParaRPr lang="zh-TW" altLang="en-US"/>
-        </a:p>
-      </dgm:t>
-    </dgm:pt>
-    <dgm:pt modelId="{5344847E-DF3F-4759-B929-131E45321F13}" type="sibTrans" cxnId="{0A3DA1F6-FBF9-47C4-A674-A9C4CE3DC37A}">
-      <dgm:prSet/>
-      <dgm:spPr/>
-      <dgm:t>
-        <a:bodyPr/>
-        <a:lstStyle/>
-        <a:p>
-          <a:endParaRPr lang="zh-TW" altLang="en-US"/>
-        </a:p>
-      </dgm:t>
-    </dgm:pt>
-    <dgm:pt modelId="{508DCFDD-5F08-4D16-A894-139D8AB1D904}" type="pres">
-      <dgm:prSet presAssocID="{9861F8CE-0EA0-4F74-A8DD-809B9DCE9D2F}" presName="Name0" presStyleCnt="0">
-        <dgm:presLayoutVars>
-          <dgm:dir/>
-          <dgm:animLvl val="lvl"/>
-          <dgm:resizeHandles val="exact"/>
-        </dgm:presLayoutVars>
-      </dgm:prSet>
-      <dgm:spPr/>
-    </dgm:pt>
-    <dgm:pt modelId="{45CAF1C1-194F-4A79-9E9C-3C2967FACC4C}" type="pres">
-      <dgm:prSet presAssocID="{E89D6884-6A81-449E-BCB0-CCDF576B44C9}" presName="linNode" presStyleCnt="0"/>
-      <dgm:spPr/>
-    </dgm:pt>
-    <dgm:pt modelId="{C10955FA-CC02-4530-9116-E71E7F3BE011}" type="pres">
-      <dgm:prSet presAssocID="{E89D6884-6A81-449E-BCB0-CCDF576B44C9}" presName="parentText" presStyleLbl="node1" presStyleIdx="0" presStyleCnt="9">
-        <dgm:presLayoutVars>
-          <dgm:chMax val="1"/>
-          <dgm:bulletEnabled val="1"/>
-        </dgm:presLayoutVars>
-      </dgm:prSet>
-      <dgm:spPr/>
-    </dgm:pt>
-    <dgm:pt modelId="{9193D375-FFD4-41B9-AD06-647A1B8BBF83}" type="pres">
-      <dgm:prSet presAssocID="{E89D6884-6A81-449E-BCB0-CCDF576B44C9}" presName="descendantText" presStyleLbl="alignAccFollowNode1" presStyleIdx="0" presStyleCnt="8" custLinFactNeighborX="0" custLinFactNeighborY="0">
-        <dgm:presLayoutVars>
-          <dgm:bulletEnabled val="1"/>
-        </dgm:presLayoutVars>
-      </dgm:prSet>
-      <dgm:spPr/>
-    </dgm:pt>
-    <dgm:pt modelId="{7A449BCD-237E-41DD-8FDF-3ED26D809A45}" type="pres">
-      <dgm:prSet presAssocID="{633ED76E-8233-4946-9B2B-71E46FEEEDC8}" presName="sp" presStyleCnt="0"/>
-      <dgm:spPr/>
-    </dgm:pt>
-    <dgm:pt modelId="{AAF77334-39B9-44E9-A6F2-7324983047DD}" type="pres">
-      <dgm:prSet presAssocID="{00108D04-2904-4238-9D8F-F5A1C6554ECE}" presName="linNode" presStyleCnt="0"/>
-      <dgm:spPr/>
-    </dgm:pt>
-    <dgm:pt modelId="{EB058EA5-572F-4306-B1FA-AEE9D7B969E6}" type="pres">
-      <dgm:prSet presAssocID="{00108D04-2904-4238-9D8F-F5A1C6554ECE}" presName="parentText" presStyleLbl="node1" presStyleIdx="1" presStyleCnt="9">
-        <dgm:presLayoutVars>
-          <dgm:chMax val="1"/>
-          <dgm:bulletEnabled val="1"/>
-        </dgm:presLayoutVars>
-      </dgm:prSet>
-      <dgm:spPr/>
-    </dgm:pt>
-    <dgm:pt modelId="{6A1E5105-8AB5-41F1-8F03-F1EDAEE348C8}" type="pres">
-      <dgm:prSet presAssocID="{00108D04-2904-4238-9D8F-F5A1C6554ECE}" presName="descendantText" presStyleLbl="alignAccFollowNode1" presStyleIdx="1" presStyleCnt="8" custLinFactNeighborX="0" custLinFactNeighborY="0">
-        <dgm:presLayoutVars>
-          <dgm:bulletEnabled val="1"/>
-        </dgm:presLayoutVars>
-      </dgm:prSet>
-      <dgm:spPr/>
-    </dgm:pt>
-    <dgm:pt modelId="{216AC649-CE52-4DE1-B40A-8A801059FC3E}" type="pres">
-      <dgm:prSet presAssocID="{56C35AB7-1039-42DA-AEBB-B0D1F85E4EFD}" presName="sp" presStyleCnt="0"/>
-      <dgm:spPr/>
-    </dgm:pt>
-    <dgm:pt modelId="{83A4588B-C5A8-45C0-99B3-1FF1AC07EF3C}" type="pres">
-      <dgm:prSet presAssocID="{388EAC76-8273-45C7-BAB7-610753D1EA69}" presName="linNode" presStyleCnt="0"/>
-      <dgm:spPr/>
-    </dgm:pt>
-    <dgm:pt modelId="{55402012-3A69-449F-87E1-8630A85D0AA4}" type="pres">
-      <dgm:prSet presAssocID="{388EAC76-8273-45C7-BAB7-610753D1EA69}" presName="parentText" presStyleLbl="node1" presStyleIdx="2" presStyleCnt="9">
-        <dgm:presLayoutVars>
-          <dgm:chMax val="1"/>
-          <dgm:bulletEnabled val="1"/>
-        </dgm:presLayoutVars>
-      </dgm:prSet>
-      <dgm:spPr/>
-    </dgm:pt>
-    <dgm:pt modelId="{11B369EB-CBB1-4931-B977-C4601D5097BD}" type="pres">
-      <dgm:prSet presAssocID="{388EAC76-8273-45C7-BAB7-610753D1EA69}" presName="descendantText" presStyleLbl="alignAccFollowNode1" presStyleIdx="2" presStyleCnt="8" custLinFactNeighborX="0" custLinFactNeighborY="0">
-        <dgm:presLayoutVars>
-          <dgm:bulletEnabled val="1"/>
-        </dgm:presLayoutVars>
-      </dgm:prSet>
-      <dgm:spPr/>
-    </dgm:pt>
-    <dgm:pt modelId="{6A7904F0-FB07-425B-9958-0F805D1BAA86}" type="pres">
-      <dgm:prSet presAssocID="{D8E291EE-73C2-4FA6-81A0-1538F8F40D02}" presName="sp" presStyleCnt="0"/>
-      <dgm:spPr/>
-    </dgm:pt>
-    <dgm:pt modelId="{4AE19B7A-17F9-4045-BC37-FA80E50E4DB4}" type="pres">
-      <dgm:prSet presAssocID="{874A5C79-89B8-4AFB-8F51-9E70EEF042E5}" presName="linNode" presStyleCnt="0"/>
-      <dgm:spPr/>
-    </dgm:pt>
-    <dgm:pt modelId="{5FC8016C-6DEA-4703-B8F4-3D550D151C2E}" type="pres">
-      <dgm:prSet presAssocID="{874A5C79-89B8-4AFB-8F51-9E70EEF042E5}" presName="parentText" presStyleLbl="node1" presStyleIdx="3" presStyleCnt="9">
-        <dgm:presLayoutVars>
-          <dgm:chMax val="1"/>
-          <dgm:bulletEnabled val="1"/>
-        </dgm:presLayoutVars>
-      </dgm:prSet>
-      <dgm:spPr/>
-    </dgm:pt>
-    <dgm:pt modelId="{BD3692B7-987D-4B71-8FFC-791F6494CACA}" type="pres">
-      <dgm:prSet presAssocID="{874A5C79-89B8-4AFB-8F51-9E70EEF042E5}" presName="descendantText" presStyleLbl="alignAccFollowNode1" presStyleIdx="3" presStyleCnt="8">
-        <dgm:presLayoutVars>
-          <dgm:bulletEnabled val="1"/>
-        </dgm:presLayoutVars>
-      </dgm:prSet>
-      <dgm:spPr/>
-    </dgm:pt>
-    <dgm:pt modelId="{A7B00DCA-BD55-4A51-A165-1BA4F701314F}" type="pres">
-      <dgm:prSet presAssocID="{BBAA1813-D723-44A6-9D7E-63F7BF7C31EF}" presName="sp" presStyleCnt="0"/>
-      <dgm:spPr/>
-    </dgm:pt>
-    <dgm:pt modelId="{E04388E8-BE5B-4190-ADBA-02C1F57FDDFF}" type="pres">
-      <dgm:prSet presAssocID="{A7C34D9C-A052-45A4-8695-DB5D20CA622D}" presName="linNode" presStyleCnt="0"/>
-      <dgm:spPr/>
-    </dgm:pt>
-    <dgm:pt modelId="{ABABB339-2359-4FA2-9C53-65EDF5465955}" type="pres">
-      <dgm:prSet presAssocID="{A7C34D9C-A052-45A4-8695-DB5D20CA622D}" presName="parentText" presStyleLbl="node1" presStyleIdx="4" presStyleCnt="9">
-        <dgm:presLayoutVars>
-          <dgm:chMax val="1"/>
-          <dgm:bulletEnabled val="1"/>
-        </dgm:presLayoutVars>
-      </dgm:prSet>
-      <dgm:spPr/>
-    </dgm:pt>
-    <dgm:pt modelId="{ED52E83E-9A53-4CE0-850A-6654789FEC04}" type="pres">
-      <dgm:prSet presAssocID="{B012E012-2649-45C7-AB2A-6A65AA2C93E3}" presName="sp" presStyleCnt="0"/>
-      <dgm:spPr/>
-    </dgm:pt>
-    <dgm:pt modelId="{415EF04B-3B99-4F88-B318-866690CD0997}" type="pres">
-      <dgm:prSet presAssocID="{A4D6143B-27B2-4FA5-AAC5-4EAB81CAC59F}" presName="linNode" presStyleCnt="0"/>
-      <dgm:spPr/>
-    </dgm:pt>
-    <dgm:pt modelId="{A1EBC8A6-D991-448B-A597-428A1643716D}" type="pres">
-      <dgm:prSet presAssocID="{A4D6143B-27B2-4FA5-AAC5-4EAB81CAC59F}" presName="parentText" presStyleLbl="node1" presStyleIdx="5" presStyleCnt="9">
-        <dgm:presLayoutVars>
-          <dgm:chMax val="1"/>
-          <dgm:bulletEnabled val="1"/>
-        </dgm:presLayoutVars>
-      </dgm:prSet>
-      <dgm:spPr/>
-    </dgm:pt>
-    <dgm:pt modelId="{8095EB3F-27C0-4604-A829-663A6ECEAF1B}" type="pres">
-      <dgm:prSet presAssocID="{A4D6143B-27B2-4FA5-AAC5-4EAB81CAC59F}" presName="descendantText" presStyleLbl="alignAccFollowNode1" presStyleIdx="4" presStyleCnt="8">
-        <dgm:presLayoutVars>
-          <dgm:bulletEnabled val="1"/>
-        </dgm:presLayoutVars>
-      </dgm:prSet>
-      <dgm:spPr/>
-    </dgm:pt>
-    <dgm:pt modelId="{BB45621A-4748-45A0-8161-D04BA6B13AA0}" type="pres">
-      <dgm:prSet presAssocID="{85AA5731-0011-434F-B047-DF17AC1407CD}" presName="sp" presStyleCnt="0"/>
-      <dgm:spPr/>
-    </dgm:pt>
-    <dgm:pt modelId="{1489AEEA-9C7F-4A60-904E-BB19A6748437}" type="pres">
-      <dgm:prSet presAssocID="{004019E1-B456-42C4-B0A2-C4EDCFD9430A}" presName="linNode" presStyleCnt="0"/>
-      <dgm:spPr/>
-    </dgm:pt>
-    <dgm:pt modelId="{4905EC51-1448-45C8-A6BE-8CB60799C1BD}" type="pres">
-      <dgm:prSet presAssocID="{004019E1-B456-42C4-B0A2-C4EDCFD9430A}" presName="parentText" presStyleLbl="node1" presStyleIdx="6" presStyleCnt="9">
-        <dgm:presLayoutVars>
-          <dgm:chMax val="1"/>
-          <dgm:bulletEnabled val="1"/>
-        </dgm:presLayoutVars>
-      </dgm:prSet>
-      <dgm:spPr/>
-    </dgm:pt>
-    <dgm:pt modelId="{3ECFB111-86DE-40ED-81F3-496AD41AF053}" type="pres">
-      <dgm:prSet presAssocID="{004019E1-B456-42C4-B0A2-C4EDCFD9430A}" presName="descendantText" presStyleLbl="alignAccFollowNode1" presStyleIdx="5" presStyleCnt="8">
-        <dgm:presLayoutVars>
-          <dgm:bulletEnabled val="1"/>
-        </dgm:presLayoutVars>
-      </dgm:prSet>
-      <dgm:spPr/>
-    </dgm:pt>
-    <dgm:pt modelId="{818EA38B-6F2E-4756-BBFF-F99F86ACEBAA}" type="pres">
-      <dgm:prSet presAssocID="{6618B4EA-D763-4475-AC48-9E57C4F220E8}" presName="sp" presStyleCnt="0"/>
-      <dgm:spPr/>
-    </dgm:pt>
-    <dgm:pt modelId="{F1835244-1B33-4976-AB70-7884E7428355}" type="pres">
-      <dgm:prSet presAssocID="{6C67805C-D9F4-48FD-9F03-F54D73807303}" presName="linNode" presStyleCnt="0"/>
-      <dgm:spPr/>
-    </dgm:pt>
-    <dgm:pt modelId="{7B258450-A7A3-4C48-B8D7-02A5749F64DA}" type="pres">
-      <dgm:prSet presAssocID="{6C67805C-D9F4-48FD-9F03-F54D73807303}" presName="parentText" presStyleLbl="node1" presStyleIdx="7" presStyleCnt="9">
-        <dgm:presLayoutVars>
-          <dgm:chMax val="1"/>
-          <dgm:bulletEnabled val="1"/>
-        </dgm:presLayoutVars>
-      </dgm:prSet>
-      <dgm:spPr/>
-    </dgm:pt>
-    <dgm:pt modelId="{4F6307D4-67B8-4F9F-8CC2-423F5A17B349}" type="pres">
-      <dgm:prSet presAssocID="{6C67805C-D9F4-48FD-9F03-F54D73807303}" presName="descendantText" presStyleLbl="alignAccFollowNode1" presStyleIdx="6" presStyleCnt="8">
-        <dgm:presLayoutVars>
-          <dgm:bulletEnabled val="1"/>
-        </dgm:presLayoutVars>
-      </dgm:prSet>
-      <dgm:spPr/>
-    </dgm:pt>
-    <dgm:pt modelId="{C7C402C2-F863-4CB1-93EC-200A79B0B893}" type="pres">
-      <dgm:prSet presAssocID="{0C7F7A17-65B9-4E87-B22A-B7E9404B91AE}" presName="sp" presStyleCnt="0"/>
-      <dgm:spPr/>
-    </dgm:pt>
-    <dgm:pt modelId="{918591FA-B4FD-4E98-9CCB-720142E7A82E}" type="pres">
-      <dgm:prSet presAssocID="{570200AA-010C-41F0-B6CC-4B39979824AA}" presName="linNode" presStyleCnt="0"/>
-      <dgm:spPr/>
-    </dgm:pt>
-    <dgm:pt modelId="{387259B5-5940-4B1E-A44F-0C9495463FBB}" type="pres">
-      <dgm:prSet presAssocID="{570200AA-010C-41F0-B6CC-4B39979824AA}" presName="parentText" presStyleLbl="node1" presStyleIdx="8" presStyleCnt="9">
-        <dgm:presLayoutVars>
-          <dgm:chMax val="1"/>
-          <dgm:bulletEnabled val="1"/>
-        </dgm:presLayoutVars>
-      </dgm:prSet>
-      <dgm:spPr/>
-    </dgm:pt>
-    <dgm:pt modelId="{7C97BB92-7A6C-4247-A3A0-8F3FF2797E72}" type="pres">
-      <dgm:prSet presAssocID="{570200AA-010C-41F0-B6CC-4B39979824AA}" presName="descendantText" presStyleLbl="alignAccFollowNode1" presStyleIdx="7" presStyleCnt="8">
-        <dgm:presLayoutVars>
-          <dgm:bulletEnabled val="1"/>
-        </dgm:presLayoutVars>
-      </dgm:prSet>
-      <dgm:spPr/>
-    </dgm:pt>
-  </dgm:ptLst>
-  <dgm:cxnLst>
-    <dgm:cxn modelId="{3DF13104-299B-40D6-9570-5852CA0C3F20}" srcId="{874A5C79-89B8-4AFB-8F51-9E70EEF042E5}" destId="{3BFDCD1F-E803-4FC5-B2ED-8CAA545124D9}" srcOrd="0" destOrd="0" parTransId="{6A310BE0-F7AF-49EC-9745-34C217950233}" sibTransId="{66D9E779-7776-4DAD-82D2-2520DFDD762E}"/>
-    <dgm:cxn modelId="{92C8CB06-2C8C-419E-BE58-5300F9E01824}" type="presOf" srcId="{176FF34E-3788-4C46-A091-011482F607A5}" destId="{8095EB3F-27C0-4604-A829-663A6ECEAF1B}" srcOrd="0" destOrd="0" presId="urn:microsoft.com/office/officeart/2005/8/layout/vList5"/>
-    <dgm:cxn modelId="{53F62109-259D-4532-8921-FA1287CBB538}" type="presOf" srcId="{388EAC76-8273-45C7-BAB7-610753D1EA69}" destId="{55402012-3A69-449F-87E1-8630A85D0AA4}" srcOrd="0" destOrd="0" presId="urn:microsoft.com/office/officeart/2005/8/layout/vList5"/>
-    <dgm:cxn modelId="{71152C09-339F-4152-BF38-185F30D5983E}" srcId="{9861F8CE-0EA0-4F74-A8DD-809B9DCE9D2F}" destId="{A7C34D9C-A052-45A4-8695-DB5D20CA622D}" srcOrd="4" destOrd="0" parTransId="{67193209-854D-4E6C-B1D3-A8E0ACF58FFA}" sibTransId="{B012E012-2649-45C7-AB2A-6A65AA2C93E3}"/>
-    <dgm:cxn modelId="{163C950C-302A-451D-9921-AC766292E893}" srcId="{9861F8CE-0EA0-4F74-A8DD-809B9DCE9D2F}" destId="{00108D04-2904-4238-9D8F-F5A1C6554ECE}" srcOrd="1" destOrd="0" parTransId="{D9561A27-8D21-43AB-987B-56C6FE1A7725}" sibTransId="{56C35AB7-1039-42DA-AEBB-B0D1F85E4EFD}"/>
-    <dgm:cxn modelId="{38D0C80E-FB6C-4797-A3F3-C7962BB30A03}" srcId="{9861F8CE-0EA0-4F74-A8DD-809B9DCE9D2F}" destId="{388EAC76-8273-45C7-BAB7-610753D1EA69}" srcOrd="2" destOrd="0" parTransId="{F12291AC-9572-47CB-9CBE-9FA1B76E2566}" sibTransId="{D8E291EE-73C2-4FA6-81A0-1538F8F40D02}"/>
-    <dgm:cxn modelId="{7A86D612-474D-40BA-9D1D-8B4DD2A44F11}" type="presOf" srcId="{C1864CBE-8B11-45EF-877E-21B715E6BC3F}" destId="{9193D375-FFD4-41B9-AD06-647A1B8BBF83}" srcOrd="0" destOrd="0" presId="urn:microsoft.com/office/officeart/2005/8/layout/vList5"/>
-    <dgm:cxn modelId="{45183F14-37E7-494C-8698-4A4F110484BC}" type="presOf" srcId="{A4D6143B-27B2-4FA5-AAC5-4EAB81CAC59F}" destId="{A1EBC8A6-D991-448B-A597-428A1643716D}" srcOrd="0" destOrd="0" presId="urn:microsoft.com/office/officeart/2005/8/layout/vList5"/>
-    <dgm:cxn modelId="{5E200817-9616-4C2A-A891-0DB6D2B7AE1E}" srcId="{9861F8CE-0EA0-4F74-A8DD-809B9DCE9D2F}" destId="{6C67805C-D9F4-48FD-9F03-F54D73807303}" srcOrd="7" destOrd="0" parTransId="{8D0922CC-D620-4273-9135-09799232AC13}" sibTransId="{0C7F7A17-65B9-4E87-B22A-B7E9404B91AE}"/>
-    <dgm:cxn modelId="{8644A91E-383B-4B23-BF3D-D64211168EEF}" type="presOf" srcId="{84840241-B7CC-4AE6-BE96-B5D31C35FB80}" destId="{6A1E5105-8AB5-41F1-8F03-F1EDAEE348C8}" srcOrd="0" destOrd="0" presId="urn:microsoft.com/office/officeart/2005/8/layout/vList5"/>
-    <dgm:cxn modelId="{182D3B26-C128-4323-96A2-684021F5AC66}" srcId="{570200AA-010C-41F0-B6CC-4B39979824AA}" destId="{91065604-16F6-4C33-B993-E2E23EE52532}" srcOrd="0" destOrd="0" parTransId="{F144B275-F064-4060-8360-41A1641AC523}" sibTransId="{DCEC096E-899D-4645-98BB-1958E7ED80DF}"/>
-    <dgm:cxn modelId="{7FEFF22E-4BCA-4FCD-9F1F-0F8429DF4299}" srcId="{00108D04-2904-4238-9D8F-F5A1C6554ECE}" destId="{84840241-B7CC-4AE6-BE96-B5D31C35FB80}" srcOrd="0" destOrd="0" parTransId="{EC1A2FCD-A5CA-4A3D-93F9-76DD67E71A02}" sibTransId="{D172B1B6-D950-4BC1-8A61-938BE19B0C1C}"/>
-    <dgm:cxn modelId="{877F9F2F-9A97-45AE-ABA5-4FC3D8CB43F6}" type="presOf" srcId="{91065604-16F6-4C33-B993-E2E23EE52532}" destId="{7C97BB92-7A6C-4247-A3A0-8F3FF2797E72}" srcOrd="0" destOrd="0" presId="urn:microsoft.com/office/officeart/2005/8/layout/vList5"/>
-    <dgm:cxn modelId="{14259C37-E1D2-4729-B918-AF5EBBCBA036}" srcId="{6C67805C-D9F4-48FD-9F03-F54D73807303}" destId="{432DBEEF-53E0-4A07-A82F-DEDEBC007B04}" srcOrd="0" destOrd="0" parTransId="{6027DA28-5C48-4A4E-A25A-736CA292AC74}" sibTransId="{7D5FDD38-D6A0-4F05-85FB-42C636F154BF}"/>
-    <dgm:cxn modelId="{DF1F275F-7019-4CDE-945C-B6A5FCE39E2A}" srcId="{388EAC76-8273-45C7-BAB7-610753D1EA69}" destId="{CD4D70D3-0221-4505-9683-4BEB8155EBE3}" srcOrd="0" destOrd="0" parTransId="{73E7896A-EB35-4FE4-9CCF-E1D57AFF6002}" sibTransId="{ED5C54AE-C803-4B70-A1C6-DB32E63657B9}"/>
-    <dgm:cxn modelId="{4D15B168-3731-4D5D-889B-655CC055B2FF}" type="presOf" srcId="{570200AA-010C-41F0-B6CC-4B39979824AA}" destId="{387259B5-5940-4B1E-A44F-0C9495463FBB}" srcOrd="0" destOrd="0" presId="urn:microsoft.com/office/officeart/2005/8/layout/vList5"/>
-    <dgm:cxn modelId="{0E9F916B-A4DD-4719-A1A2-1FF865DAF0A5}" srcId="{A4D6143B-27B2-4FA5-AAC5-4EAB81CAC59F}" destId="{176FF34E-3788-4C46-A091-011482F607A5}" srcOrd="0" destOrd="0" parTransId="{CFBF8D61-A2E1-42A0-A51A-363BAE7B1A9E}" sibTransId="{BEC0EEDA-1862-437C-B620-66F694670D12}"/>
-    <dgm:cxn modelId="{28C5666C-BE63-49FE-9978-64C7F43C65D3}" type="presOf" srcId="{E89D6884-6A81-449E-BCB0-CCDF576B44C9}" destId="{C10955FA-CC02-4530-9116-E71E7F3BE011}" srcOrd="0" destOrd="0" presId="urn:microsoft.com/office/officeart/2005/8/layout/vList5"/>
-    <dgm:cxn modelId="{F938B57F-CD68-4648-9A94-0C10828F1DB5}" type="presOf" srcId="{00108D04-2904-4238-9D8F-F5A1C6554ECE}" destId="{EB058EA5-572F-4306-B1FA-AEE9D7B969E6}" srcOrd="0" destOrd="0" presId="urn:microsoft.com/office/officeart/2005/8/layout/vList5"/>
-    <dgm:cxn modelId="{11337180-75AF-439F-997D-1803520488F9}" type="presOf" srcId="{004019E1-B456-42C4-B0A2-C4EDCFD9430A}" destId="{4905EC51-1448-45C8-A6BE-8CB60799C1BD}" srcOrd="0" destOrd="0" presId="urn:microsoft.com/office/officeart/2005/8/layout/vList5"/>
-    <dgm:cxn modelId="{918CFE8D-4BA0-4518-A52A-AC938DD5758A}" type="presOf" srcId="{6C67805C-D9F4-48FD-9F03-F54D73807303}" destId="{7B258450-A7A3-4C48-B8D7-02A5749F64DA}" srcOrd="0" destOrd="0" presId="urn:microsoft.com/office/officeart/2005/8/layout/vList5"/>
-    <dgm:cxn modelId="{4B0D1F95-17A7-4A1D-8B32-B258E79D322F}" type="presOf" srcId="{CD4D70D3-0221-4505-9683-4BEB8155EBE3}" destId="{11B369EB-CBB1-4931-B977-C4601D5097BD}" srcOrd="0" destOrd="0" presId="urn:microsoft.com/office/officeart/2005/8/layout/vList5"/>
-    <dgm:cxn modelId="{36CC9E99-9E4F-4A1A-A323-C0E00E68A252}" type="presOf" srcId="{AB6573F4-BF1C-49A5-B2FD-A6CD0D368D5F}" destId="{3ECFB111-86DE-40ED-81F3-496AD41AF053}" srcOrd="0" destOrd="0" presId="urn:microsoft.com/office/officeart/2005/8/layout/vList5"/>
-    <dgm:cxn modelId="{44B2F09E-39EA-43A3-9597-536B7308B5EE}" type="presOf" srcId="{432DBEEF-53E0-4A07-A82F-DEDEBC007B04}" destId="{4F6307D4-67B8-4F9F-8CC2-423F5A17B349}" srcOrd="0" destOrd="0" presId="urn:microsoft.com/office/officeart/2005/8/layout/vList5"/>
-    <dgm:cxn modelId="{9B8076AB-0B1E-4971-944B-88FF95F49FAE}" type="presOf" srcId="{3BFDCD1F-E803-4FC5-B2ED-8CAA545124D9}" destId="{BD3692B7-987D-4B71-8FFC-791F6494CACA}" srcOrd="0" destOrd="0" presId="urn:microsoft.com/office/officeart/2005/8/layout/vList5"/>
-    <dgm:cxn modelId="{A9948EB5-5F45-4DE7-9EC8-919C0B0498BA}" srcId="{9861F8CE-0EA0-4F74-A8DD-809B9DCE9D2F}" destId="{570200AA-010C-41F0-B6CC-4B39979824AA}" srcOrd="8" destOrd="0" parTransId="{15607BB9-B1E7-4CAD-AC7E-CFEB5B6C882C}" sibTransId="{DE836515-59FC-431E-B91A-EACED6700EF7}"/>
-    <dgm:cxn modelId="{22B022B6-C42F-4977-AB96-F1DA8D78F549}" type="presOf" srcId="{A7C34D9C-A052-45A4-8695-DB5D20CA622D}" destId="{ABABB339-2359-4FA2-9C53-65EDF5465955}" srcOrd="0" destOrd="0" presId="urn:microsoft.com/office/officeart/2005/8/layout/vList5"/>
-    <dgm:cxn modelId="{927448C0-9F70-4618-AB9E-E9E9252398C4}" srcId="{9861F8CE-0EA0-4F74-A8DD-809B9DCE9D2F}" destId="{E89D6884-6A81-449E-BCB0-CCDF576B44C9}" srcOrd="0" destOrd="0" parTransId="{85D885A6-51A9-4FBC-A2F7-E031EBDDE95D}" sibTransId="{633ED76E-8233-4946-9B2B-71E46FEEEDC8}"/>
-    <dgm:cxn modelId="{65F42BC6-FB95-40E8-B7F4-DF3B903D36FE}" type="presOf" srcId="{874A5C79-89B8-4AFB-8F51-9E70EEF042E5}" destId="{5FC8016C-6DEA-4703-B8F4-3D550D151C2E}" srcOrd="0" destOrd="0" presId="urn:microsoft.com/office/officeart/2005/8/layout/vList5"/>
-    <dgm:cxn modelId="{5685F0C8-F87B-4AAA-919F-9FF2FBC7C540}" srcId="{9861F8CE-0EA0-4F74-A8DD-809B9DCE9D2F}" destId="{004019E1-B456-42C4-B0A2-C4EDCFD9430A}" srcOrd="6" destOrd="0" parTransId="{C571B623-D5D7-4540-9F07-BCF6C7F08A54}" sibTransId="{6618B4EA-D763-4475-AC48-9E57C4F220E8}"/>
-    <dgm:cxn modelId="{2DFAFAC9-2E6D-4DF3-B9EA-AC205AB25B6F}" type="presOf" srcId="{9861F8CE-0EA0-4F74-A8DD-809B9DCE9D2F}" destId="{508DCFDD-5F08-4D16-A894-139D8AB1D904}" srcOrd="0" destOrd="0" presId="urn:microsoft.com/office/officeart/2005/8/layout/vList5"/>
-    <dgm:cxn modelId="{EC1F0CD2-3857-49A7-A80A-05006DE89E66}" srcId="{9861F8CE-0EA0-4F74-A8DD-809B9DCE9D2F}" destId="{874A5C79-89B8-4AFB-8F51-9E70EEF042E5}" srcOrd="3" destOrd="0" parTransId="{C41BE1AE-1242-41FD-A132-4DD2AE1817D3}" sibTransId="{BBAA1813-D723-44A6-9D7E-63F7BF7C31EF}"/>
-    <dgm:cxn modelId="{9E0559F3-B8C4-45FA-97E2-EF2D03558037}" srcId="{E89D6884-6A81-449E-BCB0-CCDF576B44C9}" destId="{C1864CBE-8B11-45EF-877E-21B715E6BC3F}" srcOrd="0" destOrd="0" parTransId="{327B3251-D9CC-4C2C-8D47-A31204789B6D}" sibTransId="{8D7F8CE2-B6AE-4F9E-BC2B-8A4D7E2BA228}"/>
-    <dgm:cxn modelId="{0A3DA1F6-FBF9-47C4-A674-A9C4CE3DC37A}" srcId="{004019E1-B456-42C4-B0A2-C4EDCFD9430A}" destId="{AB6573F4-BF1C-49A5-B2FD-A6CD0D368D5F}" srcOrd="0" destOrd="0" parTransId="{3B21A985-3DFB-458B-AB0B-1818D29CEE74}" sibTransId="{5344847E-DF3F-4759-B929-131E45321F13}"/>
-    <dgm:cxn modelId="{A74558FD-73B4-4689-8493-7BB2F23BD4E9}" srcId="{9861F8CE-0EA0-4F74-A8DD-809B9DCE9D2F}" destId="{A4D6143B-27B2-4FA5-AAC5-4EAB81CAC59F}" srcOrd="5" destOrd="0" parTransId="{DB02FA38-7E80-4632-9DCC-145B31D36D2F}" sibTransId="{85AA5731-0011-434F-B047-DF17AC1407CD}"/>
-    <dgm:cxn modelId="{864303C2-75E8-4A97-89B2-3CE79DDFD0E3}" type="presParOf" srcId="{508DCFDD-5F08-4D16-A894-139D8AB1D904}" destId="{45CAF1C1-194F-4A79-9E9C-3C2967FACC4C}" srcOrd="0" destOrd="0" presId="urn:microsoft.com/office/officeart/2005/8/layout/vList5"/>
-    <dgm:cxn modelId="{6908EC3E-71F2-4DA9-A98C-15767D0BE45F}" type="presParOf" srcId="{45CAF1C1-194F-4A79-9E9C-3C2967FACC4C}" destId="{C10955FA-CC02-4530-9116-E71E7F3BE011}" srcOrd="0" destOrd="0" presId="urn:microsoft.com/office/officeart/2005/8/layout/vList5"/>
-    <dgm:cxn modelId="{E3858851-8C7A-4805-907D-73F8F1D6D14E}" type="presParOf" srcId="{45CAF1C1-194F-4A79-9E9C-3C2967FACC4C}" destId="{9193D375-FFD4-41B9-AD06-647A1B8BBF83}" srcOrd="1" destOrd="0" presId="urn:microsoft.com/office/officeart/2005/8/layout/vList5"/>
-    <dgm:cxn modelId="{31EB4F0E-3982-4C77-B88B-66E5A3B6F269}" type="presParOf" srcId="{508DCFDD-5F08-4D16-A894-139D8AB1D904}" destId="{7A449BCD-237E-41DD-8FDF-3ED26D809A45}" srcOrd="1" destOrd="0" presId="urn:microsoft.com/office/officeart/2005/8/layout/vList5"/>
-    <dgm:cxn modelId="{086C7D3E-AE35-4A7B-9B0A-6F396D7B4350}" type="presParOf" srcId="{508DCFDD-5F08-4D16-A894-139D8AB1D904}" destId="{AAF77334-39B9-44E9-A6F2-7324983047DD}" srcOrd="2" destOrd="0" presId="urn:microsoft.com/office/officeart/2005/8/layout/vList5"/>
-    <dgm:cxn modelId="{79913013-37B1-4205-B802-A7919F71163E}" type="presParOf" srcId="{AAF77334-39B9-44E9-A6F2-7324983047DD}" destId="{EB058EA5-572F-4306-B1FA-AEE9D7B969E6}" srcOrd="0" destOrd="0" presId="urn:microsoft.com/office/officeart/2005/8/layout/vList5"/>
-    <dgm:cxn modelId="{6C01B45D-7B1C-4610-836F-7DADF49ADDC1}" type="presParOf" srcId="{AAF77334-39B9-44E9-A6F2-7324983047DD}" destId="{6A1E5105-8AB5-41F1-8F03-F1EDAEE348C8}" srcOrd="1" destOrd="0" presId="urn:microsoft.com/office/officeart/2005/8/layout/vList5"/>
-    <dgm:cxn modelId="{AE8C2D7F-2C86-4686-AD65-F5E33491A71A}" type="presParOf" srcId="{508DCFDD-5F08-4D16-A894-139D8AB1D904}" destId="{216AC649-CE52-4DE1-B40A-8A801059FC3E}" srcOrd="3" destOrd="0" presId="urn:microsoft.com/office/officeart/2005/8/layout/vList5"/>
-    <dgm:cxn modelId="{A8B15A90-17AD-4234-944D-6550C4B0E31D}" type="presParOf" srcId="{508DCFDD-5F08-4D16-A894-139D8AB1D904}" destId="{83A4588B-C5A8-45C0-99B3-1FF1AC07EF3C}" srcOrd="4" destOrd="0" presId="urn:microsoft.com/office/officeart/2005/8/layout/vList5"/>
-    <dgm:cxn modelId="{997AFCA3-4113-4D83-A148-3C247B9F4C44}" type="presParOf" srcId="{83A4588B-C5A8-45C0-99B3-1FF1AC07EF3C}" destId="{55402012-3A69-449F-87E1-8630A85D0AA4}" srcOrd="0" destOrd="0" presId="urn:microsoft.com/office/officeart/2005/8/layout/vList5"/>
-    <dgm:cxn modelId="{11515F8D-09A1-4DC6-B3B6-387353438A0E}" type="presParOf" srcId="{83A4588B-C5A8-45C0-99B3-1FF1AC07EF3C}" destId="{11B369EB-CBB1-4931-B977-C4601D5097BD}" srcOrd="1" destOrd="0" presId="urn:microsoft.com/office/officeart/2005/8/layout/vList5"/>
-    <dgm:cxn modelId="{A412E831-FDE4-4C7A-AA3D-C4D02418D6EA}" type="presParOf" srcId="{508DCFDD-5F08-4D16-A894-139D8AB1D904}" destId="{6A7904F0-FB07-425B-9958-0F805D1BAA86}" srcOrd="5" destOrd="0" presId="urn:microsoft.com/office/officeart/2005/8/layout/vList5"/>
-    <dgm:cxn modelId="{9B57A7A3-DE0A-4283-9F3B-FAF5041FFB9B}" type="presParOf" srcId="{508DCFDD-5F08-4D16-A894-139D8AB1D904}" destId="{4AE19B7A-17F9-4045-BC37-FA80E50E4DB4}" srcOrd="6" destOrd="0" presId="urn:microsoft.com/office/officeart/2005/8/layout/vList5"/>
-    <dgm:cxn modelId="{79B7171B-6564-4B8E-BD5A-60008821E114}" type="presParOf" srcId="{4AE19B7A-17F9-4045-BC37-FA80E50E4DB4}" destId="{5FC8016C-6DEA-4703-B8F4-3D550D151C2E}" srcOrd="0" destOrd="0" presId="urn:microsoft.com/office/officeart/2005/8/layout/vList5"/>
-    <dgm:cxn modelId="{A3FA33F5-FC27-40C9-929E-693AA16D2D35}" type="presParOf" srcId="{4AE19B7A-17F9-4045-BC37-FA80E50E4DB4}" destId="{BD3692B7-987D-4B71-8FFC-791F6494CACA}" srcOrd="1" destOrd="0" presId="urn:microsoft.com/office/officeart/2005/8/layout/vList5"/>
-    <dgm:cxn modelId="{1DDEE18B-740B-4DE8-8F3A-D7D6C81DE513}" type="presParOf" srcId="{508DCFDD-5F08-4D16-A894-139D8AB1D904}" destId="{A7B00DCA-BD55-4A51-A165-1BA4F701314F}" srcOrd="7" destOrd="0" presId="urn:microsoft.com/office/officeart/2005/8/layout/vList5"/>
-    <dgm:cxn modelId="{E07338B2-68E7-44CA-84B6-75ECD8450D38}" type="presParOf" srcId="{508DCFDD-5F08-4D16-A894-139D8AB1D904}" destId="{E04388E8-BE5B-4190-ADBA-02C1F57FDDFF}" srcOrd="8" destOrd="0" presId="urn:microsoft.com/office/officeart/2005/8/layout/vList5"/>
-    <dgm:cxn modelId="{6F5D0BED-5588-4656-AE31-81B0956E92F5}" type="presParOf" srcId="{E04388E8-BE5B-4190-ADBA-02C1F57FDDFF}" destId="{ABABB339-2359-4FA2-9C53-65EDF5465955}" srcOrd="0" destOrd="0" presId="urn:microsoft.com/office/officeart/2005/8/layout/vList5"/>
-    <dgm:cxn modelId="{990BA5F2-95F9-485D-82BB-9B7F453E62A7}" type="presParOf" srcId="{508DCFDD-5F08-4D16-A894-139D8AB1D904}" destId="{ED52E83E-9A53-4CE0-850A-6654789FEC04}" srcOrd="9" destOrd="0" presId="urn:microsoft.com/office/officeart/2005/8/layout/vList5"/>
-    <dgm:cxn modelId="{DDE2F48C-41FC-4814-85CF-1E4E65E3CD36}" type="presParOf" srcId="{508DCFDD-5F08-4D16-A894-139D8AB1D904}" destId="{415EF04B-3B99-4F88-B318-866690CD0997}" srcOrd="10" destOrd="0" presId="urn:microsoft.com/office/officeart/2005/8/layout/vList5"/>
-    <dgm:cxn modelId="{7E90A51D-5772-4DBC-8EBD-B6EE7A79CA31}" type="presParOf" srcId="{415EF04B-3B99-4F88-B318-866690CD0997}" destId="{A1EBC8A6-D991-448B-A597-428A1643716D}" srcOrd="0" destOrd="0" presId="urn:microsoft.com/office/officeart/2005/8/layout/vList5"/>
-    <dgm:cxn modelId="{D1D653AE-022E-4E59-8877-4D407F451801}" type="presParOf" srcId="{415EF04B-3B99-4F88-B318-866690CD0997}" destId="{8095EB3F-27C0-4604-A829-663A6ECEAF1B}" srcOrd="1" destOrd="0" presId="urn:microsoft.com/office/officeart/2005/8/layout/vList5"/>
-    <dgm:cxn modelId="{CE2F5C32-72CF-444C-B36A-8BDD96ADA4F5}" type="presParOf" srcId="{508DCFDD-5F08-4D16-A894-139D8AB1D904}" destId="{BB45621A-4748-45A0-8161-D04BA6B13AA0}" srcOrd="11" destOrd="0" presId="urn:microsoft.com/office/officeart/2005/8/layout/vList5"/>
-    <dgm:cxn modelId="{F195461E-ED0B-48E0-9AE8-686FE05E9CD6}" type="presParOf" srcId="{508DCFDD-5F08-4D16-A894-139D8AB1D904}" destId="{1489AEEA-9C7F-4A60-904E-BB19A6748437}" srcOrd="12" destOrd="0" presId="urn:microsoft.com/office/officeart/2005/8/layout/vList5"/>
-    <dgm:cxn modelId="{3A6D5AC8-19E1-43DD-B333-1EAA5A48876A}" type="presParOf" srcId="{1489AEEA-9C7F-4A60-904E-BB19A6748437}" destId="{4905EC51-1448-45C8-A6BE-8CB60799C1BD}" srcOrd="0" destOrd="0" presId="urn:microsoft.com/office/officeart/2005/8/layout/vList5"/>
-    <dgm:cxn modelId="{D234CBC2-6D8C-44D8-8FB2-B3538B299C13}" type="presParOf" srcId="{1489AEEA-9C7F-4A60-904E-BB19A6748437}" destId="{3ECFB111-86DE-40ED-81F3-496AD41AF053}" srcOrd="1" destOrd="0" presId="urn:microsoft.com/office/officeart/2005/8/layout/vList5"/>
-    <dgm:cxn modelId="{90E30EF2-5B59-4D9E-947B-05A3844DC516}" type="presParOf" srcId="{508DCFDD-5F08-4D16-A894-139D8AB1D904}" destId="{818EA38B-6F2E-4756-BBFF-F99F86ACEBAA}" srcOrd="13" destOrd="0" presId="urn:microsoft.com/office/officeart/2005/8/layout/vList5"/>
-    <dgm:cxn modelId="{0FB68077-C712-470A-BBE1-11239DD7351C}" type="presParOf" srcId="{508DCFDD-5F08-4D16-A894-139D8AB1D904}" destId="{F1835244-1B33-4976-AB70-7884E7428355}" srcOrd="14" destOrd="0" presId="urn:microsoft.com/office/officeart/2005/8/layout/vList5"/>
-    <dgm:cxn modelId="{0F1CDBAB-36B4-4078-A24B-22A0CB0D30BD}" type="presParOf" srcId="{F1835244-1B33-4976-AB70-7884E7428355}" destId="{7B258450-A7A3-4C48-B8D7-02A5749F64DA}" srcOrd="0" destOrd="0" presId="urn:microsoft.com/office/officeart/2005/8/layout/vList5"/>
-    <dgm:cxn modelId="{A97E6119-F0A6-47D9-8C56-7B30F31E3BBE}" type="presParOf" srcId="{F1835244-1B33-4976-AB70-7884E7428355}" destId="{4F6307D4-67B8-4F9F-8CC2-423F5A17B349}" srcOrd="1" destOrd="0" presId="urn:microsoft.com/office/officeart/2005/8/layout/vList5"/>
-    <dgm:cxn modelId="{7A349C75-BF22-4103-901C-DF4AA7FBC22D}" type="presParOf" srcId="{508DCFDD-5F08-4D16-A894-139D8AB1D904}" destId="{C7C402C2-F863-4CB1-93EC-200A79B0B893}" srcOrd="15" destOrd="0" presId="urn:microsoft.com/office/officeart/2005/8/layout/vList5"/>
-    <dgm:cxn modelId="{1193CA58-6BB3-4599-9157-50125C903EE3}" type="presParOf" srcId="{508DCFDD-5F08-4D16-A894-139D8AB1D904}" destId="{918591FA-B4FD-4E98-9CCB-720142E7A82E}" srcOrd="16" destOrd="0" presId="urn:microsoft.com/office/officeart/2005/8/layout/vList5"/>
-    <dgm:cxn modelId="{79A64A52-FB16-4950-B093-B6DA8FBC10EA}" type="presParOf" srcId="{918591FA-B4FD-4E98-9CCB-720142E7A82E}" destId="{387259B5-5940-4B1E-A44F-0C9495463FBB}" srcOrd="0" destOrd="0" presId="urn:microsoft.com/office/officeart/2005/8/layout/vList5"/>
-    <dgm:cxn modelId="{F0EA318A-88B4-4852-A1E3-B602D06C5036}" type="presParOf" srcId="{918591FA-B4FD-4E98-9CCB-720142E7A82E}" destId="{7C97BB92-7A6C-4247-A3A0-8F3FF2797E72}" srcOrd="1" destOrd="0" presId="urn:microsoft.com/office/officeart/2005/8/layout/vList5"/>
-  </dgm:cxnLst>
-  <dgm:bg/>
-  <dgm:whole/>
-  <dgm:extLst>
-    <a:ext uri="http://schemas.microsoft.com/office/drawing/2008/diagram">
-      <dsp:dataModelExt xmlns:dsp="http://schemas.microsoft.com/office/drawing/2008/diagram" relId="rId6" minVer="http://schemas.openxmlformats.org/drawingml/2006/diagram"/>
-    </a:ext>
-  </dgm:extLst>
-</dgm:dataModel>
-</file>
-
 <file path=ppt/diagrams/drawing1.xml><?xml version="1.0" encoding="utf-8"?>
 <dsp:drawing xmlns:dgm="http://schemas.openxmlformats.org/drawingml/2006/diagram" xmlns:dsp="http://schemas.microsoft.com/office/drawing/2008/diagram" xmlns:a="http://schemas.openxmlformats.org/drawingml/2006/main">
   <dsp:spTree>
@@ -3974,1406 +2179,6 @@
 </dsp:drawing>
 </file>
 
-<file path=ppt/diagrams/drawing2.xml><?xml version="1.0" encoding="utf-8"?>
-<dsp:drawing xmlns:dgm="http://schemas.openxmlformats.org/drawingml/2006/diagram" xmlns:dsp="http://schemas.microsoft.com/office/drawing/2008/diagram" xmlns:a="http://schemas.openxmlformats.org/drawingml/2006/main">
-  <dsp:spTree>
-    <dsp:nvGrpSpPr>
-      <dsp:cNvPr id="0" name=""/>
-      <dsp:cNvGrpSpPr/>
-    </dsp:nvGrpSpPr>
-    <dsp:grpSpPr/>
-    <dsp:sp modelId="{9193D375-FFD4-41B9-AD06-647A1B8BBF83}">
-      <dsp:nvSpPr>
-        <dsp:cNvPr id="0" name=""/>
-        <dsp:cNvSpPr/>
-      </dsp:nvSpPr>
-      <dsp:spPr>
-        <a:xfrm rot="5400000">
-          <a:off x="4334405" y="-1875850"/>
-          <a:ext cx="416965" cy="4275660"/>
-        </a:xfrm>
-        <a:prstGeom prst="round2SameRect">
-          <a:avLst/>
-        </a:prstGeom>
-        <a:solidFill>
-          <a:schemeClr val="dk2">
-            <a:alpha val="90000"/>
-            <a:tint val="40000"/>
-            <a:hueOff val="0"/>
-            <a:satOff val="0"/>
-            <a:lumOff val="0"/>
-            <a:alphaOff val="0"/>
-          </a:schemeClr>
-        </a:solidFill>
-        <a:ln w="15875" cap="rnd" cmpd="sng" algn="ctr">
-          <a:solidFill>
-            <a:schemeClr val="dk2">
-              <a:alpha val="90000"/>
-              <a:tint val="40000"/>
-              <a:hueOff val="0"/>
-              <a:satOff val="0"/>
-              <a:lumOff val="0"/>
-              <a:alphaOff val="0"/>
-            </a:schemeClr>
-          </a:solidFill>
-          <a:prstDash val="solid"/>
-        </a:ln>
-        <a:effectLst/>
-      </dsp:spPr>
-      <dsp:style>
-        <a:lnRef idx="2">
-          <a:scrgbClr r="0" g="0" b="0"/>
-        </a:lnRef>
-        <a:fillRef idx="1">
-          <a:scrgbClr r="0" g="0" b="0"/>
-        </a:fillRef>
-        <a:effectRef idx="0">
-          <a:scrgbClr r="0" g="0" b="0"/>
-        </a:effectRef>
-        <a:fontRef idx="minor"/>
-      </dsp:style>
-      <dsp:txBody>
-        <a:bodyPr spcFirstLastPara="0" vert="horz" wrap="square" lIns="57150" tIns="28575" rIns="57150" bIns="28575" numCol="1" spcCol="1270" anchor="ctr" anchorCtr="0">
-          <a:noAutofit/>
-        </a:bodyPr>
-        <a:lstStyle/>
-        <a:p>
-          <a:pPr marL="114300" lvl="1" indent="-114300" algn="l" defTabSz="666750">
-            <a:lnSpc>
-              <a:spcPct val="90000"/>
-            </a:lnSpc>
-            <a:spcBef>
-              <a:spcPct val="0"/>
-            </a:spcBef>
-            <a:spcAft>
-              <a:spcPct val="15000"/>
-            </a:spcAft>
-            <a:buFont typeface="Arial" panose="020B0604020202020204" pitchFamily="34" charset="0"/>
-            <a:buNone/>
-          </a:pPr>
-          <a:r>
-            <a:rPr lang="zh-TW" altLang="en-US" sz="1500" kern="1200" dirty="0"/>
-            <a:t>跟廠商報修故障交換器</a:t>
-          </a:r>
-        </a:p>
-      </dsp:txBody>
-      <dsp:txXfrm rot="-5400000">
-        <a:off x="2405058" y="73852"/>
-        <a:ext cx="4255305" cy="376255"/>
-      </dsp:txXfrm>
-    </dsp:sp>
-    <dsp:sp modelId="{C10955FA-CC02-4530-9116-E71E7F3BE011}">
-      <dsp:nvSpPr>
-        <dsp:cNvPr id="0" name=""/>
-        <dsp:cNvSpPr/>
-      </dsp:nvSpPr>
-      <dsp:spPr>
-        <a:xfrm>
-          <a:off x="0" y="1376"/>
-          <a:ext cx="2405058" cy="521207"/>
-        </a:xfrm>
-        <a:prstGeom prst="roundRect">
-          <a:avLst/>
-        </a:prstGeom>
-        <a:solidFill>
-          <a:schemeClr val="dk2">
-            <a:hueOff val="0"/>
-            <a:satOff val="0"/>
-            <a:lumOff val="0"/>
-            <a:alphaOff val="0"/>
-          </a:schemeClr>
-        </a:solidFill>
-        <a:ln w="15875" cap="rnd" cmpd="sng" algn="ctr">
-          <a:solidFill>
-            <a:schemeClr val="lt2">
-              <a:hueOff val="0"/>
-              <a:satOff val="0"/>
-              <a:lumOff val="0"/>
-              <a:alphaOff val="0"/>
-            </a:schemeClr>
-          </a:solidFill>
-          <a:prstDash val="solid"/>
-        </a:ln>
-        <a:effectLst/>
-      </dsp:spPr>
-      <dsp:style>
-        <a:lnRef idx="2">
-          <a:scrgbClr r="0" g="0" b="0"/>
-        </a:lnRef>
-        <a:fillRef idx="1">
-          <a:scrgbClr r="0" g="0" b="0"/>
-        </a:fillRef>
-        <a:effectRef idx="0">
-          <a:scrgbClr r="0" g="0" b="0"/>
-        </a:effectRef>
-        <a:fontRef idx="minor">
-          <a:schemeClr val="lt1"/>
-        </a:fontRef>
-      </dsp:style>
-      <dsp:txBody>
-        <a:bodyPr spcFirstLastPara="0" vert="horz" wrap="square" lIns="72390" tIns="36195" rIns="72390" bIns="36195" numCol="1" spcCol="1270" anchor="ctr" anchorCtr="0">
-          <a:noAutofit/>
-        </a:bodyPr>
-        <a:lstStyle/>
-        <a:p>
-          <a:pPr marL="0" lvl="0" indent="0" algn="ctr" defTabSz="844550">
-            <a:lnSpc>
-              <a:spcPct val="90000"/>
-            </a:lnSpc>
-            <a:spcBef>
-              <a:spcPct val="0"/>
-            </a:spcBef>
-            <a:spcAft>
-              <a:spcPct val="35000"/>
-            </a:spcAft>
-            <a:buFont typeface="+mj-lt"/>
-            <a:buNone/>
-          </a:pPr>
-          <a:r>
-            <a:rPr lang="en-US" sz="1900" kern="1200" dirty="0"/>
-            <a:t>apply </a:t>
-          </a:r>
-          <a:r>
-            <a:rPr lang="zh-TW" altLang="en-US" sz="1900" kern="1200" dirty="0"/>
-            <a:t>申報</a:t>
-          </a:r>
-        </a:p>
-      </dsp:txBody>
-      <dsp:txXfrm>
-        <a:off x="25443" y="26819"/>
-        <a:ext cx="2354172" cy="470321"/>
-      </dsp:txXfrm>
-    </dsp:sp>
-    <dsp:sp modelId="{6A1E5105-8AB5-41F1-8F03-F1EDAEE348C8}">
-      <dsp:nvSpPr>
-        <dsp:cNvPr id="0" name=""/>
-        <dsp:cNvSpPr/>
-      </dsp:nvSpPr>
-      <dsp:spPr>
-        <a:xfrm rot="5400000">
-          <a:off x="4334405" y="-1328582"/>
-          <a:ext cx="416965" cy="4275660"/>
-        </a:xfrm>
-        <a:prstGeom prst="round2SameRect">
-          <a:avLst/>
-        </a:prstGeom>
-        <a:solidFill>
-          <a:schemeClr val="dk2">
-            <a:alpha val="90000"/>
-            <a:tint val="40000"/>
-            <a:hueOff val="0"/>
-            <a:satOff val="0"/>
-            <a:lumOff val="0"/>
-            <a:alphaOff val="0"/>
-          </a:schemeClr>
-        </a:solidFill>
-        <a:ln w="15875" cap="rnd" cmpd="sng" algn="ctr">
-          <a:solidFill>
-            <a:schemeClr val="dk2">
-              <a:alpha val="90000"/>
-              <a:tint val="40000"/>
-              <a:hueOff val="0"/>
-              <a:satOff val="0"/>
-              <a:lumOff val="0"/>
-              <a:alphaOff val="0"/>
-            </a:schemeClr>
-          </a:solidFill>
-          <a:prstDash val="solid"/>
-        </a:ln>
-        <a:effectLst/>
-      </dsp:spPr>
-      <dsp:style>
-        <a:lnRef idx="2">
-          <a:scrgbClr r="0" g="0" b="0"/>
-        </a:lnRef>
-        <a:fillRef idx="1">
-          <a:scrgbClr r="0" g="0" b="0"/>
-        </a:fillRef>
-        <a:effectRef idx="0">
-          <a:scrgbClr r="0" g="0" b="0"/>
-        </a:effectRef>
-        <a:fontRef idx="minor"/>
-      </dsp:style>
-      <dsp:txBody>
-        <a:bodyPr spcFirstLastPara="0" vert="horz" wrap="square" lIns="57150" tIns="28575" rIns="57150" bIns="28575" numCol="1" spcCol="1270" anchor="ctr" anchorCtr="0">
-          <a:noAutofit/>
-        </a:bodyPr>
-        <a:lstStyle/>
-        <a:p>
-          <a:pPr marL="114300" lvl="1" indent="-114300" algn="l" defTabSz="666750">
-            <a:lnSpc>
-              <a:spcPct val="90000"/>
-            </a:lnSpc>
-            <a:spcBef>
-              <a:spcPct val="0"/>
-            </a:spcBef>
-            <a:spcAft>
-              <a:spcPct val="15000"/>
-            </a:spcAft>
-            <a:buFont typeface="Arial" panose="020B0604020202020204" pitchFamily="34" charset="0"/>
-            <a:buNone/>
-          </a:pPr>
-          <a:r>
-            <a:rPr lang="zh-TW" altLang="en-US" sz="1500" kern="1200" dirty="0"/>
-            <a:t>機櫃清潔</a:t>
-          </a:r>
-          <a:endParaRPr lang="en-US" altLang="zh-TW" sz="1500" kern="1200" dirty="0"/>
-        </a:p>
-      </dsp:txBody>
-      <dsp:txXfrm rot="-5400000">
-        <a:off x="2405058" y="621120"/>
-        <a:ext cx="4255305" cy="376255"/>
-      </dsp:txXfrm>
-    </dsp:sp>
-    <dsp:sp modelId="{EB058EA5-572F-4306-B1FA-AEE9D7B969E6}">
-      <dsp:nvSpPr>
-        <dsp:cNvPr id="0" name=""/>
-        <dsp:cNvSpPr/>
-      </dsp:nvSpPr>
-      <dsp:spPr>
-        <a:xfrm>
-          <a:off x="0" y="548644"/>
-          <a:ext cx="2405058" cy="521207"/>
-        </a:xfrm>
-        <a:prstGeom prst="roundRect">
-          <a:avLst/>
-        </a:prstGeom>
-        <a:solidFill>
-          <a:schemeClr val="dk2">
-            <a:hueOff val="0"/>
-            <a:satOff val="0"/>
-            <a:lumOff val="0"/>
-            <a:alphaOff val="0"/>
-          </a:schemeClr>
-        </a:solidFill>
-        <a:ln w="15875" cap="rnd" cmpd="sng" algn="ctr">
-          <a:solidFill>
-            <a:schemeClr val="lt2">
-              <a:hueOff val="0"/>
-              <a:satOff val="0"/>
-              <a:lumOff val="0"/>
-              <a:alphaOff val="0"/>
-            </a:schemeClr>
-          </a:solidFill>
-          <a:prstDash val="solid"/>
-        </a:ln>
-        <a:effectLst/>
-      </dsp:spPr>
-      <dsp:style>
-        <a:lnRef idx="2">
-          <a:scrgbClr r="0" g="0" b="0"/>
-        </a:lnRef>
-        <a:fillRef idx="1">
-          <a:scrgbClr r="0" g="0" b="0"/>
-        </a:fillRef>
-        <a:effectRef idx="0">
-          <a:scrgbClr r="0" g="0" b="0"/>
-        </a:effectRef>
-        <a:fontRef idx="minor">
-          <a:schemeClr val="lt1"/>
-        </a:fontRef>
-      </dsp:style>
-      <dsp:txBody>
-        <a:bodyPr spcFirstLastPara="0" vert="horz" wrap="square" lIns="72390" tIns="36195" rIns="72390" bIns="36195" numCol="1" spcCol="1270" anchor="ctr" anchorCtr="0">
-          <a:noAutofit/>
-        </a:bodyPr>
-        <a:lstStyle/>
-        <a:p>
-          <a:pPr marL="0" lvl="0" indent="0" algn="ctr" defTabSz="844550">
-            <a:lnSpc>
-              <a:spcPct val="90000"/>
-            </a:lnSpc>
-            <a:spcBef>
-              <a:spcPct val="0"/>
-            </a:spcBef>
-            <a:spcAft>
-              <a:spcPct val="35000"/>
-            </a:spcAft>
-            <a:buFont typeface="+mj-lt"/>
-            <a:buNone/>
-          </a:pPr>
-          <a:r>
-            <a:rPr lang="en-US" sz="1900" kern="1200" dirty="0"/>
-            <a:t>sweep </a:t>
-          </a:r>
-          <a:r>
-            <a:rPr lang="zh-TW" altLang="en-US" sz="1900" kern="1200" dirty="0"/>
-            <a:t>清掃</a:t>
-          </a:r>
-          <a:endParaRPr lang="en-US" altLang="zh-TW" sz="1900" kern="1200" dirty="0"/>
-        </a:p>
-      </dsp:txBody>
-      <dsp:txXfrm>
-        <a:off x="25443" y="574087"/>
-        <a:ext cx="2354172" cy="470321"/>
-      </dsp:txXfrm>
-    </dsp:sp>
-    <dsp:sp modelId="{11B369EB-CBB1-4931-B977-C4601D5097BD}">
-      <dsp:nvSpPr>
-        <dsp:cNvPr id="0" name=""/>
-        <dsp:cNvSpPr/>
-      </dsp:nvSpPr>
-      <dsp:spPr>
-        <a:xfrm rot="5400000">
-          <a:off x="4334405" y="-781314"/>
-          <a:ext cx="416965" cy="4275660"/>
-        </a:xfrm>
-        <a:prstGeom prst="round2SameRect">
-          <a:avLst/>
-        </a:prstGeom>
-        <a:solidFill>
-          <a:schemeClr val="dk2">
-            <a:alpha val="90000"/>
-            <a:tint val="40000"/>
-            <a:hueOff val="0"/>
-            <a:satOff val="0"/>
-            <a:lumOff val="0"/>
-            <a:alphaOff val="0"/>
-          </a:schemeClr>
-        </a:solidFill>
-        <a:ln w="15875" cap="rnd" cmpd="sng" algn="ctr">
-          <a:solidFill>
-            <a:schemeClr val="dk2">
-              <a:alpha val="90000"/>
-              <a:tint val="40000"/>
-              <a:hueOff val="0"/>
-              <a:satOff val="0"/>
-              <a:lumOff val="0"/>
-              <a:alphaOff val="0"/>
-            </a:schemeClr>
-          </a:solidFill>
-          <a:prstDash val="solid"/>
-        </a:ln>
-        <a:effectLst/>
-      </dsp:spPr>
-      <dsp:style>
-        <a:lnRef idx="2">
-          <a:scrgbClr r="0" g="0" b="0"/>
-        </a:lnRef>
-        <a:fillRef idx="1">
-          <a:scrgbClr r="0" g="0" b="0"/>
-        </a:fillRef>
-        <a:effectRef idx="0">
-          <a:scrgbClr r="0" g="0" b="0"/>
-        </a:effectRef>
-        <a:fontRef idx="minor"/>
-      </dsp:style>
-      <dsp:txBody>
-        <a:bodyPr spcFirstLastPara="0" vert="horz" wrap="square" lIns="57150" tIns="28575" rIns="57150" bIns="28575" numCol="1" spcCol="1270" anchor="ctr" anchorCtr="0">
-          <a:noAutofit/>
-        </a:bodyPr>
-        <a:lstStyle/>
-        <a:p>
-          <a:pPr marL="114300" lvl="1" indent="-114300" algn="l" defTabSz="666750">
-            <a:lnSpc>
-              <a:spcPct val="90000"/>
-            </a:lnSpc>
-            <a:spcBef>
-              <a:spcPct val="0"/>
-            </a:spcBef>
-            <a:spcAft>
-              <a:spcPct val="15000"/>
-            </a:spcAft>
-            <a:buFont typeface="Arial" panose="020B0604020202020204" pitchFamily="34" charset="0"/>
-            <a:buNone/>
-          </a:pPr>
-          <a:r>
-            <a:rPr lang="zh-TW" altLang="en-US" sz="1500" kern="1200" dirty="0"/>
-            <a:t>網路報修單</a:t>
-          </a:r>
-          <a:endParaRPr lang="en-US" altLang="zh-TW" sz="1500" kern="1200" dirty="0"/>
-        </a:p>
-      </dsp:txBody>
-      <dsp:txXfrm rot="-5400000">
-        <a:off x="2405058" y="1168388"/>
-        <a:ext cx="4255305" cy="376255"/>
-      </dsp:txXfrm>
-    </dsp:sp>
-    <dsp:sp modelId="{55402012-3A69-449F-87E1-8630A85D0AA4}">
-      <dsp:nvSpPr>
-        <dsp:cNvPr id="0" name=""/>
-        <dsp:cNvSpPr/>
-      </dsp:nvSpPr>
-      <dsp:spPr>
-        <a:xfrm>
-          <a:off x="0" y="1095911"/>
-          <a:ext cx="2405058" cy="521207"/>
-        </a:xfrm>
-        <a:prstGeom prst="roundRect">
-          <a:avLst/>
-        </a:prstGeom>
-        <a:solidFill>
-          <a:schemeClr val="dk2">
-            <a:hueOff val="0"/>
-            <a:satOff val="0"/>
-            <a:lumOff val="0"/>
-            <a:alphaOff val="0"/>
-          </a:schemeClr>
-        </a:solidFill>
-        <a:ln w="15875" cap="rnd" cmpd="sng" algn="ctr">
-          <a:solidFill>
-            <a:schemeClr val="lt2">
-              <a:hueOff val="0"/>
-              <a:satOff val="0"/>
-              <a:lumOff val="0"/>
-              <a:alphaOff val="0"/>
-            </a:schemeClr>
-          </a:solidFill>
-          <a:prstDash val="solid"/>
-        </a:ln>
-        <a:effectLst/>
-      </dsp:spPr>
-      <dsp:style>
-        <a:lnRef idx="2">
-          <a:scrgbClr r="0" g="0" b="0"/>
-        </a:lnRef>
-        <a:fillRef idx="1">
-          <a:scrgbClr r="0" g="0" b="0"/>
-        </a:fillRef>
-        <a:effectRef idx="0">
-          <a:scrgbClr r="0" g="0" b="0"/>
-        </a:effectRef>
-        <a:fontRef idx="minor">
-          <a:schemeClr val="lt1"/>
-        </a:fontRef>
-      </dsp:style>
-      <dsp:txBody>
-        <a:bodyPr spcFirstLastPara="0" vert="horz" wrap="square" lIns="72390" tIns="36195" rIns="72390" bIns="36195" numCol="1" spcCol="1270" anchor="ctr" anchorCtr="0">
-          <a:noAutofit/>
-        </a:bodyPr>
-        <a:lstStyle/>
-        <a:p>
-          <a:pPr marL="0" lvl="0" indent="0" algn="ctr" defTabSz="844550">
-            <a:lnSpc>
-              <a:spcPct val="90000"/>
-            </a:lnSpc>
-            <a:spcBef>
-              <a:spcPct val="0"/>
-            </a:spcBef>
-            <a:spcAft>
-              <a:spcPct val="35000"/>
-            </a:spcAft>
-            <a:buFont typeface="+mj-lt"/>
-            <a:buNone/>
-          </a:pPr>
-          <a:r>
-            <a:rPr lang="en-US" sz="1900" kern="1200" dirty="0"/>
-            <a:t>malfunction </a:t>
-          </a:r>
-          <a:r>
-            <a:rPr lang="zh-TW" altLang="en-US" sz="1900" kern="1200" dirty="0"/>
-            <a:t>故障</a:t>
-          </a:r>
-          <a:endParaRPr lang="en-US" altLang="zh-TW" sz="1900" kern="1200" dirty="0"/>
-        </a:p>
-      </dsp:txBody>
-      <dsp:txXfrm>
-        <a:off x="25443" y="1121354"/>
-        <a:ext cx="2354172" cy="470321"/>
-      </dsp:txXfrm>
-    </dsp:sp>
-    <dsp:sp modelId="{BD3692B7-987D-4B71-8FFC-791F6494CACA}">
-      <dsp:nvSpPr>
-        <dsp:cNvPr id="0" name=""/>
-        <dsp:cNvSpPr/>
-      </dsp:nvSpPr>
-      <dsp:spPr>
-        <a:xfrm rot="5400000">
-          <a:off x="4334405" y="-234046"/>
-          <a:ext cx="416965" cy="4275660"/>
-        </a:xfrm>
-        <a:prstGeom prst="round2SameRect">
-          <a:avLst/>
-        </a:prstGeom>
-        <a:solidFill>
-          <a:schemeClr val="dk2">
-            <a:alpha val="90000"/>
-            <a:tint val="40000"/>
-            <a:hueOff val="0"/>
-            <a:satOff val="0"/>
-            <a:lumOff val="0"/>
-            <a:alphaOff val="0"/>
-          </a:schemeClr>
-        </a:solidFill>
-        <a:ln w="15875" cap="rnd" cmpd="sng" algn="ctr">
-          <a:solidFill>
-            <a:schemeClr val="dk2">
-              <a:alpha val="90000"/>
-              <a:tint val="40000"/>
-              <a:hueOff val="0"/>
-              <a:satOff val="0"/>
-              <a:lumOff val="0"/>
-              <a:alphaOff val="0"/>
-            </a:schemeClr>
-          </a:solidFill>
-          <a:prstDash val="solid"/>
-        </a:ln>
-        <a:effectLst/>
-      </dsp:spPr>
-      <dsp:style>
-        <a:lnRef idx="2">
-          <a:scrgbClr r="0" g="0" b="0"/>
-        </a:lnRef>
-        <a:fillRef idx="1">
-          <a:scrgbClr r="0" g="0" b="0"/>
-        </a:fillRef>
-        <a:effectRef idx="0">
-          <a:scrgbClr r="0" g="0" b="0"/>
-        </a:effectRef>
-        <a:fontRef idx="minor"/>
-      </dsp:style>
-      <dsp:txBody>
-        <a:bodyPr spcFirstLastPara="0" vert="horz" wrap="square" lIns="57150" tIns="28575" rIns="57150" bIns="28575" numCol="1" spcCol="1270" anchor="ctr" anchorCtr="0">
-          <a:noAutofit/>
-        </a:bodyPr>
-        <a:lstStyle/>
-        <a:p>
-          <a:pPr marL="114300" lvl="1" indent="-114300" algn="l" defTabSz="666750">
-            <a:lnSpc>
-              <a:spcPct val="90000"/>
-            </a:lnSpc>
-            <a:spcBef>
-              <a:spcPct val="0"/>
-            </a:spcBef>
-            <a:spcAft>
-              <a:spcPct val="15000"/>
-            </a:spcAft>
-            <a:buFont typeface="Arial" panose="020B0604020202020204" pitchFamily="34" charset="0"/>
-            <a:buNone/>
-          </a:pPr>
-          <a:r>
-            <a:rPr lang="zh-TW" altLang="en-US" sz="1500" kern="1200" dirty="0"/>
-            <a:t>網路維修單</a:t>
-          </a:r>
-          <a:endParaRPr lang="en-US" altLang="zh-TW" sz="1500" kern="1200" dirty="0"/>
-        </a:p>
-      </dsp:txBody>
-      <dsp:txXfrm rot="-5400000">
-        <a:off x="2405058" y="1715656"/>
-        <a:ext cx="4255305" cy="376255"/>
-      </dsp:txXfrm>
-    </dsp:sp>
-    <dsp:sp modelId="{5FC8016C-6DEA-4703-B8F4-3D550D151C2E}">
-      <dsp:nvSpPr>
-        <dsp:cNvPr id="0" name=""/>
-        <dsp:cNvSpPr/>
-      </dsp:nvSpPr>
-      <dsp:spPr>
-        <a:xfrm>
-          <a:off x="0" y="1643179"/>
-          <a:ext cx="2405058" cy="521207"/>
-        </a:xfrm>
-        <a:prstGeom prst="roundRect">
-          <a:avLst/>
-        </a:prstGeom>
-        <a:solidFill>
-          <a:schemeClr val="dk2">
-            <a:hueOff val="0"/>
-            <a:satOff val="0"/>
-            <a:lumOff val="0"/>
-            <a:alphaOff val="0"/>
-          </a:schemeClr>
-        </a:solidFill>
-        <a:ln w="15875" cap="rnd" cmpd="sng" algn="ctr">
-          <a:solidFill>
-            <a:schemeClr val="lt2">
-              <a:hueOff val="0"/>
-              <a:satOff val="0"/>
-              <a:lumOff val="0"/>
-              <a:alphaOff val="0"/>
-            </a:schemeClr>
-          </a:solidFill>
-          <a:prstDash val="solid"/>
-        </a:ln>
-        <a:effectLst/>
-      </dsp:spPr>
-      <dsp:style>
-        <a:lnRef idx="2">
-          <a:scrgbClr r="0" g="0" b="0"/>
-        </a:lnRef>
-        <a:fillRef idx="1">
-          <a:scrgbClr r="0" g="0" b="0"/>
-        </a:fillRef>
-        <a:effectRef idx="0">
-          <a:scrgbClr r="0" g="0" b="0"/>
-        </a:effectRef>
-        <a:fontRef idx="minor">
-          <a:schemeClr val="lt1"/>
-        </a:fontRef>
-      </dsp:style>
-      <dsp:txBody>
-        <a:bodyPr spcFirstLastPara="0" vert="horz" wrap="square" lIns="72390" tIns="36195" rIns="72390" bIns="36195" numCol="1" spcCol="1270" anchor="ctr" anchorCtr="0">
-          <a:noAutofit/>
-        </a:bodyPr>
-        <a:lstStyle/>
-        <a:p>
-          <a:pPr marL="0" lvl="0" indent="0" algn="ctr" defTabSz="844550">
-            <a:lnSpc>
-              <a:spcPct val="90000"/>
-            </a:lnSpc>
-            <a:spcBef>
-              <a:spcPct val="0"/>
-            </a:spcBef>
-            <a:spcAft>
-              <a:spcPct val="35000"/>
-            </a:spcAft>
-            <a:buFont typeface="+mj-lt"/>
-            <a:buNone/>
-          </a:pPr>
-          <a:r>
-            <a:rPr lang="en-US" sz="1900" kern="1200" dirty="0"/>
-            <a:t>processing </a:t>
-          </a:r>
-          <a:r>
-            <a:rPr lang="zh-TW" altLang="en-US" sz="1900" kern="1200" dirty="0"/>
-            <a:t>處理過程</a:t>
-          </a:r>
-          <a:endParaRPr lang="en-US" altLang="zh-TW" sz="1900" kern="1200" dirty="0"/>
-        </a:p>
-      </dsp:txBody>
-      <dsp:txXfrm>
-        <a:off x="25443" y="1668622"/>
-        <a:ext cx="2354172" cy="470321"/>
-      </dsp:txXfrm>
-    </dsp:sp>
-    <dsp:sp modelId="{ABABB339-2359-4FA2-9C53-65EDF5465955}">
-      <dsp:nvSpPr>
-        <dsp:cNvPr id="0" name=""/>
-        <dsp:cNvSpPr/>
-      </dsp:nvSpPr>
-      <dsp:spPr>
-        <a:xfrm>
-          <a:off x="0" y="2190447"/>
-          <a:ext cx="2405058" cy="521207"/>
-        </a:xfrm>
-        <a:prstGeom prst="roundRect">
-          <a:avLst/>
-        </a:prstGeom>
-        <a:solidFill>
-          <a:schemeClr val="dk2">
-            <a:hueOff val="0"/>
-            <a:satOff val="0"/>
-            <a:lumOff val="0"/>
-            <a:alphaOff val="0"/>
-          </a:schemeClr>
-        </a:solidFill>
-        <a:ln w="15875" cap="rnd" cmpd="sng" algn="ctr">
-          <a:solidFill>
-            <a:schemeClr val="lt2">
-              <a:hueOff val="0"/>
-              <a:satOff val="0"/>
-              <a:lumOff val="0"/>
-              <a:alphaOff val="0"/>
-            </a:schemeClr>
-          </a:solidFill>
-          <a:prstDash val="solid"/>
-        </a:ln>
-        <a:effectLst/>
-      </dsp:spPr>
-      <dsp:style>
-        <a:lnRef idx="2">
-          <a:scrgbClr r="0" g="0" b="0"/>
-        </a:lnRef>
-        <a:fillRef idx="1">
-          <a:scrgbClr r="0" g="0" b="0"/>
-        </a:fillRef>
-        <a:effectRef idx="0">
-          <a:scrgbClr r="0" g="0" b="0"/>
-        </a:effectRef>
-        <a:fontRef idx="minor">
-          <a:schemeClr val="lt1"/>
-        </a:fontRef>
-      </dsp:style>
-      <dsp:txBody>
-        <a:bodyPr spcFirstLastPara="0" vert="horz" wrap="square" lIns="72390" tIns="36195" rIns="72390" bIns="36195" numCol="1" spcCol="1270" anchor="ctr" anchorCtr="0">
-          <a:noAutofit/>
-        </a:bodyPr>
-        <a:lstStyle/>
-        <a:p>
-          <a:pPr marL="0" lvl="0" indent="0" algn="ctr" defTabSz="844550">
-            <a:lnSpc>
-              <a:spcPct val="90000"/>
-            </a:lnSpc>
-            <a:spcBef>
-              <a:spcPct val="0"/>
-            </a:spcBef>
-            <a:spcAft>
-              <a:spcPct val="35000"/>
-            </a:spcAft>
-            <a:buFont typeface="+mj-lt"/>
-            <a:buNone/>
-          </a:pPr>
-          <a:r>
-            <a:rPr lang="en-US" sz="1900" kern="1200" dirty="0"/>
-            <a:t>switch </a:t>
-          </a:r>
-          <a:r>
-            <a:rPr lang="zh-TW" altLang="en-US" sz="1900" kern="1200" dirty="0"/>
-            <a:t>網路交換器</a:t>
-          </a:r>
-        </a:p>
-      </dsp:txBody>
-      <dsp:txXfrm>
-        <a:off x="25443" y="2215890"/>
-        <a:ext cx="2354172" cy="470321"/>
-      </dsp:txXfrm>
-    </dsp:sp>
-    <dsp:sp modelId="{8095EB3F-27C0-4604-A829-663A6ECEAF1B}">
-      <dsp:nvSpPr>
-        <dsp:cNvPr id="0" name=""/>
-        <dsp:cNvSpPr/>
-      </dsp:nvSpPr>
-      <dsp:spPr>
-        <a:xfrm rot="5400000">
-          <a:off x="4334405" y="860488"/>
-          <a:ext cx="416965" cy="4275660"/>
-        </a:xfrm>
-        <a:prstGeom prst="round2SameRect">
-          <a:avLst/>
-        </a:prstGeom>
-        <a:solidFill>
-          <a:schemeClr val="dk2">
-            <a:alpha val="90000"/>
-            <a:tint val="40000"/>
-            <a:hueOff val="0"/>
-            <a:satOff val="0"/>
-            <a:lumOff val="0"/>
-            <a:alphaOff val="0"/>
-          </a:schemeClr>
-        </a:solidFill>
-        <a:ln w="15875" cap="rnd" cmpd="sng" algn="ctr">
-          <a:solidFill>
-            <a:schemeClr val="dk2">
-              <a:alpha val="90000"/>
-              <a:tint val="40000"/>
-              <a:hueOff val="0"/>
-              <a:satOff val="0"/>
-              <a:lumOff val="0"/>
-              <a:alphaOff val="0"/>
-            </a:schemeClr>
-          </a:solidFill>
-          <a:prstDash val="solid"/>
-        </a:ln>
-        <a:effectLst/>
-      </dsp:spPr>
-      <dsp:style>
-        <a:lnRef idx="2">
-          <a:scrgbClr r="0" g="0" b="0"/>
-        </a:lnRef>
-        <a:fillRef idx="1">
-          <a:scrgbClr r="0" g="0" b="0"/>
-        </a:fillRef>
-        <a:effectRef idx="0">
-          <a:scrgbClr r="0" g="0" b="0"/>
-        </a:effectRef>
-        <a:fontRef idx="minor"/>
-      </dsp:style>
-      <dsp:txBody>
-        <a:bodyPr spcFirstLastPara="0" vert="horz" wrap="square" lIns="57150" tIns="28575" rIns="57150" bIns="28575" numCol="1" spcCol="1270" anchor="ctr" anchorCtr="0">
-          <a:noAutofit/>
-        </a:bodyPr>
-        <a:lstStyle/>
-        <a:p>
-          <a:pPr marL="114300" lvl="1" indent="-114300" algn="l" defTabSz="666750">
-            <a:lnSpc>
-              <a:spcPct val="90000"/>
-            </a:lnSpc>
-            <a:spcBef>
-              <a:spcPct val="0"/>
-            </a:spcBef>
-            <a:spcAft>
-              <a:spcPct val="15000"/>
-            </a:spcAft>
-            <a:buFont typeface="Arial" panose="020B0604020202020204" pitchFamily="34" charset="0"/>
-            <a:buNone/>
-          </a:pPr>
-          <a:r>
-            <a:rPr lang="zh-TW" altLang="en-US" sz="1500" kern="1200" dirty="0"/>
-            <a:t>放置交換器場所</a:t>
-          </a:r>
-        </a:p>
-      </dsp:txBody>
-      <dsp:txXfrm rot="-5400000">
-        <a:off x="2405058" y="2810191"/>
-        <a:ext cx="4255305" cy="376255"/>
-      </dsp:txXfrm>
-    </dsp:sp>
-    <dsp:sp modelId="{A1EBC8A6-D991-448B-A597-428A1643716D}">
-      <dsp:nvSpPr>
-        <dsp:cNvPr id="0" name=""/>
-        <dsp:cNvSpPr/>
-      </dsp:nvSpPr>
-      <dsp:spPr>
-        <a:xfrm>
-          <a:off x="0" y="2737715"/>
-          <a:ext cx="2405058" cy="521207"/>
-        </a:xfrm>
-        <a:prstGeom prst="roundRect">
-          <a:avLst/>
-        </a:prstGeom>
-        <a:solidFill>
-          <a:schemeClr val="dk2">
-            <a:hueOff val="0"/>
-            <a:satOff val="0"/>
-            <a:lumOff val="0"/>
-            <a:alphaOff val="0"/>
-          </a:schemeClr>
-        </a:solidFill>
-        <a:ln w="15875" cap="rnd" cmpd="sng" algn="ctr">
-          <a:solidFill>
-            <a:schemeClr val="lt2">
-              <a:hueOff val="0"/>
-              <a:satOff val="0"/>
-              <a:lumOff val="0"/>
-              <a:alphaOff val="0"/>
-            </a:schemeClr>
-          </a:solidFill>
-          <a:prstDash val="solid"/>
-        </a:ln>
-        <a:effectLst/>
-      </dsp:spPr>
-      <dsp:style>
-        <a:lnRef idx="2">
-          <a:scrgbClr r="0" g="0" b="0"/>
-        </a:lnRef>
-        <a:fillRef idx="1">
-          <a:scrgbClr r="0" g="0" b="0"/>
-        </a:fillRef>
-        <a:effectRef idx="0">
-          <a:scrgbClr r="0" g="0" b="0"/>
-        </a:effectRef>
-        <a:fontRef idx="minor">
-          <a:schemeClr val="lt1"/>
-        </a:fontRef>
-      </dsp:style>
-      <dsp:txBody>
-        <a:bodyPr spcFirstLastPara="0" vert="horz" wrap="square" lIns="72390" tIns="36195" rIns="72390" bIns="36195" numCol="1" spcCol="1270" anchor="ctr" anchorCtr="0">
-          <a:noAutofit/>
-        </a:bodyPr>
-        <a:lstStyle/>
-        <a:p>
-          <a:pPr marL="0" lvl="0" indent="0" algn="ctr" defTabSz="844550">
-            <a:lnSpc>
-              <a:spcPct val="90000"/>
-            </a:lnSpc>
-            <a:spcBef>
-              <a:spcPct val="0"/>
-            </a:spcBef>
-            <a:spcAft>
-              <a:spcPct val="35000"/>
-            </a:spcAft>
-            <a:buFont typeface="+mj-lt"/>
-            <a:buNone/>
-          </a:pPr>
-          <a:r>
-            <a:rPr lang="en-US" sz="1900" kern="1200" dirty="0"/>
-            <a:t>cabinet </a:t>
-          </a:r>
-          <a:r>
-            <a:rPr lang="zh-TW" altLang="en-US" sz="1900" kern="1200" dirty="0"/>
-            <a:t>機櫃</a:t>
-          </a:r>
-        </a:p>
-      </dsp:txBody>
-      <dsp:txXfrm>
-        <a:off x="25443" y="2763158"/>
-        <a:ext cx="2354172" cy="470321"/>
-      </dsp:txXfrm>
-    </dsp:sp>
-    <dsp:sp modelId="{3ECFB111-86DE-40ED-81F3-496AD41AF053}">
-      <dsp:nvSpPr>
-        <dsp:cNvPr id="0" name=""/>
-        <dsp:cNvSpPr/>
-      </dsp:nvSpPr>
-      <dsp:spPr>
-        <a:xfrm rot="5400000">
-          <a:off x="4334405" y="1407756"/>
-          <a:ext cx="416965" cy="4275660"/>
-        </a:xfrm>
-        <a:prstGeom prst="round2SameRect">
-          <a:avLst/>
-        </a:prstGeom>
-        <a:solidFill>
-          <a:schemeClr val="dk2">
-            <a:alpha val="90000"/>
-            <a:tint val="40000"/>
-            <a:hueOff val="0"/>
-            <a:satOff val="0"/>
-            <a:lumOff val="0"/>
-            <a:alphaOff val="0"/>
-          </a:schemeClr>
-        </a:solidFill>
-        <a:ln w="15875" cap="rnd" cmpd="sng" algn="ctr">
-          <a:solidFill>
-            <a:schemeClr val="dk2">
-              <a:alpha val="90000"/>
-              <a:tint val="40000"/>
-              <a:hueOff val="0"/>
-              <a:satOff val="0"/>
-              <a:lumOff val="0"/>
-              <a:alphaOff val="0"/>
-            </a:schemeClr>
-          </a:solidFill>
-          <a:prstDash val="solid"/>
-        </a:ln>
-        <a:effectLst/>
-      </dsp:spPr>
-      <dsp:style>
-        <a:lnRef idx="2">
-          <a:scrgbClr r="0" g="0" b="0"/>
-        </a:lnRef>
-        <a:fillRef idx="1">
-          <a:scrgbClr r="0" g="0" b="0"/>
-        </a:fillRef>
-        <a:effectRef idx="0">
-          <a:scrgbClr r="0" g="0" b="0"/>
-        </a:effectRef>
-        <a:fontRef idx="minor"/>
-      </dsp:style>
-      <dsp:txBody>
-        <a:bodyPr spcFirstLastPara="0" vert="horz" wrap="square" lIns="57150" tIns="28575" rIns="57150" bIns="28575" numCol="1" spcCol="1270" anchor="ctr" anchorCtr="0">
-          <a:noAutofit/>
-        </a:bodyPr>
-        <a:lstStyle/>
-        <a:p>
-          <a:pPr marL="114300" lvl="1" indent="-114300" algn="l" defTabSz="666750">
-            <a:lnSpc>
-              <a:spcPct val="90000"/>
-            </a:lnSpc>
-            <a:spcBef>
-              <a:spcPct val="0"/>
-            </a:spcBef>
-            <a:spcAft>
-              <a:spcPct val="15000"/>
-            </a:spcAft>
-            <a:buFont typeface="Arial" panose="020B0604020202020204" pitchFamily="34" charset="0"/>
-            <a:buNone/>
-          </a:pPr>
-          <a:r>
-            <a:rPr lang="zh-TW" altLang="en-US" sz="1500" kern="1200" dirty="0"/>
-            <a:t>交換器提供商</a:t>
-          </a:r>
-        </a:p>
-      </dsp:txBody>
-      <dsp:txXfrm rot="-5400000">
-        <a:off x="2405058" y="3357459"/>
-        <a:ext cx="4255305" cy="376255"/>
-      </dsp:txXfrm>
-    </dsp:sp>
-    <dsp:sp modelId="{4905EC51-1448-45C8-A6BE-8CB60799C1BD}">
-      <dsp:nvSpPr>
-        <dsp:cNvPr id="0" name=""/>
-        <dsp:cNvSpPr/>
-      </dsp:nvSpPr>
-      <dsp:spPr>
-        <a:xfrm>
-          <a:off x="0" y="3284982"/>
-          <a:ext cx="2405058" cy="521207"/>
-        </a:xfrm>
-        <a:prstGeom prst="roundRect">
-          <a:avLst/>
-        </a:prstGeom>
-        <a:solidFill>
-          <a:schemeClr val="dk2">
-            <a:hueOff val="0"/>
-            <a:satOff val="0"/>
-            <a:lumOff val="0"/>
-            <a:alphaOff val="0"/>
-          </a:schemeClr>
-        </a:solidFill>
-        <a:ln w="15875" cap="rnd" cmpd="sng" algn="ctr">
-          <a:solidFill>
-            <a:schemeClr val="lt2">
-              <a:hueOff val="0"/>
-              <a:satOff val="0"/>
-              <a:lumOff val="0"/>
-              <a:alphaOff val="0"/>
-            </a:schemeClr>
-          </a:solidFill>
-          <a:prstDash val="solid"/>
-        </a:ln>
-        <a:effectLst/>
-      </dsp:spPr>
-      <dsp:style>
-        <a:lnRef idx="2">
-          <a:scrgbClr r="0" g="0" b="0"/>
-        </a:lnRef>
-        <a:fillRef idx="1">
-          <a:scrgbClr r="0" g="0" b="0"/>
-        </a:fillRef>
-        <a:effectRef idx="0">
-          <a:scrgbClr r="0" g="0" b="0"/>
-        </a:effectRef>
-        <a:fontRef idx="minor">
-          <a:schemeClr val="lt1"/>
-        </a:fontRef>
-      </dsp:style>
-      <dsp:txBody>
-        <a:bodyPr spcFirstLastPara="0" vert="horz" wrap="square" lIns="72390" tIns="36195" rIns="72390" bIns="36195" numCol="1" spcCol="1270" anchor="ctr" anchorCtr="0">
-          <a:noAutofit/>
-        </a:bodyPr>
-        <a:lstStyle/>
-        <a:p>
-          <a:pPr marL="0" lvl="0" indent="0" algn="ctr" defTabSz="844550">
-            <a:lnSpc>
-              <a:spcPct val="90000"/>
-            </a:lnSpc>
-            <a:spcBef>
-              <a:spcPct val="0"/>
-            </a:spcBef>
-            <a:spcAft>
-              <a:spcPct val="35000"/>
-            </a:spcAft>
-            <a:buFont typeface="+mj-lt"/>
-            <a:buNone/>
-          </a:pPr>
-          <a:r>
-            <a:rPr lang="en-US" sz="1900" kern="1200" dirty="0"/>
-            <a:t>vendor </a:t>
-          </a:r>
-          <a:r>
-            <a:rPr lang="zh-TW" altLang="en-US" sz="1900" kern="1200" dirty="0"/>
-            <a:t>廠商</a:t>
-          </a:r>
-        </a:p>
-      </dsp:txBody>
-      <dsp:txXfrm>
-        <a:off x="25443" y="3310425"/>
-        <a:ext cx="2354172" cy="470321"/>
-      </dsp:txXfrm>
-    </dsp:sp>
-    <dsp:sp modelId="{4F6307D4-67B8-4F9F-8CC2-423F5A17B349}">
-      <dsp:nvSpPr>
-        <dsp:cNvPr id="0" name=""/>
-        <dsp:cNvSpPr/>
-      </dsp:nvSpPr>
-      <dsp:spPr>
-        <a:xfrm rot="5400000">
-          <a:off x="4334405" y="1955024"/>
-          <a:ext cx="416965" cy="4275660"/>
-        </a:xfrm>
-        <a:prstGeom prst="round2SameRect">
-          <a:avLst/>
-        </a:prstGeom>
-        <a:solidFill>
-          <a:schemeClr val="dk2">
-            <a:alpha val="90000"/>
-            <a:tint val="40000"/>
-            <a:hueOff val="0"/>
-            <a:satOff val="0"/>
-            <a:lumOff val="0"/>
-            <a:alphaOff val="0"/>
-          </a:schemeClr>
-        </a:solidFill>
-        <a:ln w="15875" cap="rnd" cmpd="sng" algn="ctr">
-          <a:solidFill>
-            <a:schemeClr val="dk2">
-              <a:alpha val="90000"/>
-              <a:tint val="40000"/>
-              <a:hueOff val="0"/>
-              <a:satOff val="0"/>
-              <a:lumOff val="0"/>
-              <a:alphaOff val="0"/>
-            </a:schemeClr>
-          </a:solidFill>
-          <a:prstDash val="solid"/>
-        </a:ln>
-        <a:effectLst/>
-      </dsp:spPr>
-      <dsp:style>
-        <a:lnRef idx="2">
-          <a:scrgbClr r="0" g="0" b="0"/>
-        </a:lnRef>
-        <a:fillRef idx="1">
-          <a:scrgbClr r="0" g="0" b="0"/>
-        </a:fillRef>
-        <a:effectRef idx="0">
-          <a:scrgbClr r="0" g="0" b="0"/>
-        </a:effectRef>
-        <a:fontRef idx="minor"/>
-      </dsp:style>
-      <dsp:txBody>
-        <a:bodyPr spcFirstLastPara="0" vert="horz" wrap="square" lIns="57150" tIns="28575" rIns="57150" bIns="28575" numCol="1" spcCol="1270" anchor="ctr" anchorCtr="0">
-          <a:noAutofit/>
-        </a:bodyPr>
-        <a:lstStyle/>
-        <a:p>
-          <a:pPr marL="114300" lvl="1" indent="-114300" algn="l" defTabSz="666750">
-            <a:lnSpc>
-              <a:spcPct val="90000"/>
-            </a:lnSpc>
-            <a:spcBef>
-              <a:spcPct val="0"/>
-            </a:spcBef>
-            <a:spcAft>
-              <a:spcPct val="15000"/>
-            </a:spcAft>
-            <a:buFont typeface="Arial" panose="020B0604020202020204" pitchFamily="34" charset="0"/>
-            <a:buNone/>
-          </a:pPr>
-          <a:r>
-            <a:rPr lang="zh-TW" altLang="en-US" sz="1500" kern="1200" dirty="0"/>
-            <a:t>身份為學生</a:t>
-          </a:r>
-          <a:endParaRPr lang="en-US" altLang="zh-TW" sz="1500" kern="1200" dirty="0"/>
-        </a:p>
-      </dsp:txBody>
-      <dsp:txXfrm rot="-5400000">
-        <a:off x="2405058" y="3904727"/>
-        <a:ext cx="4255305" cy="376255"/>
-      </dsp:txXfrm>
-    </dsp:sp>
-    <dsp:sp modelId="{7B258450-A7A3-4C48-B8D7-02A5749F64DA}">
-      <dsp:nvSpPr>
-        <dsp:cNvPr id="0" name=""/>
-        <dsp:cNvSpPr/>
-      </dsp:nvSpPr>
-      <dsp:spPr>
-        <a:xfrm>
-          <a:off x="0" y="3832250"/>
-          <a:ext cx="2405058" cy="521207"/>
-        </a:xfrm>
-        <a:prstGeom prst="roundRect">
-          <a:avLst/>
-        </a:prstGeom>
-        <a:solidFill>
-          <a:schemeClr val="dk2">
-            <a:hueOff val="0"/>
-            <a:satOff val="0"/>
-            <a:lumOff val="0"/>
-            <a:alphaOff val="0"/>
-          </a:schemeClr>
-        </a:solidFill>
-        <a:ln w="15875" cap="rnd" cmpd="sng" algn="ctr">
-          <a:solidFill>
-            <a:schemeClr val="lt2">
-              <a:hueOff val="0"/>
-              <a:satOff val="0"/>
-              <a:lumOff val="0"/>
-              <a:alphaOff val="0"/>
-            </a:schemeClr>
-          </a:solidFill>
-          <a:prstDash val="solid"/>
-        </a:ln>
-        <a:effectLst/>
-      </dsp:spPr>
-      <dsp:style>
-        <a:lnRef idx="2">
-          <a:scrgbClr r="0" g="0" b="0"/>
-        </a:lnRef>
-        <a:fillRef idx="1">
-          <a:scrgbClr r="0" g="0" b="0"/>
-        </a:fillRef>
-        <a:effectRef idx="0">
-          <a:scrgbClr r="0" g="0" b="0"/>
-        </a:effectRef>
-        <a:fontRef idx="minor">
-          <a:schemeClr val="lt1"/>
-        </a:fontRef>
-      </dsp:style>
-      <dsp:txBody>
-        <a:bodyPr spcFirstLastPara="0" vert="horz" wrap="square" lIns="72390" tIns="36195" rIns="72390" bIns="36195" numCol="1" spcCol="1270" anchor="ctr" anchorCtr="0">
-          <a:noAutofit/>
-        </a:bodyPr>
-        <a:lstStyle/>
-        <a:p>
-          <a:pPr marL="0" lvl="0" indent="0" algn="ctr" defTabSz="844550">
-            <a:lnSpc>
-              <a:spcPct val="90000"/>
-            </a:lnSpc>
-            <a:spcBef>
-              <a:spcPct val="0"/>
-            </a:spcBef>
-            <a:spcAft>
-              <a:spcPct val="35000"/>
-            </a:spcAft>
-            <a:buFont typeface="+mj-lt"/>
-            <a:buNone/>
-          </a:pPr>
-          <a:r>
-            <a:rPr lang="en-US" altLang="zh-TW" sz="1900" kern="1200" dirty="0"/>
-            <a:t>Boarder</a:t>
-          </a:r>
-          <a:r>
-            <a:rPr lang="zh-TW" altLang="en-US" sz="1900" kern="1200" dirty="0"/>
-            <a:t> 住宿生</a:t>
-          </a:r>
-          <a:endParaRPr lang="en-US" altLang="zh-TW" sz="1900" kern="1200" dirty="0"/>
-        </a:p>
-      </dsp:txBody>
-      <dsp:txXfrm>
-        <a:off x="25443" y="3857693"/>
-        <a:ext cx="2354172" cy="470321"/>
-      </dsp:txXfrm>
-    </dsp:sp>
-    <dsp:sp modelId="{7C97BB92-7A6C-4247-A3A0-8F3FF2797E72}">
-      <dsp:nvSpPr>
-        <dsp:cNvPr id="0" name=""/>
-        <dsp:cNvSpPr/>
-      </dsp:nvSpPr>
-      <dsp:spPr>
-        <a:xfrm rot="5400000">
-          <a:off x="4334405" y="2502291"/>
-          <a:ext cx="416965" cy="4275660"/>
-        </a:xfrm>
-        <a:prstGeom prst="round2SameRect">
-          <a:avLst/>
-        </a:prstGeom>
-        <a:solidFill>
-          <a:schemeClr val="dk2">
-            <a:alpha val="90000"/>
-            <a:tint val="40000"/>
-            <a:hueOff val="0"/>
-            <a:satOff val="0"/>
-            <a:lumOff val="0"/>
-            <a:alphaOff val="0"/>
-          </a:schemeClr>
-        </a:solidFill>
-        <a:ln w="15875" cap="rnd" cmpd="sng" algn="ctr">
-          <a:solidFill>
-            <a:schemeClr val="dk2">
-              <a:alpha val="90000"/>
-              <a:tint val="40000"/>
-              <a:hueOff val="0"/>
-              <a:satOff val="0"/>
-              <a:lumOff val="0"/>
-              <a:alphaOff val="0"/>
-            </a:schemeClr>
-          </a:solidFill>
-          <a:prstDash val="solid"/>
-        </a:ln>
-        <a:effectLst/>
-      </dsp:spPr>
-      <dsp:style>
-        <a:lnRef idx="2">
-          <a:scrgbClr r="0" g="0" b="0"/>
-        </a:lnRef>
-        <a:fillRef idx="1">
-          <a:scrgbClr r="0" g="0" b="0"/>
-        </a:fillRef>
-        <a:effectRef idx="0">
-          <a:scrgbClr r="0" g="0" b="0"/>
-        </a:effectRef>
-        <a:fontRef idx="minor"/>
-      </dsp:style>
-      <dsp:txBody>
-        <a:bodyPr spcFirstLastPara="0" vert="horz" wrap="square" lIns="57150" tIns="28575" rIns="57150" bIns="28575" numCol="1" spcCol="1270" anchor="ctr" anchorCtr="0">
-          <a:noAutofit/>
-        </a:bodyPr>
-        <a:lstStyle/>
-        <a:p>
-          <a:pPr marL="114300" lvl="1" indent="-114300" algn="l" defTabSz="666750">
-            <a:lnSpc>
-              <a:spcPct val="90000"/>
-            </a:lnSpc>
-            <a:spcBef>
-              <a:spcPct val="0"/>
-            </a:spcBef>
-            <a:spcAft>
-              <a:spcPct val="15000"/>
-            </a:spcAft>
-            <a:buFont typeface="Arial" panose="020B0604020202020204" pitchFamily="34" charset="0"/>
-            <a:buNone/>
-          </a:pPr>
-          <a:r>
-            <a:rPr lang="zh-TW" altLang="en-US" sz="1500" kern="1200" dirty="0"/>
-            <a:t>身份為學生</a:t>
-          </a:r>
-          <a:endParaRPr lang="en-US" altLang="zh-TW" sz="1500" kern="1200" dirty="0"/>
-        </a:p>
-      </dsp:txBody>
-      <dsp:txXfrm rot="-5400000">
-        <a:off x="2405058" y="4451994"/>
-        <a:ext cx="4255305" cy="376255"/>
-      </dsp:txXfrm>
-    </dsp:sp>
-    <dsp:sp modelId="{387259B5-5940-4B1E-A44F-0C9495463FBB}">
-      <dsp:nvSpPr>
-        <dsp:cNvPr id="0" name=""/>
-        <dsp:cNvSpPr/>
-      </dsp:nvSpPr>
-      <dsp:spPr>
-        <a:xfrm>
-          <a:off x="0" y="4379518"/>
-          <a:ext cx="2405058" cy="521207"/>
-        </a:xfrm>
-        <a:prstGeom prst="roundRect">
-          <a:avLst/>
-        </a:prstGeom>
-        <a:solidFill>
-          <a:schemeClr val="dk2">
-            <a:hueOff val="0"/>
-            <a:satOff val="0"/>
-            <a:lumOff val="0"/>
-            <a:alphaOff val="0"/>
-          </a:schemeClr>
-        </a:solidFill>
-        <a:ln w="15875" cap="rnd" cmpd="sng" algn="ctr">
-          <a:solidFill>
-            <a:schemeClr val="lt2">
-              <a:hueOff val="0"/>
-              <a:satOff val="0"/>
-              <a:lumOff val="0"/>
-              <a:alphaOff val="0"/>
-            </a:schemeClr>
-          </a:solidFill>
-          <a:prstDash val="solid"/>
-        </a:ln>
-        <a:effectLst/>
-      </dsp:spPr>
-      <dsp:style>
-        <a:lnRef idx="2">
-          <a:scrgbClr r="0" g="0" b="0"/>
-        </a:lnRef>
-        <a:fillRef idx="1">
-          <a:scrgbClr r="0" g="0" b="0"/>
-        </a:fillRef>
-        <a:effectRef idx="0">
-          <a:scrgbClr r="0" g="0" b="0"/>
-        </a:effectRef>
-        <a:fontRef idx="minor">
-          <a:schemeClr val="lt1"/>
-        </a:fontRef>
-      </dsp:style>
-      <dsp:txBody>
-        <a:bodyPr spcFirstLastPara="0" vert="horz" wrap="square" lIns="72390" tIns="36195" rIns="72390" bIns="36195" numCol="1" spcCol="1270" anchor="ctr" anchorCtr="0">
-          <a:noAutofit/>
-        </a:bodyPr>
-        <a:lstStyle/>
-        <a:p>
-          <a:pPr marL="0" lvl="0" indent="0" algn="ctr" defTabSz="844550">
-            <a:lnSpc>
-              <a:spcPct val="90000"/>
-            </a:lnSpc>
-            <a:spcBef>
-              <a:spcPct val="0"/>
-            </a:spcBef>
-            <a:spcAft>
-              <a:spcPct val="35000"/>
-            </a:spcAft>
-            <a:buFont typeface="+mj-lt"/>
-            <a:buNone/>
-          </a:pPr>
-          <a:r>
-            <a:rPr lang="en-US" sz="1900" kern="1200" dirty="0"/>
-            <a:t>employee </a:t>
-          </a:r>
-          <a:r>
-            <a:rPr lang="zh-TW" altLang="en-US" sz="1900" kern="1200" dirty="0"/>
-            <a:t>工作人員</a:t>
-          </a:r>
-          <a:endParaRPr lang="en-US" altLang="zh-TW" sz="1900" kern="1200" dirty="0"/>
-        </a:p>
-      </dsp:txBody>
-      <dsp:txXfrm>
-        <a:off x="25443" y="4404961"/>
-        <a:ext cx="2354172" cy="470321"/>
-      </dsp:txXfrm>
-    </dsp:sp>
-  </dsp:spTree>
-</dsp:drawing>
-</file>
-
 <file path=ppt/diagrams/layout1.xml><?xml version="1.0" encoding="utf-8"?>
 <dgm:layoutDef xmlns:dgm="http://schemas.openxmlformats.org/drawingml/2006/diagram" xmlns:a="http://schemas.openxmlformats.org/drawingml/2006/main" uniqueId="urn:microsoft.com/office/officeart/2005/8/layout/lProcess2">
   <dgm:title val=""/>
@@ -5601,1274 +2406,7 @@
 </dgm:layoutDef>
 </file>
 
-<file path=ppt/diagrams/layout2.xml><?xml version="1.0" encoding="utf-8"?>
-<dgm:layoutDef xmlns:dgm="http://schemas.openxmlformats.org/drawingml/2006/diagram" xmlns:a="http://schemas.openxmlformats.org/drawingml/2006/main" uniqueId="urn:microsoft.com/office/officeart/2005/8/layout/vList5">
-  <dgm:title val=""/>
-  <dgm:desc val=""/>
-  <dgm:catLst>
-    <dgm:cat type="list" pri="15000"/>
-    <dgm:cat type="convert" pri="2000"/>
-  </dgm:catLst>
-  <dgm:sampData>
-    <dgm:dataModel>
-      <dgm:ptLst>
-        <dgm:pt modelId="0" type="doc"/>
-        <dgm:pt modelId="1">
-          <dgm:prSet phldr="1"/>
-        </dgm:pt>
-        <dgm:pt modelId="11">
-          <dgm:prSet phldr="1"/>
-        </dgm:pt>
-        <dgm:pt modelId="12">
-          <dgm:prSet phldr="1"/>
-        </dgm:pt>
-        <dgm:pt modelId="2">
-          <dgm:prSet phldr="1"/>
-        </dgm:pt>
-        <dgm:pt modelId="21">
-          <dgm:prSet phldr="1"/>
-        </dgm:pt>
-        <dgm:pt modelId="22">
-          <dgm:prSet phldr="1"/>
-        </dgm:pt>
-        <dgm:pt modelId="3">
-          <dgm:prSet phldr="1"/>
-        </dgm:pt>
-        <dgm:pt modelId="31">
-          <dgm:prSet phldr="1"/>
-        </dgm:pt>
-        <dgm:pt modelId="32">
-          <dgm:prSet phldr="1"/>
-        </dgm:pt>
-      </dgm:ptLst>
-      <dgm:cxnLst>
-        <dgm:cxn modelId="4" srcId="0" destId="1" srcOrd="0" destOrd="0"/>
-        <dgm:cxn modelId="5" srcId="0" destId="2" srcOrd="1" destOrd="0"/>
-        <dgm:cxn modelId="6" srcId="0" destId="3" srcOrd="2" destOrd="0"/>
-        <dgm:cxn modelId="13" srcId="1" destId="11" srcOrd="0" destOrd="0"/>
-        <dgm:cxn modelId="14" srcId="1" destId="12" srcOrd="1" destOrd="0"/>
-        <dgm:cxn modelId="23" srcId="2" destId="21" srcOrd="0" destOrd="0"/>
-        <dgm:cxn modelId="24" srcId="2" destId="22" srcOrd="1" destOrd="0"/>
-        <dgm:cxn modelId="33" srcId="3" destId="31" srcOrd="0" destOrd="0"/>
-        <dgm:cxn modelId="34" srcId="3" destId="32" srcOrd="1" destOrd="0"/>
-      </dgm:cxnLst>
-      <dgm:bg/>
-      <dgm:whole/>
-    </dgm:dataModel>
-  </dgm:sampData>
-  <dgm:styleData>
-    <dgm:dataModel>
-      <dgm:ptLst>
-        <dgm:pt modelId="0" type="doc"/>
-        <dgm:pt modelId="1"/>
-        <dgm:pt modelId="11"/>
-        <dgm:pt modelId="2"/>
-        <dgm:pt modelId="21"/>
-      </dgm:ptLst>
-      <dgm:cxnLst>
-        <dgm:cxn modelId="4" srcId="0" destId="1" srcOrd="0" destOrd="0"/>
-        <dgm:cxn modelId="5" srcId="0" destId="2" srcOrd="1" destOrd="0"/>
-        <dgm:cxn modelId="13" srcId="1" destId="11" srcOrd="0" destOrd="0"/>
-        <dgm:cxn modelId="23" srcId="2" destId="21" srcOrd="0" destOrd="0"/>
-      </dgm:cxnLst>
-      <dgm:bg/>
-      <dgm:whole/>
-    </dgm:dataModel>
-  </dgm:styleData>
-  <dgm:clrData>
-    <dgm:dataModel>
-      <dgm:ptLst>
-        <dgm:pt modelId="0" type="doc"/>
-        <dgm:pt modelId="1"/>
-        <dgm:pt modelId="11"/>
-        <dgm:pt modelId="2"/>
-        <dgm:pt modelId="21"/>
-        <dgm:pt modelId="3"/>
-        <dgm:pt modelId="31"/>
-        <dgm:pt modelId="4"/>
-        <dgm:pt modelId="41"/>
-      </dgm:ptLst>
-      <dgm:cxnLst>
-        <dgm:cxn modelId="5" srcId="0" destId="1" srcOrd="0" destOrd="0"/>
-        <dgm:cxn modelId="6" srcId="0" destId="2" srcOrd="1" destOrd="0"/>
-        <dgm:cxn modelId="7" srcId="0" destId="3" srcOrd="2" destOrd="0"/>
-        <dgm:cxn modelId="8" srcId="0" destId="4" srcOrd="3" destOrd="0"/>
-        <dgm:cxn modelId="13" srcId="1" destId="11" srcOrd="0" destOrd="0"/>
-        <dgm:cxn modelId="23" srcId="2" destId="21" srcOrd="0" destOrd="0"/>
-        <dgm:cxn modelId="33" srcId="3" destId="31" srcOrd="0" destOrd="0"/>
-        <dgm:cxn modelId="43" srcId="4" destId="41" srcOrd="0" destOrd="0"/>
-      </dgm:cxnLst>
-      <dgm:bg/>
-      <dgm:whole/>
-    </dgm:dataModel>
-  </dgm:clrData>
-  <dgm:layoutNode name="Name0">
-    <dgm:varLst>
-      <dgm:dir/>
-      <dgm:animLvl val="lvl"/>
-      <dgm:resizeHandles val="exact"/>
-    </dgm:varLst>
-    <dgm:choose name="Name1">
-      <dgm:if name="Name2" func="var" arg="dir" op="equ" val="norm">
-        <dgm:alg type="lin">
-          <dgm:param type="linDir" val="fromT"/>
-          <dgm:param type="nodeHorzAlign" val="l"/>
-        </dgm:alg>
-      </dgm:if>
-      <dgm:else name="Name3">
-        <dgm:alg type="lin">
-          <dgm:param type="linDir" val="fromT"/>
-          <dgm:param type="nodeHorzAlign" val="r"/>
-        </dgm:alg>
-      </dgm:else>
-    </dgm:choose>
-    <dgm:shape xmlns:r="http://schemas.openxmlformats.org/officeDocument/2006/relationships" r:blip="">
-      <dgm:adjLst/>
-    </dgm:shape>
-    <dgm:presOf/>
-    <dgm:constrLst>
-      <dgm:constr type="h" for="ch" forName="linNode" refType="h"/>
-      <dgm:constr type="w" for="ch" forName="linNode" refType="w"/>
-      <dgm:constr type="h" for="ch" forName="sp" refType="h" fact="0.05"/>
-      <dgm:constr type="primFontSz" for="des" forName="parentText" op="equ" val="65"/>
-      <dgm:constr type="secFontSz" for="des" forName="descendantText" op="equ"/>
-    </dgm:constrLst>
-    <dgm:ruleLst/>
-    <dgm:forEach name="Name4" axis="ch" ptType="node">
-      <dgm:layoutNode name="linNode">
-        <dgm:choose name="Name5">
-          <dgm:if name="Name6" func="var" arg="dir" op="equ" val="norm">
-            <dgm:alg type="lin">
-              <dgm:param type="linDir" val="fromL"/>
-            </dgm:alg>
-          </dgm:if>
-          <dgm:else name="Name7">
-            <dgm:alg type="lin">
-              <dgm:param type="linDir" val="fromR"/>
-            </dgm:alg>
-          </dgm:else>
-        </dgm:choose>
-        <dgm:shape xmlns:r="http://schemas.openxmlformats.org/officeDocument/2006/relationships" r:blip="">
-          <dgm:adjLst/>
-        </dgm:shape>
-        <dgm:presOf/>
-        <dgm:constrLst>
-          <dgm:constr type="w" for="ch" forName="parentText" refType="w" fact="0.36"/>
-          <dgm:constr type="w" for="ch" forName="descendantText" refType="w" fact="0.64"/>
-          <dgm:constr type="h" for="ch" forName="parentText" refType="h"/>
-          <dgm:constr type="h" for="ch" forName="descendantText" refType="h" refFor="ch" refForName="parentText" fact="0.8"/>
-        </dgm:constrLst>
-        <dgm:ruleLst/>
-        <dgm:layoutNode name="parentText">
-          <dgm:varLst>
-            <dgm:chMax val="1"/>
-            <dgm:bulletEnabled val="1"/>
-          </dgm:varLst>
-          <dgm:alg type="tx"/>
-          <dgm:shape xmlns:r="http://schemas.openxmlformats.org/officeDocument/2006/relationships" type="roundRect" r:blip="" zOrderOff="3">
-            <dgm:adjLst/>
-          </dgm:shape>
-          <dgm:presOf axis="self" ptType="node"/>
-          <dgm:constrLst>
-            <dgm:constr type="tMarg" refType="primFontSz" fact="0.15"/>
-            <dgm:constr type="bMarg" refType="primFontSz" fact="0.15"/>
-            <dgm:constr type="lMarg" refType="primFontSz" fact="0.3"/>
-            <dgm:constr type="rMarg" refType="primFontSz" fact="0.3"/>
-          </dgm:constrLst>
-          <dgm:ruleLst>
-            <dgm:rule type="primFontSz" val="5" fact="NaN" max="NaN"/>
-          </dgm:ruleLst>
-        </dgm:layoutNode>
-        <dgm:choose name="Name8">
-          <dgm:if name="Name9" axis="ch" ptType="node" func="cnt" op="gte" val="1">
-            <dgm:layoutNode name="descendantText" styleLbl="alignAccFollowNode1">
-              <dgm:varLst>
-                <dgm:bulletEnabled val="1"/>
-              </dgm:varLst>
-              <dgm:alg type="tx">
-                <dgm:param type="stBulletLvl" val="1"/>
-                <dgm:param type="txAnchorVertCh" val="mid"/>
-              </dgm:alg>
-              <dgm:choose name="Name10">
-                <dgm:if name="Name11" func="var" arg="dir" op="equ" val="norm">
-                  <dgm:shape xmlns:r="http://schemas.openxmlformats.org/officeDocument/2006/relationships" rot="90" type="round2SameRect" r:blip="">
-                    <dgm:adjLst/>
-                  </dgm:shape>
-                </dgm:if>
-                <dgm:else name="Name12">
-                  <dgm:shape xmlns:r="http://schemas.openxmlformats.org/officeDocument/2006/relationships" rot="-90" type="round2SameRect" r:blip="">
-                    <dgm:adjLst/>
-                  </dgm:shape>
-                </dgm:else>
-              </dgm:choose>
-              <dgm:presOf axis="des" ptType="node"/>
-              <dgm:constrLst>
-                <dgm:constr type="secFontSz" val="65"/>
-                <dgm:constr type="primFontSz" refType="secFontSz"/>
-                <dgm:constr type="lMarg" refType="secFontSz" fact="0.3"/>
-                <dgm:constr type="rMarg" refType="secFontSz" fact="0.3"/>
-                <dgm:constr type="tMarg" refType="secFontSz" fact="0.15"/>
-                <dgm:constr type="bMarg" refType="secFontSz" fact="0.15"/>
-              </dgm:constrLst>
-              <dgm:ruleLst>
-                <dgm:rule type="secFontSz" val="5" fact="NaN" max="NaN"/>
-              </dgm:ruleLst>
-            </dgm:layoutNode>
-          </dgm:if>
-          <dgm:else name="Name13"/>
-        </dgm:choose>
-      </dgm:layoutNode>
-      <dgm:forEach name="Name14" axis="followSib" ptType="sibTrans" cnt="1">
-        <dgm:layoutNode name="sp">
-          <dgm:alg type="sp"/>
-          <dgm:shape xmlns:r="http://schemas.openxmlformats.org/officeDocument/2006/relationships" r:blip="">
-            <dgm:adjLst/>
-          </dgm:shape>
-          <dgm:presOf/>
-          <dgm:constrLst/>
-          <dgm:ruleLst/>
-        </dgm:layoutNode>
-      </dgm:forEach>
-    </dgm:forEach>
-  </dgm:layoutNode>
-</dgm:layoutDef>
-</file>
-
 <file path=ppt/diagrams/quickStyle1.xml><?xml version="1.0" encoding="utf-8"?>
-<dgm:styleDef xmlns:dgm="http://schemas.openxmlformats.org/drawingml/2006/diagram" xmlns:a="http://schemas.openxmlformats.org/drawingml/2006/main" uniqueId="urn:microsoft.com/office/officeart/2005/8/quickstyle/simple1">
-  <dgm:title val=""/>
-  <dgm:desc val=""/>
-  <dgm:catLst>
-    <dgm:cat type="simple" pri="10100"/>
-  </dgm:catLst>
-  <dgm:scene3d>
-    <a:camera prst="orthographicFront"/>
-    <a:lightRig rig="threePt" dir="t"/>
-  </dgm:scene3d>
-  <dgm:styleLbl name="node0">
-    <dgm:scene3d>
-      <a:camera prst="orthographicFront"/>
-      <a:lightRig rig="threePt" dir="t"/>
-    </dgm:scene3d>
-    <dgm:sp3d/>
-    <dgm:txPr/>
-    <dgm:style>
-      <a:lnRef idx="2">
-        <a:scrgbClr r="0" g="0" b="0"/>
-      </a:lnRef>
-      <a:fillRef idx="1">
-        <a:scrgbClr r="0" g="0" b="0"/>
-      </a:fillRef>
-      <a:effectRef idx="0">
-        <a:scrgbClr r="0" g="0" b="0"/>
-      </a:effectRef>
-      <a:fontRef idx="minor">
-        <a:schemeClr val="lt1"/>
-      </a:fontRef>
-    </dgm:style>
-  </dgm:styleLbl>
-  <dgm:styleLbl name="lnNode1">
-    <dgm:scene3d>
-      <a:camera prst="orthographicFront"/>
-      <a:lightRig rig="threePt" dir="t"/>
-    </dgm:scene3d>
-    <dgm:sp3d/>
-    <dgm:txPr/>
-    <dgm:style>
-      <a:lnRef idx="2">
-        <a:scrgbClr r="0" g="0" b="0"/>
-      </a:lnRef>
-      <a:fillRef idx="1">
-        <a:scrgbClr r="0" g="0" b="0"/>
-      </a:fillRef>
-      <a:effectRef idx="0">
-        <a:scrgbClr r="0" g="0" b="0"/>
-      </a:effectRef>
-      <a:fontRef idx="minor">
-        <a:schemeClr val="lt1"/>
-      </a:fontRef>
-    </dgm:style>
-  </dgm:styleLbl>
-  <dgm:styleLbl name="vennNode1">
-    <dgm:scene3d>
-      <a:camera prst="orthographicFront"/>
-      <a:lightRig rig="threePt" dir="t"/>
-    </dgm:scene3d>
-    <dgm:sp3d/>
-    <dgm:txPr/>
-    <dgm:style>
-      <a:lnRef idx="2">
-        <a:scrgbClr r="0" g="0" b="0"/>
-      </a:lnRef>
-      <a:fillRef idx="1">
-        <a:scrgbClr r="0" g="0" b="0"/>
-      </a:fillRef>
-      <a:effectRef idx="0">
-        <a:scrgbClr r="0" g="0" b="0"/>
-      </a:effectRef>
-      <a:fontRef idx="minor">
-        <a:schemeClr val="tx1"/>
-      </a:fontRef>
-    </dgm:style>
-  </dgm:styleLbl>
-  <dgm:styleLbl name="alignNode1">
-    <dgm:scene3d>
-      <a:camera prst="orthographicFront"/>
-      <a:lightRig rig="threePt" dir="t"/>
-    </dgm:scene3d>
-    <dgm:sp3d/>
-    <dgm:txPr/>
-    <dgm:style>
-      <a:lnRef idx="2">
-        <a:scrgbClr r="0" g="0" b="0"/>
-      </a:lnRef>
-      <a:fillRef idx="1">
-        <a:scrgbClr r="0" g="0" b="0"/>
-      </a:fillRef>
-      <a:effectRef idx="0">
-        <a:scrgbClr r="0" g="0" b="0"/>
-      </a:effectRef>
-      <a:fontRef idx="minor">
-        <a:schemeClr val="lt1"/>
-      </a:fontRef>
-    </dgm:style>
-  </dgm:styleLbl>
-  <dgm:styleLbl name="node1">
-    <dgm:scene3d>
-      <a:camera prst="orthographicFront"/>
-      <a:lightRig rig="threePt" dir="t"/>
-    </dgm:scene3d>
-    <dgm:sp3d/>
-    <dgm:txPr/>
-    <dgm:style>
-      <a:lnRef idx="2">
-        <a:scrgbClr r="0" g="0" b="0"/>
-      </a:lnRef>
-      <a:fillRef idx="1">
-        <a:scrgbClr r="0" g="0" b="0"/>
-      </a:fillRef>
-      <a:effectRef idx="0">
-        <a:scrgbClr r="0" g="0" b="0"/>
-      </a:effectRef>
-      <a:fontRef idx="minor">
-        <a:schemeClr val="lt1"/>
-      </a:fontRef>
-    </dgm:style>
-  </dgm:styleLbl>
-  <dgm:styleLbl name="node2">
-    <dgm:scene3d>
-      <a:camera prst="orthographicFront"/>
-      <a:lightRig rig="threePt" dir="t"/>
-    </dgm:scene3d>
-    <dgm:sp3d/>
-    <dgm:txPr/>
-    <dgm:style>
-      <a:lnRef idx="2">
-        <a:scrgbClr r="0" g="0" b="0"/>
-      </a:lnRef>
-      <a:fillRef idx="1">
-        <a:scrgbClr r="0" g="0" b="0"/>
-      </a:fillRef>
-      <a:effectRef idx="0">
-        <a:scrgbClr r="0" g="0" b="0"/>
-      </a:effectRef>
-      <a:fontRef idx="minor">
-        <a:schemeClr val="lt1"/>
-      </a:fontRef>
-    </dgm:style>
-  </dgm:styleLbl>
-  <dgm:styleLbl name="node3">
-    <dgm:scene3d>
-      <a:camera prst="orthographicFront"/>
-      <a:lightRig rig="threePt" dir="t"/>
-    </dgm:scene3d>
-    <dgm:sp3d/>
-    <dgm:txPr/>
-    <dgm:style>
-      <a:lnRef idx="2">
-        <a:scrgbClr r="0" g="0" b="0"/>
-      </a:lnRef>
-      <a:fillRef idx="1">
-        <a:scrgbClr r="0" g="0" b="0"/>
-      </a:fillRef>
-      <a:effectRef idx="0">
-        <a:scrgbClr r="0" g="0" b="0"/>
-      </a:effectRef>
-      <a:fontRef idx="minor">
-        <a:schemeClr val="lt1"/>
-      </a:fontRef>
-    </dgm:style>
-  </dgm:styleLbl>
-  <dgm:styleLbl name="node4">
-    <dgm:scene3d>
-      <a:camera prst="orthographicFront"/>
-      <a:lightRig rig="threePt" dir="t"/>
-    </dgm:scene3d>
-    <dgm:sp3d/>
-    <dgm:txPr/>
-    <dgm:style>
-      <a:lnRef idx="2">
-        <a:scrgbClr r="0" g="0" b="0"/>
-      </a:lnRef>
-      <a:fillRef idx="1">
-        <a:scrgbClr r="0" g="0" b="0"/>
-      </a:fillRef>
-      <a:effectRef idx="0">
-        <a:scrgbClr r="0" g="0" b="0"/>
-      </a:effectRef>
-      <a:fontRef idx="minor">
-        <a:schemeClr val="lt1"/>
-      </a:fontRef>
-    </dgm:style>
-  </dgm:styleLbl>
-  <dgm:styleLbl name="fgImgPlace1">
-    <dgm:scene3d>
-      <a:camera prst="orthographicFront"/>
-      <a:lightRig rig="threePt" dir="t"/>
-    </dgm:scene3d>
-    <dgm:sp3d/>
-    <dgm:txPr/>
-    <dgm:style>
-      <a:lnRef idx="2">
-        <a:scrgbClr r="0" g="0" b="0"/>
-      </a:lnRef>
-      <a:fillRef idx="1">
-        <a:scrgbClr r="0" g="0" b="0"/>
-      </a:fillRef>
-      <a:effectRef idx="0">
-        <a:scrgbClr r="0" g="0" b="0"/>
-      </a:effectRef>
-      <a:fontRef idx="minor"/>
-    </dgm:style>
-  </dgm:styleLbl>
-  <dgm:styleLbl name="alignImgPlace1">
-    <dgm:scene3d>
-      <a:camera prst="orthographicFront"/>
-      <a:lightRig rig="threePt" dir="t"/>
-    </dgm:scene3d>
-    <dgm:sp3d/>
-    <dgm:txPr/>
-    <dgm:style>
-      <a:lnRef idx="2">
-        <a:scrgbClr r="0" g="0" b="0"/>
-      </a:lnRef>
-      <a:fillRef idx="1">
-        <a:scrgbClr r="0" g="0" b="0"/>
-      </a:fillRef>
-      <a:effectRef idx="0">
-        <a:scrgbClr r="0" g="0" b="0"/>
-      </a:effectRef>
-      <a:fontRef idx="minor"/>
-    </dgm:style>
-  </dgm:styleLbl>
-  <dgm:styleLbl name="bgImgPlace1">
-    <dgm:scene3d>
-      <a:camera prst="orthographicFront"/>
-      <a:lightRig rig="threePt" dir="t"/>
-    </dgm:scene3d>
-    <dgm:sp3d/>
-    <dgm:txPr/>
-    <dgm:style>
-      <a:lnRef idx="2">
-        <a:scrgbClr r="0" g="0" b="0"/>
-      </a:lnRef>
-      <a:fillRef idx="1">
-        <a:scrgbClr r="0" g="0" b="0"/>
-      </a:fillRef>
-      <a:effectRef idx="0">
-        <a:scrgbClr r="0" g="0" b="0"/>
-      </a:effectRef>
-      <a:fontRef idx="minor"/>
-    </dgm:style>
-  </dgm:styleLbl>
-  <dgm:styleLbl name="sibTrans2D1">
-    <dgm:scene3d>
-      <a:camera prst="orthographicFront"/>
-      <a:lightRig rig="threePt" dir="t"/>
-    </dgm:scene3d>
-    <dgm:sp3d/>
-    <dgm:txPr/>
-    <dgm:style>
-      <a:lnRef idx="0">
-        <a:scrgbClr r="0" g="0" b="0"/>
-      </a:lnRef>
-      <a:fillRef idx="1">
-        <a:scrgbClr r="0" g="0" b="0"/>
-      </a:fillRef>
-      <a:effectRef idx="0">
-        <a:scrgbClr r="0" g="0" b="0"/>
-      </a:effectRef>
-      <a:fontRef idx="minor">
-        <a:schemeClr val="lt1"/>
-      </a:fontRef>
-    </dgm:style>
-  </dgm:styleLbl>
-  <dgm:styleLbl name="fgSibTrans2D1">
-    <dgm:scene3d>
-      <a:camera prst="orthographicFront"/>
-      <a:lightRig rig="threePt" dir="t"/>
-    </dgm:scene3d>
-    <dgm:sp3d/>
-    <dgm:txPr/>
-    <dgm:style>
-      <a:lnRef idx="0">
-        <a:scrgbClr r="0" g="0" b="0"/>
-      </a:lnRef>
-      <a:fillRef idx="1">
-        <a:scrgbClr r="0" g="0" b="0"/>
-      </a:fillRef>
-      <a:effectRef idx="0">
-        <a:scrgbClr r="0" g="0" b="0"/>
-      </a:effectRef>
-      <a:fontRef idx="minor">
-        <a:schemeClr val="lt1"/>
-      </a:fontRef>
-    </dgm:style>
-  </dgm:styleLbl>
-  <dgm:styleLbl name="bgSibTrans2D1">
-    <dgm:scene3d>
-      <a:camera prst="orthographicFront"/>
-      <a:lightRig rig="threePt" dir="t"/>
-    </dgm:scene3d>
-    <dgm:sp3d/>
-    <dgm:txPr/>
-    <dgm:style>
-      <a:lnRef idx="0">
-        <a:scrgbClr r="0" g="0" b="0"/>
-      </a:lnRef>
-      <a:fillRef idx="1">
-        <a:scrgbClr r="0" g="0" b="0"/>
-      </a:fillRef>
-      <a:effectRef idx="0">
-        <a:scrgbClr r="0" g="0" b="0"/>
-      </a:effectRef>
-      <a:fontRef idx="minor">
-        <a:schemeClr val="lt1"/>
-      </a:fontRef>
-    </dgm:style>
-  </dgm:styleLbl>
-  <dgm:styleLbl name="sibTrans1D1">
-    <dgm:scene3d>
-      <a:camera prst="orthographicFront"/>
-      <a:lightRig rig="threePt" dir="t"/>
-    </dgm:scene3d>
-    <dgm:sp3d/>
-    <dgm:txPr/>
-    <dgm:style>
-      <a:lnRef idx="1">
-        <a:scrgbClr r="0" g="0" b="0"/>
-      </a:lnRef>
-      <a:fillRef idx="0">
-        <a:scrgbClr r="0" g="0" b="0"/>
-      </a:fillRef>
-      <a:effectRef idx="0">
-        <a:scrgbClr r="0" g="0" b="0"/>
-      </a:effectRef>
-      <a:fontRef idx="minor"/>
-    </dgm:style>
-  </dgm:styleLbl>
-  <dgm:styleLbl name="callout">
-    <dgm:scene3d>
-      <a:camera prst="orthographicFront"/>
-      <a:lightRig rig="threePt" dir="t"/>
-    </dgm:scene3d>
-    <dgm:sp3d/>
-    <dgm:txPr/>
-    <dgm:style>
-      <a:lnRef idx="2">
-        <a:scrgbClr r="0" g="0" b="0"/>
-      </a:lnRef>
-      <a:fillRef idx="1">
-        <a:scrgbClr r="0" g="0" b="0"/>
-      </a:fillRef>
-      <a:effectRef idx="0">
-        <a:scrgbClr r="0" g="0" b="0"/>
-      </a:effectRef>
-      <a:fontRef idx="minor"/>
-    </dgm:style>
-  </dgm:styleLbl>
-  <dgm:styleLbl name="asst0">
-    <dgm:scene3d>
-      <a:camera prst="orthographicFront"/>
-      <a:lightRig rig="threePt" dir="t"/>
-    </dgm:scene3d>
-    <dgm:sp3d/>
-    <dgm:txPr/>
-    <dgm:style>
-      <a:lnRef idx="2">
-        <a:scrgbClr r="0" g="0" b="0"/>
-      </a:lnRef>
-      <a:fillRef idx="1">
-        <a:scrgbClr r="0" g="0" b="0"/>
-      </a:fillRef>
-      <a:effectRef idx="0">
-        <a:scrgbClr r="0" g="0" b="0"/>
-      </a:effectRef>
-      <a:fontRef idx="minor">
-        <a:schemeClr val="lt1"/>
-      </a:fontRef>
-    </dgm:style>
-  </dgm:styleLbl>
-  <dgm:styleLbl name="asst1">
-    <dgm:scene3d>
-      <a:camera prst="orthographicFront"/>
-      <a:lightRig rig="threePt" dir="t"/>
-    </dgm:scene3d>
-    <dgm:sp3d/>
-    <dgm:txPr/>
-    <dgm:style>
-      <a:lnRef idx="2">
-        <a:scrgbClr r="0" g="0" b="0"/>
-      </a:lnRef>
-      <a:fillRef idx="1">
-        <a:scrgbClr r="0" g="0" b="0"/>
-      </a:fillRef>
-      <a:effectRef idx="0">
-        <a:scrgbClr r="0" g="0" b="0"/>
-      </a:effectRef>
-      <a:fontRef idx="minor">
-        <a:schemeClr val="lt1"/>
-      </a:fontRef>
-    </dgm:style>
-  </dgm:styleLbl>
-  <dgm:styleLbl name="asst2">
-    <dgm:scene3d>
-      <a:camera prst="orthographicFront"/>
-      <a:lightRig rig="threePt" dir="t"/>
-    </dgm:scene3d>
-    <dgm:sp3d/>
-    <dgm:txPr/>
-    <dgm:style>
-      <a:lnRef idx="2">
-        <a:scrgbClr r="0" g="0" b="0"/>
-      </a:lnRef>
-      <a:fillRef idx="1">
-        <a:scrgbClr r="0" g="0" b="0"/>
-      </a:fillRef>
-      <a:effectRef idx="0">
-        <a:scrgbClr r="0" g="0" b="0"/>
-      </a:effectRef>
-      <a:fontRef idx="minor">
-        <a:schemeClr val="lt1"/>
-      </a:fontRef>
-    </dgm:style>
-  </dgm:styleLbl>
-  <dgm:styleLbl name="asst3">
-    <dgm:scene3d>
-      <a:camera prst="orthographicFront"/>
-      <a:lightRig rig="threePt" dir="t"/>
-    </dgm:scene3d>
-    <dgm:sp3d/>
-    <dgm:txPr/>
-    <dgm:style>
-      <a:lnRef idx="2">
-        <a:scrgbClr r="0" g="0" b="0"/>
-      </a:lnRef>
-      <a:fillRef idx="1">
-        <a:scrgbClr r="0" g="0" b="0"/>
-      </a:fillRef>
-      <a:effectRef idx="0">
-        <a:scrgbClr r="0" g="0" b="0"/>
-      </a:effectRef>
-      <a:fontRef idx="minor">
-        <a:schemeClr val="lt1"/>
-      </a:fontRef>
-    </dgm:style>
-  </dgm:styleLbl>
-  <dgm:styleLbl name="asst4">
-    <dgm:scene3d>
-      <a:camera prst="orthographicFront"/>
-      <a:lightRig rig="threePt" dir="t"/>
-    </dgm:scene3d>
-    <dgm:sp3d/>
-    <dgm:txPr/>
-    <dgm:style>
-      <a:lnRef idx="2">
-        <a:scrgbClr r="0" g="0" b="0"/>
-      </a:lnRef>
-      <a:fillRef idx="1">
-        <a:scrgbClr r="0" g="0" b="0"/>
-      </a:fillRef>
-      <a:effectRef idx="0">
-        <a:scrgbClr r="0" g="0" b="0"/>
-      </a:effectRef>
-      <a:fontRef idx="minor">
-        <a:schemeClr val="lt1"/>
-      </a:fontRef>
-    </dgm:style>
-  </dgm:styleLbl>
-  <dgm:styleLbl name="parChTrans2D1">
-    <dgm:scene3d>
-      <a:camera prst="orthographicFront"/>
-      <a:lightRig rig="threePt" dir="t"/>
-    </dgm:scene3d>
-    <dgm:sp3d/>
-    <dgm:txPr/>
-    <dgm:style>
-      <a:lnRef idx="2">
-        <a:scrgbClr r="0" g="0" b="0"/>
-      </a:lnRef>
-      <a:fillRef idx="1">
-        <a:scrgbClr r="0" g="0" b="0"/>
-      </a:fillRef>
-      <a:effectRef idx="0">
-        <a:scrgbClr r="0" g="0" b="0"/>
-      </a:effectRef>
-      <a:fontRef idx="minor">
-        <a:schemeClr val="lt1"/>
-      </a:fontRef>
-    </dgm:style>
-  </dgm:styleLbl>
-  <dgm:styleLbl name="parChTrans2D2">
-    <dgm:scene3d>
-      <a:camera prst="orthographicFront"/>
-      <a:lightRig rig="threePt" dir="t"/>
-    </dgm:scene3d>
-    <dgm:sp3d/>
-    <dgm:txPr/>
-    <dgm:style>
-      <a:lnRef idx="2">
-        <a:scrgbClr r="0" g="0" b="0"/>
-      </a:lnRef>
-      <a:fillRef idx="1">
-        <a:scrgbClr r="0" g="0" b="0"/>
-      </a:fillRef>
-      <a:effectRef idx="0">
-        <a:scrgbClr r="0" g="0" b="0"/>
-      </a:effectRef>
-      <a:fontRef idx="minor">
-        <a:schemeClr val="lt1"/>
-      </a:fontRef>
-    </dgm:style>
-  </dgm:styleLbl>
-  <dgm:styleLbl name="parChTrans2D3">
-    <dgm:scene3d>
-      <a:camera prst="orthographicFront"/>
-      <a:lightRig rig="threePt" dir="t"/>
-    </dgm:scene3d>
-    <dgm:sp3d/>
-    <dgm:txPr/>
-    <dgm:style>
-      <a:lnRef idx="2">
-        <a:scrgbClr r="0" g="0" b="0"/>
-      </a:lnRef>
-      <a:fillRef idx="1">
-        <a:scrgbClr r="0" g="0" b="0"/>
-      </a:fillRef>
-      <a:effectRef idx="0">
-        <a:scrgbClr r="0" g="0" b="0"/>
-      </a:effectRef>
-      <a:fontRef idx="minor">
-        <a:schemeClr val="lt1"/>
-      </a:fontRef>
-    </dgm:style>
-  </dgm:styleLbl>
-  <dgm:styleLbl name="parChTrans2D4">
-    <dgm:scene3d>
-      <a:camera prst="orthographicFront"/>
-      <a:lightRig rig="threePt" dir="t"/>
-    </dgm:scene3d>
-    <dgm:sp3d/>
-    <dgm:txPr/>
-    <dgm:style>
-      <a:lnRef idx="2">
-        <a:scrgbClr r="0" g="0" b="0"/>
-      </a:lnRef>
-      <a:fillRef idx="1">
-        <a:scrgbClr r="0" g="0" b="0"/>
-      </a:fillRef>
-      <a:effectRef idx="0">
-        <a:scrgbClr r="0" g="0" b="0"/>
-      </a:effectRef>
-      <a:fontRef idx="minor">
-        <a:schemeClr val="lt1"/>
-      </a:fontRef>
-    </dgm:style>
-  </dgm:styleLbl>
-  <dgm:styleLbl name="parChTrans1D1">
-    <dgm:scene3d>
-      <a:camera prst="orthographicFront"/>
-      <a:lightRig rig="threePt" dir="t"/>
-    </dgm:scene3d>
-    <dgm:sp3d/>
-    <dgm:txPr/>
-    <dgm:style>
-      <a:lnRef idx="2">
-        <a:scrgbClr r="0" g="0" b="0"/>
-      </a:lnRef>
-      <a:fillRef idx="0">
-        <a:scrgbClr r="0" g="0" b="0"/>
-      </a:fillRef>
-      <a:effectRef idx="0">
-        <a:scrgbClr r="0" g="0" b="0"/>
-      </a:effectRef>
-      <a:fontRef idx="minor"/>
-    </dgm:style>
-  </dgm:styleLbl>
-  <dgm:styleLbl name="parChTrans1D2">
-    <dgm:scene3d>
-      <a:camera prst="orthographicFront"/>
-      <a:lightRig rig="threePt" dir="t"/>
-    </dgm:scene3d>
-    <dgm:sp3d/>
-    <dgm:txPr/>
-    <dgm:style>
-      <a:lnRef idx="2">
-        <a:scrgbClr r="0" g="0" b="0"/>
-      </a:lnRef>
-      <a:fillRef idx="0">
-        <a:scrgbClr r="0" g="0" b="0"/>
-      </a:fillRef>
-      <a:effectRef idx="0">
-        <a:scrgbClr r="0" g="0" b="0"/>
-      </a:effectRef>
-      <a:fontRef idx="minor"/>
-    </dgm:style>
-  </dgm:styleLbl>
-  <dgm:styleLbl name="parChTrans1D3">
-    <dgm:scene3d>
-      <a:camera prst="orthographicFront"/>
-      <a:lightRig rig="threePt" dir="t"/>
-    </dgm:scene3d>
-    <dgm:sp3d/>
-    <dgm:txPr/>
-    <dgm:style>
-      <a:lnRef idx="2">
-        <a:scrgbClr r="0" g="0" b="0"/>
-      </a:lnRef>
-      <a:fillRef idx="0">
-        <a:scrgbClr r="0" g="0" b="0"/>
-      </a:fillRef>
-      <a:effectRef idx="0">
-        <a:scrgbClr r="0" g="0" b="0"/>
-      </a:effectRef>
-      <a:fontRef idx="minor"/>
-    </dgm:style>
-  </dgm:styleLbl>
-  <dgm:styleLbl name="parChTrans1D4">
-    <dgm:scene3d>
-      <a:camera prst="orthographicFront"/>
-      <a:lightRig rig="threePt" dir="t"/>
-    </dgm:scene3d>
-    <dgm:sp3d/>
-    <dgm:txPr/>
-    <dgm:style>
-      <a:lnRef idx="2">
-        <a:scrgbClr r="0" g="0" b="0"/>
-      </a:lnRef>
-      <a:fillRef idx="0">
-        <a:scrgbClr r="0" g="0" b="0"/>
-      </a:fillRef>
-      <a:effectRef idx="0">
-        <a:scrgbClr r="0" g="0" b="0"/>
-      </a:effectRef>
-      <a:fontRef idx="minor"/>
-    </dgm:style>
-  </dgm:styleLbl>
-  <dgm:styleLbl name="fgAcc1">
-    <dgm:scene3d>
-      <a:camera prst="orthographicFront"/>
-      <a:lightRig rig="threePt" dir="t"/>
-    </dgm:scene3d>
-    <dgm:sp3d/>
-    <dgm:txPr/>
-    <dgm:style>
-      <a:lnRef idx="2">
-        <a:scrgbClr r="0" g="0" b="0"/>
-      </a:lnRef>
-      <a:fillRef idx="1">
-        <a:scrgbClr r="0" g="0" b="0"/>
-      </a:fillRef>
-      <a:effectRef idx="0">
-        <a:scrgbClr r="0" g="0" b="0"/>
-      </a:effectRef>
-      <a:fontRef idx="minor"/>
-    </dgm:style>
-  </dgm:styleLbl>
-  <dgm:styleLbl name="conFgAcc1">
-    <dgm:scene3d>
-      <a:camera prst="orthographicFront"/>
-      <a:lightRig rig="threePt" dir="t"/>
-    </dgm:scene3d>
-    <dgm:sp3d/>
-    <dgm:txPr/>
-    <dgm:style>
-      <a:lnRef idx="2">
-        <a:scrgbClr r="0" g="0" b="0"/>
-      </a:lnRef>
-      <a:fillRef idx="1">
-        <a:scrgbClr r="0" g="0" b="0"/>
-      </a:fillRef>
-      <a:effectRef idx="0">
-        <a:scrgbClr r="0" g="0" b="0"/>
-      </a:effectRef>
-      <a:fontRef idx="minor"/>
-    </dgm:style>
-  </dgm:styleLbl>
-  <dgm:styleLbl name="alignAcc1">
-    <dgm:scene3d>
-      <a:camera prst="orthographicFront"/>
-      <a:lightRig rig="threePt" dir="t"/>
-    </dgm:scene3d>
-    <dgm:sp3d/>
-    <dgm:txPr/>
-    <dgm:style>
-      <a:lnRef idx="2">
-        <a:scrgbClr r="0" g="0" b="0"/>
-      </a:lnRef>
-      <a:fillRef idx="1">
-        <a:scrgbClr r="0" g="0" b="0"/>
-      </a:fillRef>
-      <a:effectRef idx="0">
-        <a:scrgbClr r="0" g="0" b="0"/>
-      </a:effectRef>
-      <a:fontRef idx="minor"/>
-    </dgm:style>
-  </dgm:styleLbl>
-  <dgm:styleLbl name="trAlignAcc1">
-    <dgm:scene3d>
-      <a:camera prst="orthographicFront"/>
-      <a:lightRig rig="threePt" dir="t"/>
-    </dgm:scene3d>
-    <dgm:sp3d/>
-    <dgm:txPr/>
-    <dgm:style>
-      <a:lnRef idx="1">
-        <a:scrgbClr r="0" g="0" b="0"/>
-      </a:lnRef>
-      <a:fillRef idx="1">
-        <a:scrgbClr r="0" g="0" b="0"/>
-      </a:fillRef>
-      <a:effectRef idx="0">
-        <a:scrgbClr r="0" g="0" b="0"/>
-      </a:effectRef>
-      <a:fontRef idx="minor"/>
-    </dgm:style>
-  </dgm:styleLbl>
-  <dgm:styleLbl name="bgAcc1">
-    <dgm:scene3d>
-      <a:camera prst="orthographicFront"/>
-      <a:lightRig rig="threePt" dir="t"/>
-    </dgm:scene3d>
-    <dgm:sp3d/>
-    <dgm:txPr/>
-    <dgm:style>
-      <a:lnRef idx="2">
-        <a:scrgbClr r="0" g="0" b="0"/>
-      </a:lnRef>
-      <a:fillRef idx="1">
-        <a:scrgbClr r="0" g="0" b="0"/>
-      </a:fillRef>
-      <a:effectRef idx="0">
-        <a:scrgbClr r="0" g="0" b="0"/>
-      </a:effectRef>
-      <a:fontRef idx="minor"/>
-    </dgm:style>
-  </dgm:styleLbl>
-  <dgm:styleLbl name="solidFgAcc1">
-    <dgm:scene3d>
-      <a:camera prst="orthographicFront"/>
-      <a:lightRig rig="threePt" dir="t"/>
-    </dgm:scene3d>
-    <dgm:sp3d/>
-    <dgm:txPr/>
-    <dgm:style>
-      <a:lnRef idx="2">
-        <a:scrgbClr r="0" g="0" b="0"/>
-      </a:lnRef>
-      <a:fillRef idx="1">
-        <a:scrgbClr r="0" g="0" b="0"/>
-      </a:fillRef>
-      <a:effectRef idx="0">
-        <a:scrgbClr r="0" g="0" b="0"/>
-      </a:effectRef>
-      <a:fontRef idx="minor"/>
-    </dgm:style>
-  </dgm:styleLbl>
-  <dgm:styleLbl name="solidAlignAcc1">
-    <dgm:scene3d>
-      <a:camera prst="orthographicFront"/>
-      <a:lightRig rig="threePt" dir="t"/>
-    </dgm:scene3d>
-    <dgm:sp3d/>
-    <dgm:txPr/>
-    <dgm:style>
-      <a:lnRef idx="2">
-        <a:scrgbClr r="0" g="0" b="0"/>
-      </a:lnRef>
-      <a:fillRef idx="1">
-        <a:scrgbClr r="0" g="0" b="0"/>
-      </a:fillRef>
-      <a:effectRef idx="0">
-        <a:scrgbClr r="0" g="0" b="0"/>
-      </a:effectRef>
-      <a:fontRef idx="minor"/>
-    </dgm:style>
-  </dgm:styleLbl>
-  <dgm:styleLbl name="solidBgAcc1">
-    <dgm:scene3d>
-      <a:camera prst="orthographicFront"/>
-      <a:lightRig rig="threePt" dir="t"/>
-    </dgm:scene3d>
-    <dgm:sp3d/>
-    <dgm:txPr/>
-    <dgm:style>
-      <a:lnRef idx="2">
-        <a:scrgbClr r="0" g="0" b="0"/>
-      </a:lnRef>
-      <a:fillRef idx="1">
-        <a:scrgbClr r="0" g="0" b="0"/>
-      </a:fillRef>
-      <a:effectRef idx="0">
-        <a:scrgbClr r="0" g="0" b="0"/>
-      </a:effectRef>
-      <a:fontRef idx="minor"/>
-    </dgm:style>
-  </dgm:styleLbl>
-  <dgm:styleLbl name="fgAccFollowNode1">
-    <dgm:scene3d>
-      <a:camera prst="orthographicFront"/>
-      <a:lightRig rig="threePt" dir="t"/>
-    </dgm:scene3d>
-    <dgm:sp3d/>
-    <dgm:txPr/>
-    <dgm:style>
-      <a:lnRef idx="2">
-        <a:scrgbClr r="0" g="0" b="0"/>
-      </a:lnRef>
-      <a:fillRef idx="1">
-        <a:scrgbClr r="0" g="0" b="0"/>
-      </a:fillRef>
-      <a:effectRef idx="0">
-        <a:scrgbClr r="0" g="0" b="0"/>
-      </a:effectRef>
-      <a:fontRef idx="minor"/>
-    </dgm:style>
-  </dgm:styleLbl>
-  <dgm:styleLbl name="alignAccFollowNode1">
-    <dgm:scene3d>
-      <a:camera prst="orthographicFront"/>
-      <a:lightRig rig="threePt" dir="t"/>
-    </dgm:scene3d>
-    <dgm:sp3d/>
-    <dgm:txPr/>
-    <dgm:style>
-      <a:lnRef idx="2">
-        <a:scrgbClr r="0" g="0" b="0"/>
-      </a:lnRef>
-      <a:fillRef idx="1">
-        <a:scrgbClr r="0" g="0" b="0"/>
-      </a:fillRef>
-      <a:effectRef idx="0">
-        <a:scrgbClr r="0" g="0" b="0"/>
-      </a:effectRef>
-      <a:fontRef idx="minor"/>
-    </dgm:style>
-  </dgm:styleLbl>
-  <dgm:styleLbl name="bgAccFollowNode1">
-    <dgm:scene3d>
-      <a:camera prst="orthographicFront"/>
-      <a:lightRig rig="threePt" dir="t"/>
-    </dgm:scene3d>
-    <dgm:sp3d/>
-    <dgm:txPr/>
-    <dgm:style>
-      <a:lnRef idx="2">
-        <a:scrgbClr r="0" g="0" b="0"/>
-      </a:lnRef>
-      <a:fillRef idx="1">
-        <a:scrgbClr r="0" g="0" b="0"/>
-      </a:fillRef>
-      <a:effectRef idx="0">
-        <a:scrgbClr r="0" g="0" b="0"/>
-      </a:effectRef>
-      <a:fontRef idx="minor"/>
-    </dgm:style>
-  </dgm:styleLbl>
-  <dgm:styleLbl name="fgAcc0">
-    <dgm:scene3d>
-      <a:camera prst="orthographicFront"/>
-      <a:lightRig rig="threePt" dir="t"/>
-    </dgm:scene3d>
-    <dgm:sp3d/>
-    <dgm:txPr/>
-    <dgm:style>
-      <a:lnRef idx="2">
-        <a:scrgbClr r="0" g="0" b="0"/>
-      </a:lnRef>
-      <a:fillRef idx="1">
-        <a:scrgbClr r="0" g="0" b="0"/>
-      </a:fillRef>
-      <a:effectRef idx="0">
-        <a:scrgbClr r="0" g="0" b="0"/>
-      </a:effectRef>
-      <a:fontRef idx="minor"/>
-    </dgm:style>
-  </dgm:styleLbl>
-  <dgm:styleLbl name="fgAcc2">
-    <dgm:scene3d>
-      <a:camera prst="orthographicFront"/>
-      <a:lightRig rig="threePt" dir="t"/>
-    </dgm:scene3d>
-    <dgm:sp3d/>
-    <dgm:txPr/>
-    <dgm:style>
-      <a:lnRef idx="2">
-        <a:scrgbClr r="0" g="0" b="0"/>
-      </a:lnRef>
-      <a:fillRef idx="1">
-        <a:scrgbClr r="0" g="0" b="0"/>
-      </a:fillRef>
-      <a:effectRef idx="0">
-        <a:scrgbClr r="0" g="0" b="0"/>
-      </a:effectRef>
-      <a:fontRef idx="minor"/>
-    </dgm:style>
-  </dgm:styleLbl>
-  <dgm:styleLbl name="fgAcc3">
-    <dgm:scene3d>
-      <a:camera prst="orthographicFront"/>
-      <a:lightRig rig="threePt" dir="t"/>
-    </dgm:scene3d>
-    <dgm:sp3d/>
-    <dgm:txPr/>
-    <dgm:style>
-      <a:lnRef idx="2">
-        <a:scrgbClr r="0" g="0" b="0"/>
-      </a:lnRef>
-      <a:fillRef idx="1">
-        <a:scrgbClr r="0" g="0" b="0"/>
-      </a:fillRef>
-      <a:effectRef idx="0">
-        <a:scrgbClr r="0" g="0" b="0"/>
-      </a:effectRef>
-      <a:fontRef idx="minor"/>
-    </dgm:style>
-  </dgm:styleLbl>
-  <dgm:styleLbl name="fgAcc4">
-    <dgm:scene3d>
-      <a:camera prst="orthographicFront"/>
-      <a:lightRig rig="threePt" dir="t"/>
-    </dgm:scene3d>
-    <dgm:sp3d/>
-    <dgm:txPr/>
-    <dgm:style>
-      <a:lnRef idx="2">
-        <a:scrgbClr r="0" g="0" b="0"/>
-      </a:lnRef>
-      <a:fillRef idx="1">
-        <a:scrgbClr r="0" g="0" b="0"/>
-      </a:fillRef>
-      <a:effectRef idx="0">
-        <a:scrgbClr r="0" g="0" b="0"/>
-      </a:effectRef>
-      <a:fontRef idx="minor"/>
-    </dgm:style>
-  </dgm:styleLbl>
-  <dgm:styleLbl name="bgShp">
-    <dgm:scene3d>
-      <a:camera prst="orthographicFront"/>
-      <a:lightRig rig="threePt" dir="t"/>
-    </dgm:scene3d>
-    <dgm:sp3d/>
-    <dgm:txPr/>
-    <dgm:style>
-      <a:lnRef idx="0">
-        <a:scrgbClr r="0" g="0" b="0"/>
-      </a:lnRef>
-      <a:fillRef idx="1">
-        <a:scrgbClr r="0" g="0" b="0"/>
-      </a:fillRef>
-      <a:effectRef idx="0">
-        <a:scrgbClr r="0" g="0" b="0"/>
-      </a:effectRef>
-      <a:fontRef idx="minor"/>
-    </dgm:style>
-  </dgm:styleLbl>
-  <dgm:styleLbl name="dkBgShp">
-    <dgm:scene3d>
-      <a:camera prst="orthographicFront"/>
-      <a:lightRig rig="threePt" dir="t"/>
-    </dgm:scene3d>
-    <dgm:sp3d/>
-    <dgm:txPr/>
-    <dgm:style>
-      <a:lnRef idx="0">
-        <a:scrgbClr r="0" g="0" b="0"/>
-      </a:lnRef>
-      <a:fillRef idx="1">
-        <a:scrgbClr r="0" g="0" b="0"/>
-      </a:fillRef>
-      <a:effectRef idx="0">
-        <a:scrgbClr r="0" g="0" b="0"/>
-      </a:effectRef>
-      <a:fontRef idx="minor"/>
-    </dgm:style>
-  </dgm:styleLbl>
-  <dgm:styleLbl name="trBgShp">
-    <dgm:scene3d>
-      <a:camera prst="orthographicFront"/>
-      <a:lightRig rig="threePt" dir="t"/>
-    </dgm:scene3d>
-    <dgm:sp3d/>
-    <dgm:txPr/>
-    <dgm:style>
-      <a:lnRef idx="0">
-        <a:scrgbClr r="0" g="0" b="0"/>
-      </a:lnRef>
-      <a:fillRef idx="1">
-        <a:scrgbClr r="0" g="0" b="0"/>
-      </a:fillRef>
-      <a:effectRef idx="0">
-        <a:scrgbClr r="0" g="0" b="0"/>
-      </a:effectRef>
-      <a:fontRef idx="minor"/>
-    </dgm:style>
-  </dgm:styleLbl>
-  <dgm:styleLbl name="fgShp">
-    <dgm:scene3d>
-      <a:camera prst="orthographicFront"/>
-      <a:lightRig rig="threePt" dir="t"/>
-    </dgm:scene3d>
-    <dgm:sp3d/>
-    <dgm:txPr/>
-    <dgm:style>
-      <a:lnRef idx="2">
-        <a:scrgbClr r="0" g="0" b="0"/>
-      </a:lnRef>
-      <a:fillRef idx="1">
-        <a:scrgbClr r="0" g="0" b="0"/>
-      </a:fillRef>
-      <a:effectRef idx="0">
-        <a:scrgbClr r="0" g="0" b="0"/>
-      </a:effectRef>
-      <a:fontRef idx="minor"/>
-    </dgm:style>
-  </dgm:styleLbl>
-  <dgm:styleLbl name="revTx">
-    <dgm:scene3d>
-      <a:camera prst="orthographicFront"/>
-      <a:lightRig rig="threePt" dir="t"/>
-    </dgm:scene3d>
-    <dgm:sp3d/>
-    <dgm:txPr/>
-    <dgm:style>
-      <a:lnRef idx="0">
-        <a:scrgbClr r="0" g="0" b="0"/>
-      </a:lnRef>
-      <a:fillRef idx="0">
-        <a:scrgbClr r="0" g="0" b="0"/>
-      </a:fillRef>
-      <a:effectRef idx="0">
-        <a:scrgbClr r="0" g="0" b="0"/>
-      </a:effectRef>
-      <a:fontRef idx="minor"/>
-    </dgm:style>
-  </dgm:styleLbl>
-</dgm:styleDef>
-</file>
-
-<file path=ppt/diagrams/quickStyle2.xml><?xml version="1.0" encoding="utf-8"?>
 <dgm:styleDef xmlns:dgm="http://schemas.openxmlformats.org/drawingml/2006/diagram" xmlns:a="http://schemas.openxmlformats.org/drawingml/2006/main" uniqueId="urn:microsoft.com/office/officeart/2005/8/quickstyle/simple1">
   <dgm:title val=""/>
   <dgm:desc val=""/>
@@ -13916,201 +9454,6 @@
           <p:cNvPr id="2" name="標題 1">
             <a:extLst>
               <a:ext uri="{FF2B5EF4-FFF2-40B4-BE49-F238E27FC236}">
-                <a16:creationId xmlns:a16="http://schemas.microsoft.com/office/drawing/2014/main" id="{A6737E51-FAC5-440C-B3CC-885914A0308C}"/>
-              </a:ext>
-            </a:extLst>
-          </p:cNvPr>
-          <p:cNvSpPr>
-            <a:spLocks noGrp="1"/>
-          </p:cNvSpPr>
-          <p:nvPr>
-            <p:ph type="title"/>
-          </p:nvPr>
-        </p:nvSpPr>
-        <p:spPr/>
-        <p:txBody>
-          <a:bodyPr/>
-          <a:lstStyle/>
-          <a:p>
-            <a:r>
-              <a:rPr lang="en-US" altLang="zh-TW" b="1" dirty="0"/>
-              <a:t>Client Extensions</a:t>
-            </a:r>
-            <a:endParaRPr lang="zh-TW" altLang="en-US" b="1" dirty="0"/>
-          </a:p>
-        </p:txBody>
-      </p:sp>
-      <p:sp>
-        <p:nvSpPr>
-          <p:cNvPr id="3" name="內容版面配置區 2">
-            <a:extLst>
-              <a:ext uri="{FF2B5EF4-FFF2-40B4-BE49-F238E27FC236}">
-                <a16:creationId xmlns:a16="http://schemas.microsoft.com/office/drawing/2014/main" id="{412C96E3-DDA8-473C-8BE7-B317805C4AFD}"/>
-              </a:ext>
-            </a:extLst>
-          </p:cNvPr>
-          <p:cNvSpPr>
-            <a:spLocks noGrp="1"/>
-          </p:cNvSpPr>
-          <p:nvPr>
-            <p:ph idx="1"/>
-          </p:nvPr>
-        </p:nvSpPr>
-        <p:spPr>
-          <a:xfrm>
-            <a:off x="329023" y="1620549"/>
-            <a:ext cx="11691257" cy="5100668"/>
-          </a:xfrm>
-        </p:spPr>
-        <p:txBody>
-          <a:bodyPr numCol="3">
-            <a:normAutofit fontScale="92500" lnSpcReduction="10000"/>
-          </a:bodyPr>
-          <a:lstStyle/>
-          <a:p>
-            <a:r>
-              <a:rPr lang="en-US" altLang="zh-TW" sz="4000" dirty="0"/>
-              <a:t>create-react-app</a:t>
-            </a:r>
-          </a:p>
-          <a:p>
-            <a:r>
-              <a:rPr lang="en-US" altLang="zh-TW" sz="4000" dirty="0"/>
-              <a:t>react</a:t>
-            </a:r>
-          </a:p>
-          <a:p>
-            <a:r>
-              <a:rPr lang="en-US" altLang="zh-TW" sz="4000" dirty="0"/>
-              <a:t>react-</a:t>
-            </a:r>
-            <a:r>
-              <a:rPr lang="en-US" altLang="zh-TW" sz="4000" dirty="0" err="1"/>
-              <a:t>dom</a:t>
-            </a:r>
-            <a:endParaRPr lang="en-US" altLang="zh-TW" sz="4000" dirty="0"/>
-          </a:p>
-          <a:p>
-            <a:r>
-              <a:rPr lang="en-US" altLang="zh-TW" sz="4000" dirty="0"/>
-              <a:t>react-router-</a:t>
-            </a:r>
-            <a:r>
-              <a:rPr lang="en-US" altLang="zh-TW" sz="4000" dirty="0" err="1"/>
-              <a:t>dom</a:t>
-            </a:r>
-            <a:endParaRPr lang="en-US" altLang="zh-TW" sz="4000" dirty="0"/>
-          </a:p>
-          <a:p>
-            <a:r>
-              <a:rPr lang="en-US" altLang="zh-TW" sz="4000" dirty="0"/>
-              <a:t>react-bootstrap-table-next</a:t>
-            </a:r>
-          </a:p>
-          <a:p>
-            <a:r>
-              <a:rPr lang="en-US" altLang="zh-TW" sz="4000" dirty="0"/>
-              <a:t>react-bootstrap-table2-filter</a:t>
-            </a:r>
-          </a:p>
-          <a:p>
-            <a:r>
-              <a:rPr lang="en-US" altLang="zh-TW" sz="4000" dirty="0"/>
-              <a:t>react-bootstrap-table2-paginator</a:t>
-            </a:r>
-          </a:p>
-          <a:p>
-            <a:r>
-              <a:rPr lang="en-US" altLang="zh-TW" sz="4000" dirty="0"/>
-              <a:t>react-bootstrap-table2-toolkit</a:t>
-            </a:r>
-          </a:p>
-          <a:p>
-            <a:r>
-              <a:rPr lang="en-US" altLang="zh-TW" sz="4000" dirty="0"/>
-              <a:t>react-bootstrap-table2-editor</a:t>
-            </a:r>
-          </a:p>
-          <a:p>
-            <a:r>
-              <a:rPr lang="en-US" altLang="zh-TW" sz="4000" dirty="0"/>
-              <a:t>react-chartjs-2</a:t>
-            </a:r>
-          </a:p>
-          <a:p>
-            <a:r>
-              <a:rPr lang="en-US" altLang="zh-TW" sz="4000" dirty="0"/>
-              <a:t>react-iframe</a:t>
-            </a:r>
-          </a:p>
-          <a:p>
-            <a:r>
-              <a:rPr lang="en-US" altLang="zh-TW" sz="4000" dirty="0"/>
-              <a:t>bootstrap @4.0.0</a:t>
-            </a:r>
-          </a:p>
-          <a:p>
-            <a:r>
-              <a:rPr lang="en-US" altLang="zh-TW" sz="4000" dirty="0" err="1"/>
-              <a:t>axios</a:t>
-            </a:r>
-            <a:endParaRPr lang="en-US" altLang="zh-TW" sz="4000" dirty="0"/>
-          </a:p>
-          <a:p>
-            <a:r>
-              <a:rPr lang="en-US" altLang="zh-TW" sz="4000" dirty="0"/>
-              <a:t>json-server</a:t>
-            </a:r>
-          </a:p>
-          <a:p>
-            <a:r>
-              <a:rPr lang="en-US" altLang="zh-TW" sz="4000" dirty="0"/>
-              <a:t>crypto</a:t>
-            </a:r>
-          </a:p>
-          <a:p>
-            <a:endParaRPr lang="en-US" altLang="zh-TW" sz="4000" dirty="0"/>
-          </a:p>
-          <a:p>
-            <a:endParaRPr lang="zh-TW" altLang="en-US" sz="4000" dirty="0"/>
-          </a:p>
-        </p:txBody>
-      </p:sp>
-    </p:spTree>
-    <p:extLst>
-      <p:ext uri="{BB962C8B-B14F-4D97-AF65-F5344CB8AC3E}">
-        <p14:creationId xmlns:p14="http://schemas.microsoft.com/office/powerpoint/2010/main" val="3778013646"/>
-      </p:ext>
-    </p:extLst>
-  </p:cSld>
-  <p:clrMapOvr>
-    <a:masterClrMapping/>
-  </p:clrMapOvr>
-</p:sld>
-</file>
-
-<file path=ppt/slides/slide11.xml><?xml version="1.0" encoding="utf-8"?>
-<p:sld xmlns:a="http://schemas.openxmlformats.org/drawingml/2006/main" xmlns:r="http://schemas.openxmlformats.org/officeDocument/2006/relationships" xmlns:p="http://schemas.openxmlformats.org/presentationml/2006/main">
-  <p:cSld>
-    <p:spTree>
-      <p:nvGrpSpPr>
-        <p:cNvPr id="1" name=""/>
-        <p:cNvGrpSpPr/>
-        <p:nvPr/>
-      </p:nvGrpSpPr>
-      <p:grpSpPr>
-        <a:xfrm>
-          <a:off x="0" y="0"/>
-          <a:ext cx="0" cy="0"/>
-          <a:chOff x="0" y="0"/>
-          <a:chExt cx="0" cy="0"/>
-        </a:xfrm>
-      </p:grpSpPr>
-      <p:sp>
-        <p:nvSpPr>
-          <p:cNvPr id="2" name="標題 1">
-            <a:extLst>
-              <a:ext uri="{FF2B5EF4-FFF2-40B4-BE49-F238E27FC236}">
                 <a16:creationId xmlns:a16="http://schemas.microsoft.com/office/drawing/2014/main" id="{1F3E320E-F690-45A8-ACA9-656A17AEBEEC}"/>
               </a:ext>
             </a:extLst>
@@ -14235,7 +9578,7 @@
 </p:sld>
 </file>
 
-<file path=ppt/slides/slide12.xml><?xml version="1.0" encoding="utf-8"?>
+<file path=ppt/slides/slide11.xml><?xml version="1.0" encoding="utf-8"?>
 <p:sld xmlns:a="http://schemas.openxmlformats.org/drawingml/2006/main" xmlns:r="http://schemas.openxmlformats.org/officeDocument/2006/relationships" xmlns:p="http://schemas.openxmlformats.org/presentationml/2006/main">
   <p:cSld>
     <p:spTree>
@@ -14305,7 +9648,7 @@
         </p:blipFill>
         <p:spPr>
           <a:xfrm>
-            <a:off x="333531" y="2546463"/>
+            <a:off x="333531" y="2807720"/>
             <a:ext cx="11514290" cy="3897880"/>
           </a:xfrm>
           <a:prstGeom prst="rect">
@@ -14327,8 +9670,8 @@
         </p:nvSpPr>
         <p:spPr>
           <a:xfrm>
-            <a:off x="2062064" y="1483768"/>
-            <a:ext cx="8369559" cy="830997"/>
+            <a:off x="333531" y="1483768"/>
+            <a:ext cx="11514289" cy="1077218"/>
           </a:xfrm>
           <a:prstGeom prst="rect">
             <a:avLst/>
@@ -14341,22 +9684,22 @@
           <a:lstStyle/>
           <a:p>
             <a:r>
-              <a:rPr lang="zh-TW" altLang="en-US" sz="2400" dirty="0"/>
+              <a:rPr lang="zh-TW" altLang="en-US" sz="3200" dirty="0"/>
               <a:t>充分地使用了</a:t>
             </a:r>
             <a:r>
-              <a:rPr lang="en-US" altLang="zh-TW" sz="2400" dirty="0"/>
+              <a:rPr lang="en-US" altLang="zh-TW" sz="3200" dirty="0"/>
               <a:t>HTTP protocol (GET/POST/PUT/DELETE)</a:t>
             </a:r>
             <a:r>
-              <a:rPr lang="zh-TW" altLang="en-US" sz="2400" dirty="0"/>
+              <a:rPr lang="zh-TW" altLang="en-US" sz="3200" dirty="0"/>
               <a:t>，達到直觀簡潔的資源</a:t>
             </a:r>
             <a:r>
-              <a:rPr lang="en-US" altLang="zh-TW" sz="2400" dirty="0"/>
+              <a:rPr lang="en-US" altLang="zh-TW" sz="3200" dirty="0"/>
               <a:t>URI</a:t>
             </a:r>
-            <a:endParaRPr lang="zh-TW" altLang="en-US" sz="2400" dirty="0"/>
+            <a:endParaRPr lang="zh-TW" altLang="en-US" sz="3200" dirty="0"/>
           </a:p>
         </p:txBody>
       </p:sp>
@@ -14373,7 +9716,7 @@
 </p:sld>
 </file>
 
-<file path=ppt/slides/slide13.xml><?xml version="1.0" encoding="utf-8"?>
+<file path=ppt/slides/slide12.xml><?xml version="1.0" encoding="utf-8"?>
 <p:sld xmlns:a="http://schemas.openxmlformats.org/drawingml/2006/main" xmlns:r="http://schemas.openxmlformats.org/officeDocument/2006/relationships" xmlns:p="http://schemas.openxmlformats.org/presentationml/2006/main">
   <p:cSld>
     <p:spTree>
@@ -14867,7 +10210,7 @@
 </p:sld>
 </file>
 
-<file path=ppt/slides/slide14.xml><?xml version="1.0" encoding="utf-8"?>
+<file path=ppt/slides/slide13.xml><?xml version="1.0" encoding="utf-8"?>
 <p:sld xmlns:a="http://schemas.openxmlformats.org/drawingml/2006/main" xmlns:r="http://schemas.openxmlformats.org/officeDocument/2006/relationships" xmlns:p="http://schemas.openxmlformats.org/presentationml/2006/main">
   <p:cSld>
     <p:spTree>
@@ -14900,16 +10243,21 @@
             <p:ph type="title"/>
           </p:nvPr>
         </p:nvSpPr>
-        <p:spPr/>
+        <p:spPr>
+          <a:xfrm>
+            <a:off x="919118" y="522514"/>
+            <a:ext cx="10353762" cy="970450"/>
+          </a:xfrm>
+        </p:spPr>
         <p:txBody>
           <a:bodyPr/>
           <a:lstStyle/>
           <a:p>
             <a:r>
-              <a:rPr lang="en-US" altLang="zh-TW" dirty="0"/>
+              <a:rPr lang="en-US" altLang="zh-TW" b="1" dirty="0"/>
               <a:t>JSON Web Token (JWT)</a:t>
             </a:r>
-            <a:endParaRPr lang="zh-TW" altLang="en-US" dirty="0"/>
+            <a:endParaRPr lang="zh-TW" altLang="en-US" b="1" dirty="0"/>
           </a:p>
         </p:txBody>
       </p:sp>
@@ -14961,7 +10309,7 @@
 </p:sld>
 </file>
 
-<file path=ppt/slides/slide15.xml><?xml version="1.0" encoding="utf-8"?>
+<file path=ppt/slides/slide14.xml><?xml version="1.0" encoding="utf-8"?>
 <p:sld xmlns:a="http://schemas.openxmlformats.org/drawingml/2006/main" xmlns:r="http://schemas.openxmlformats.org/officeDocument/2006/relationships" xmlns:p="http://schemas.openxmlformats.org/presentationml/2006/main">
   <p:cSld>
     <p:bg>
@@ -15095,29 +10443,29 @@
         </p:nvSpPr>
         <p:spPr>
           <a:xfrm>
-            <a:off x="6900493" y="609600"/>
+            <a:off x="6900493" y="1023257"/>
             <a:ext cx="4940054" cy="970450"/>
           </a:xfrm>
         </p:spPr>
         <p:txBody>
           <a:bodyPr anchor="b">
-            <a:normAutofit/>
+            <a:noAutofit/>
           </a:bodyPr>
           <a:lstStyle/>
           <a:p>
             <a:r>
-              <a:rPr lang="en-US" altLang="zh-TW" sz="3200" b="1" dirty="0"/>
+              <a:rPr lang="en-US" altLang="zh-TW" b="1" dirty="0"/>
               <a:t>Access Control List</a:t>
             </a:r>
             <a:r>
-              <a:rPr lang="zh-TW" altLang="en-US" sz="3200" b="1" dirty="0"/>
+              <a:rPr lang="zh-TW" altLang="en-US" b="1" dirty="0"/>
               <a:t> </a:t>
             </a:r>
             <a:r>
-              <a:rPr lang="en-US" altLang="zh-TW" sz="3200" b="1" dirty="0"/>
+              <a:rPr lang="en-US" altLang="zh-TW" b="1" dirty="0"/>
               <a:t>(ACL)</a:t>
             </a:r>
-            <a:endParaRPr lang="zh-TW" altLang="en-US" sz="3200" b="1" dirty="0"/>
+            <a:endParaRPr lang="zh-TW" altLang="en-US" b="1" dirty="0"/>
           </a:p>
         </p:txBody>
       </p:sp>
@@ -15139,7 +10487,7 @@
         </p:nvSpPr>
         <p:spPr>
           <a:xfrm>
-            <a:off x="6900492" y="1732449"/>
+            <a:off x="6900493" y="2603306"/>
             <a:ext cx="5080014" cy="4058751"/>
           </a:xfrm>
         </p:spPr>
@@ -15169,6 +10517,215 @@
     <p:extLst>
       <p:ext uri="{BB962C8B-B14F-4D97-AF65-F5344CB8AC3E}">
         <p14:creationId xmlns:p14="http://schemas.microsoft.com/office/powerpoint/2010/main" val="3761388586"/>
+      </p:ext>
+    </p:extLst>
+  </p:cSld>
+  <p:clrMapOvr>
+    <a:masterClrMapping/>
+  </p:clrMapOvr>
+</p:sld>
+</file>
+
+<file path=ppt/slides/slide15.xml><?xml version="1.0" encoding="utf-8"?>
+<p:sld xmlns:a="http://schemas.openxmlformats.org/drawingml/2006/main" xmlns:r="http://schemas.openxmlformats.org/officeDocument/2006/relationships" xmlns:p="http://schemas.openxmlformats.org/presentationml/2006/main">
+  <p:cSld>
+    <p:bg>
+      <p:bgPr>
+        <a:blipFill rotWithShape="1">
+          <a:blip r:embed="rId2">
+            <a:duotone>
+              <a:schemeClr val="bg2">
+                <a:shade val="80000"/>
+                <a:lumMod val="80000"/>
+              </a:schemeClr>
+              <a:schemeClr val="bg2">
+                <a:tint val="98000"/>
+              </a:schemeClr>
+            </a:duotone>
+            <a:extLst/>
+          </a:blip>
+          <a:stretch/>
+        </a:blipFill>
+        <a:effectLst/>
+      </p:bgPr>
+    </p:bg>
+    <p:spTree>
+      <p:nvGrpSpPr>
+        <p:cNvPr id="1" name=""/>
+        <p:cNvGrpSpPr/>
+        <p:nvPr/>
+      </p:nvGrpSpPr>
+      <p:grpSpPr>
+        <a:xfrm>
+          <a:off x="0" y="0"/>
+          <a:ext cx="0" cy="0"/>
+          <a:chOff x="0" y="0"/>
+          <a:chExt cx="0" cy="0"/>
+        </a:xfrm>
+      </p:grpSpPr>
+      <p:sp>
+        <p:nvSpPr>
+          <p:cNvPr id="2" name="標題 1">
+            <a:extLst>
+              <a:ext uri="{FF2B5EF4-FFF2-40B4-BE49-F238E27FC236}">
+                <a16:creationId xmlns:a16="http://schemas.microsoft.com/office/drawing/2014/main" id="{3C83FBF2-CDD7-45AC-A233-8B20442A8510}"/>
+              </a:ext>
+            </a:extLst>
+          </p:cNvPr>
+          <p:cNvSpPr>
+            <a:spLocks noGrp="1"/>
+          </p:cNvSpPr>
+          <p:nvPr>
+            <p:ph type="title"/>
+          </p:nvPr>
+        </p:nvSpPr>
+        <p:spPr>
+          <a:xfrm>
+            <a:off x="806600" y="609600"/>
+            <a:ext cx="3078749" cy="970450"/>
+          </a:xfrm>
+        </p:spPr>
+        <p:txBody>
+          <a:bodyPr anchor="b">
+            <a:normAutofit/>
+          </a:bodyPr>
+          <a:lstStyle/>
+          <a:p>
+            <a:pPr algn="l"/>
+            <a:r>
+              <a:rPr lang="en-US" altLang="zh-TW" b="1" dirty="0"/>
+              <a:t>JSON Server</a:t>
+            </a:r>
+            <a:endParaRPr lang="zh-TW" altLang="en-US" b="1" dirty="0"/>
+          </a:p>
+        </p:txBody>
+      </p:sp>
+      <p:sp>
+        <p:nvSpPr>
+          <p:cNvPr id="3" name="內容版面配置區 2">
+            <a:extLst>
+              <a:ext uri="{FF2B5EF4-FFF2-40B4-BE49-F238E27FC236}">
+                <a16:creationId xmlns:a16="http://schemas.microsoft.com/office/drawing/2014/main" id="{1643A87E-F7F6-4A77-9D9A-718B5DCFFED9}"/>
+              </a:ext>
+            </a:extLst>
+          </p:cNvPr>
+          <p:cNvSpPr>
+            <a:spLocks noGrp="1"/>
+          </p:cNvSpPr>
+          <p:nvPr>
+            <p:ph idx="1"/>
+          </p:nvPr>
+        </p:nvSpPr>
+        <p:spPr>
+          <a:xfrm>
+            <a:off x="419204" y="2048135"/>
+            <a:ext cx="3853543" cy="4058751"/>
+          </a:xfrm>
+        </p:spPr>
+        <p:txBody>
+          <a:bodyPr anchor="t">
+            <a:normAutofit/>
+          </a:bodyPr>
+          <a:lstStyle/>
+          <a:p>
+            <a:r>
+              <a:rPr lang="zh-TW" altLang="en-US" sz="3200" b="1" dirty="0"/>
+              <a:t>不用安裝後端環境，也不用安裝資料庫，就可以快速建立前端開發測試用的 </a:t>
+            </a:r>
+            <a:r>
+              <a:rPr lang="en-US" altLang="zh-TW" sz="3200" b="1" dirty="0"/>
+              <a:t>API</a:t>
+            </a:r>
+            <a:r>
+              <a:rPr lang="zh-TW" altLang="en-US" sz="3200" b="1" dirty="0"/>
+              <a:t>。</a:t>
+            </a:r>
+          </a:p>
+        </p:txBody>
+      </p:sp>
+      <p:pic>
+        <p:nvPicPr>
+          <p:cNvPr id="10" name="Picture 9">
+            <a:extLst>
+              <a:ext uri="{FF2B5EF4-FFF2-40B4-BE49-F238E27FC236}">
+                <a16:creationId xmlns:a16="http://schemas.microsoft.com/office/drawing/2014/main" id="{B536FA4E-0152-4E27-91DA-0FC22D1846BB}"/>
+              </a:ext>
+              <a:ext uri="{C183D7F6-B498-43B3-948B-1728B52AA6E4}">
+                <adec:decorative xmlns:adec="http://schemas.microsoft.com/office/drawing/2017/decorative" val="1"/>
+              </a:ext>
+            </a:extLst>
+          </p:cNvPr>
+          <p:cNvPicPr>
+            <a:picLocks noGrp="1" noRot="1" noChangeAspect="1" noMove="1" noResize="1" noEditPoints="1" noAdjustHandles="1" noChangeArrowheads="1" noChangeShapeType="1" noCrop="1"/>
+          </p:cNvPicPr>
+          <p:nvPr>
+            <p:extLst>
+              <p:ext uri="{386F3935-93C4-4BCD-93E2-E3B085C9AB24}">
+                <p16:designElem xmlns:p16="http://schemas.microsoft.com/office/powerpoint/2015/main" val="1"/>
+              </p:ext>
+            </p:extLst>
+          </p:nvPr>
+        </p:nvPicPr>
+        <p:blipFill rotWithShape="1">
+          <a:blip r:embed="rId3">
+            <a:extLst>
+              <a:ext uri="{28A0092B-C50C-407E-A947-70E740481C1C}">
+                <a14:useLocalDpi xmlns:a14="http://schemas.microsoft.com/office/drawing/2010/main" val="0"/>
+              </a:ext>
+            </a:extLst>
+          </a:blip>
+          <a:srcRect t="964" r="2807" b="1446"/>
+          <a:stretch/>
+        </p:blipFill>
+        <p:spPr>
+          <a:xfrm>
+            <a:off x="4552950" y="1"/>
+            <a:ext cx="7639050" cy="6858000"/>
+          </a:xfrm>
+          <a:prstGeom prst="rect">
+            <a:avLst/>
+          </a:prstGeom>
+        </p:spPr>
+      </p:pic>
+      <p:pic>
+        <p:nvPicPr>
+          <p:cNvPr id="5" name="圖片 4" descr="一張含有 螢幕擷取畫面 的圖片&#10;&#10;自動產生的描述">
+            <a:extLst>
+              <a:ext uri="{FF2B5EF4-FFF2-40B4-BE49-F238E27FC236}">
+                <a16:creationId xmlns:a16="http://schemas.microsoft.com/office/drawing/2014/main" id="{F0FB2BB5-377E-4458-9790-0E05AB6B4A64}"/>
+              </a:ext>
+            </a:extLst>
+          </p:cNvPr>
+          <p:cNvPicPr>
+            <a:picLocks noChangeAspect="1"/>
+          </p:cNvPicPr>
+          <p:nvPr/>
+        </p:nvPicPr>
+        <p:blipFill rotWithShape="1">
+          <a:blip r:embed="rId4">
+            <a:extLst>
+              <a:ext uri="{28A0092B-C50C-407E-A947-70E740481C1C}">
+                <a14:useLocalDpi xmlns:a14="http://schemas.microsoft.com/office/drawing/2010/main" val="0"/>
+              </a:ext>
+            </a:extLst>
+          </a:blip>
+          <a:srcRect r="31306"/>
+          <a:stretch/>
+        </p:blipFill>
+        <p:spPr>
+          <a:xfrm>
+            <a:off x="4654295" y="10"/>
+            <a:ext cx="7537705" cy="6857990"/>
+          </a:xfrm>
+          <a:prstGeom prst="rect">
+            <a:avLst/>
+          </a:prstGeom>
+        </p:spPr>
+      </p:pic>
+    </p:spTree>
+    <p:extLst>
+      <p:ext uri="{BB962C8B-B14F-4D97-AF65-F5344CB8AC3E}">
+        <p14:creationId xmlns:p14="http://schemas.microsoft.com/office/powerpoint/2010/main" val="2046815859"/>
       </p:ext>
     </p:extLst>
   </p:cSld>
@@ -15200,6 +10757,615 @@
           <p:cNvPr id="2" name="標題 1">
             <a:extLst>
               <a:ext uri="{FF2B5EF4-FFF2-40B4-BE49-F238E27FC236}">
+                <a16:creationId xmlns:a16="http://schemas.microsoft.com/office/drawing/2014/main" id="{287EBFB1-9CEA-4A10-9498-D6EE2F9FE60C}"/>
+              </a:ext>
+            </a:extLst>
+          </p:cNvPr>
+          <p:cNvSpPr>
+            <a:spLocks noGrp="1"/>
+          </p:cNvSpPr>
+          <p:nvPr>
+            <p:ph type="title"/>
+          </p:nvPr>
+        </p:nvSpPr>
+        <p:spPr/>
+        <p:txBody>
+          <a:bodyPr/>
+          <a:lstStyle/>
+          <a:p>
+            <a:r>
+              <a:rPr lang="en-US" altLang="zh-TW" b="1" dirty="0" err="1"/>
+              <a:t>Axios</a:t>
+            </a:r>
+            <a:endParaRPr lang="zh-TW" altLang="en-US" b="1" dirty="0"/>
+          </a:p>
+        </p:txBody>
+      </p:sp>
+      <p:sp>
+        <p:nvSpPr>
+          <p:cNvPr id="3" name="內容版面配置區 2">
+            <a:extLst>
+              <a:ext uri="{FF2B5EF4-FFF2-40B4-BE49-F238E27FC236}">
+                <a16:creationId xmlns:a16="http://schemas.microsoft.com/office/drawing/2014/main" id="{4E727162-A84E-4631-9A3F-1D9280344BBD}"/>
+              </a:ext>
+            </a:extLst>
+          </p:cNvPr>
+          <p:cNvSpPr>
+            <a:spLocks noGrp="1"/>
+          </p:cNvSpPr>
+          <p:nvPr>
+            <p:ph idx="1"/>
+          </p:nvPr>
+        </p:nvSpPr>
+        <p:spPr>
+          <a:xfrm>
+            <a:off x="475557" y="1732449"/>
+            <a:ext cx="10422899" cy="1477282"/>
+          </a:xfrm>
+        </p:spPr>
+        <p:txBody>
+          <a:bodyPr>
+            <a:normAutofit/>
+          </a:bodyPr>
+          <a:lstStyle/>
+          <a:p>
+            <a:r>
+              <a:rPr lang="zh-TW" altLang="en-US" sz="3600" b="1" dirty="0"/>
+              <a:t>基於 </a:t>
+            </a:r>
+            <a:r>
+              <a:rPr lang="en-US" altLang="zh-TW" sz="3600" b="1" dirty="0"/>
+              <a:t>Promise </a:t>
+            </a:r>
+            <a:r>
+              <a:rPr lang="zh-TW" altLang="en-US" sz="3600" b="1" dirty="0"/>
+              <a:t>的 </a:t>
+            </a:r>
+            <a:r>
+              <a:rPr lang="en-US" altLang="zh-TW" sz="3600" b="1" dirty="0"/>
+              <a:t>HTTP </a:t>
+            </a:r>
+            <a:r>
+              <a:rPr lang="zh-TW" altLang="en-US" sz="3600" b="1" dirty="0"/>
+              <a:t>客戶端</a:t>
+            </a:r>
+            <a:endParaRPr lang="en-US" altLang="zh-TW" sz="3600" b="1" dirty="0"/>
+          </a:p>
+          <a:p>
+            <a:r>
+              <a:rPr lang="zh-TW" altLang="en-US" sz="3600" b="1" dirty="0"/>
+              <a:t>專門為瀏覽器和 </a:t>
+            </a:r>
+            <a:r>
+              <a:rPr lang="en-US" altLang="zh-TW" sz="3600" b="1" dirty="0"/>
+              <a:t>node.js </a:t>
+            </a:r>
+            <a:r>
+              <a:rPr lang="zh-TW" altLang="en-US" sz="3600" b="1" dirty="0"/>
+              <a:t>服務</a:t>
+            </a:r>
+            <a:endParaRPr lang="en-US" altLang="zh-TW" sz="3600" b="1" dirty="0"/>
+          </a:p>
+          <a:p>
+            <a:pPr algn="ctr"/>
+            <a:endParaRPr lang="zh-TW" altLang="en-US" sz="3600" dirty="0"/>
+          </a:p>
+        </p:txBody>
+      </p:sp>
+      <p:sp>
+        <p:nvSpPr>
+          <p:cNvPr id="4" name="內容版面配置區 2">
+            <a:extLst>
+              <a:ext uri="{FF2B5EF4-FFF2-40B4-BE49-F238E27FC236}">
+                <a16:creationId xmlns:a16="http://schemas.microsoft.com/office/drawing/2014/main" id="{C8B7C2D5-E462-46BC-84D9-C8F947B138F4}"/>
+              </a:ext>
+            </a:extLst>
+          </p:cNvPr>
+          <p:cNvSpPr txBox="1">
+            <a:spLocks/>
+          </p:cNvSpPr>
+          <p:nvPr/>
+        </p:nvSpPr>
+        <p:spPr>
+          <a:xfrm>
+            <a:off x="475557" y="3648269"/>
+            <a:ext cx="11299372" cy="2953139"/>
+          </a:xfrm>
+          <a:prstGeom prst="rect">
+            <a:avLst/>
+          </a:prstGeom>
+          <a:effectLst>
+            <a:outerShdw blurRad="25400" dir="17880000">
+              <a:srgbClr val="000000">
+                <a:alpha val="46000"/>
+              </a:srgbClr>
+            </a:outerShdw>
+          </a:effectLst>
+        </p:spPr>
+        <p:txBody>
+          <a:bodyPr vert="horz" lIns="91440" tIns="45720" rIns="91440" bIns="45720" numCol="2" rtlCol="0" anchor="t">
+            <a:normAutofit lnSpcReduction="10000"/>
+          </a:bodyPr>
+          <a:lstStyle>
+            <a:lvl1pPr marL="342900" indent="-306000" algn="l" defTabSz="457200" rtl="0" eaLnBrk="1" latinLnBrk="0" hangingPunct="1">
+              <a:spcBef>
+                <a:spcPct val="20000"/>
+              </a:spcBef>
+              <a:spcAft>
+                <a:spcPts val="600"/>
+              </a:spcAft>
+              <a:buClr>
+                <a:schemeClr val="tx2"/>
+              </a:buClr>
+              <a:buSzPct val="70000"/>
+              <a:buFont typeface="Wingdings 2" charset="2"/>
+              <a:buChar char=""/>
+              <a:defRPr sz="2000" kern="1200">
+                <a:ln>
+                  <a:solidFill>
+                    <a:schemeClr val="bg1">
+                      <a:lumMod val="75000"/>
+                      <a:lumOff val="25000"/>
+                      <a:alpha val="10000"/>
+                    </a:schemeClr>
+                  </a:solidFill>
+                </a:ln>
+                <a:solidFill>
+                  <a:schemeClr val="tx2"/>
+                </a:solidFill>
+                <a:effectLst>
+                  <a:outerShdw blurRad="9525" dist="25400" dir="14640000" algn="tl" rotWithShape="0">
+                    <a:schemeClr val="bg1">
+                      <a:alpha val="30000"/>
+                    </a:schemeClr>
+                  </a:outerShdw>
+                </a:effectLst>
+                <a:latin typeface="+mn-lt"/>
+                <a:ea typeface="+mn-ea"/>
+                <a:cs typeface="+mn-cs"/>
+              </a:defRPr>
+            </a:lvl1pPr>
+            <a:lvl2pPr marL="720000" indent="-270000" algn="l" defTabSz="457200" rtl="0" eaLnBrk="1" latinLnBrk="0" hangingPunct="1">
+              <a:spcBef>
+                <a:spcPct val="20000"/>
+              </a:spcBef>
+              <a:spcAft>
+                <a:spcPts val="600"/>
+              </a:spcAft>
+              <a:buClr>
+                <a:schemeClr val="tx2"/>
+              </a:buClr>
+              <a:buSzPct val="70000"/>
+              <a:buFont typeface="Wingdings 2" charset="2"/>
+              <a:buChar char=""/>
+              <a:defRPr sz="1800" kern="1200">
+                <a:ln>
+                  <a:solidFill>
+                    <a:schemeClr val="bg1">
+                      <a:lumMod val="75000"/>
+                      <a:lumOff val="25000"/>
+                      <a:alpha val="10000"/>
+                    </a:schemeClr>
+                  </a:solidFill>
+                </a:ln>
+                <a:solidFill>
+                  <a:schemeClr val="tx2"/>
+                </a:solidFill>
+                <a:effectLst>
+                  <a:outerShdw blurRad="9525" dist="25400" dir="14640000" algn="tl" rotWithShape="0">
+                    <a:schemeClr val="bg1">
+                      <a:alpha val="30000"/>
+                    </a:schemeClr>
+                  </a:outerShdw>
+                </a:effectLst>
+                <a:latin typeface="+mn-lt"/>
+                <a:ea typeface="+mn-ea"/>
+                <a:cs typeface="+mn-cs"/>
+              </a:defRPr>
+            </a:lvl2pPr>
+            <a:lvl3pPr marL="1026000" indent="-216000" algn="l" defTabSz="457200" rtl="0" eaLnBrk="1" latinLnBrk="0" hangingPunct="1">
+              <a:spcBef>
+                <a:spcPct val="20000"/>
+              </a:spcBef>
+              <a:spcAft>
+                <a:spcPts val="600"/>
+              </a:spcAft>
+              <a:buClr>
+                <a:schemeClr val="tx2"/>
+              </a:buClr>
+              <a:buSzPct val="70000"/>
+              <a:buFont typeface="Wingdings 2" charset="2"/>
+              <a:buChar char=""/>
+              <a:defRPr sz="1600" kern="1200">
+                <a:ln>
+                  <a:solidFill>
+                    <a:schemeClr val="bg1">
+                      <a:lumMod val="75000"/>
+                      <a:lumOff val="25000"/>
+                      <a:alpha val="10000"/>
+                    </a:schemeClr>
+                  </a:solidFill>
+                </a:ln>
+                <a:solidFill>
+                  <a:schemeClr val="tx2"/>
+                </a:solidFill>
+                <a:effectLst>
+                  <a:outerShdw blurRad="9525" dist="25400" dir="14640000" algn="tl" rotWithShape="0">
+                    <a:schemeClr val="bg1">
+                      <a:alpha val="30000"/>
+                    </a:schemeClr>
+                  </a:outerShdw>
+                </a:effectLst>
+                <a:latin typeface="+mn-lt"/>
+                <a:ea typeface="+mn-ea"/>
+                <a:cs typeface="+mn-cs"/>
+              </a:defRPr>
+            </a:lvl3pPr>
+            <a:lvl4pPr marL="1386000" indent="-216000" algn="l" defTabSz="457200" rtl="0" eaLnBrk="1" latinLnBrk="0" hangingPunct="1">
+              <a:spcBef>
+                <a:spcPct val="20000"/>
+              </a:spcBef>
+              <a:spcAft>
+                <a:spcPts val="600"/>
+              </a:spcAft>
+              <a:buClr>
+                <a:schemeClr val="tx2"/>
+              </a:buClr>
+              <a:buSzPct val="70000"/>
+              <a:buFont typeface="Wingdings 2" charset="2"/>
+              <a:buChar char=""/>
+              <a:defRPr sz="1400" kern="1200">
+                <a:ln>
+                  <a:solidFill>
+                    <a:schemeClr val="bg1">
+                      <a:lumMod val="75000"/>
+                      <a:lumOff val="25000"/>
+                      <a:alpha val="10000"/>
+                    </a:schemeClr>
+                  </a:solidFill>
+                </a:ln>
+                <a:solidFill>
+                  <a:schemeClr val="tx2"/>
+                </a:solidFill>
+                <a:effectLst>
+                  <a:outerShdw blurRad="9525" dist="25400" dir="14640000" algn="tl" rotWithShape="0">
+                    <a:schemeClr val="bg1">
+                      <a:alpha val="30000"/>
+                    </a:schemeClr>
+                  </a:outerShdw>
+                </a:effectLst>
+                <a:latin typeface="+mn-lt"/>
+                <a:ea typeface="+mn-ea"/>
+                <a:cs typeface="+mn-cs"/>
+              </a:defRPr>
+            </a:lvl4pPr>
+            <a:lvl5pPr marL="1674000" indent="-216000" algn="l" defTabSz="457200" rtl="0" eaLnBrk="1" latinLnBrk="0" hangingPunct="1">
+              <a:spcBef>
+                <a:spcPct val="20000"/>
+              </a:spcBef>
+              <a:spcAft>
+                <a:spcPts val="600"/>
+              </a:spcAft>
+              <a:buClr>
+                <a:schemeClr val="tx2"/>
+              </a:buClr>
+              <a:buSzPct val="70000"/>
+              <a:buFont typeface="Wingdings 2" charset="2"/>
+              <a:buChar char=""/>
+              <a:defRPr sz="1400" kern="1200">
+                <a:ln>
+                  <a:solidFill>
+                    <a:schemeClr val="bg1">
+                      <a:lumMod val="75000"/>
+                      <a:lumOff val="25000"/>
+                      <a:alpha val="10000"/>
+                    </a:schemeClr>
+                  </a:solidFill>
+                </a:ln>
+                <a:solidFill>
+                  <a:schemeClr val="tx2"/>
+                </a:solidFill>
+                <a:effectLst>
+                  <a:outerShdw blurRad="9525" dist="25400" dir="14640000" algn="tl" rotWithShape="0">
+                    <a:schemeClr val="bg1">
+                      <a:alpha val="30000"/>
+                    </a:schemeClr>
+                  </a:outerShdw>
+                </a:effectLst>
+                <a:latin typeface="+mn-lt"/>
+                <a:ea typeface="+mn-ea"/>
+                <a:cs typeface="+mn-cs"/>
+              </a:defRPr>
+            </a:lvl5pPr>
+            <a:lvl6pPr marL="2014600" indent="-228600" algn="l" defTabSz="457200" rtl="0" eaLnBrk="1" latinLnBrk="0" hangingPunct="1">
+              <a:spcBef>
+                <a:spcPct val="20000"/>
+              </a:spcBef>
+              <a:spcAft>
+                <a:spcPts val="600"/>
+              </a:spcAft>
+              <a:buClr>
+                <a:schemeClr val="tx2"/>
+              </a:buClr>
+              <a:buSzPct val="70000"/>
+              <a:buFont typeface="Wingdings 2" charset="2"/>
+              <a:buChar char=""/>
+              <a:defRPr sz="1400" kern="1200">
+                <a:ln>
+                  <a:solidFill>
+                    <a:schemeClr val="bg1">
+                      <a:lumMod val="75000"/>
+                      <a:lumOff val="25000"/>
+                      <a:alpha val="10000"/>
+                    </a:schemeClr>
+                  </a:solidFill>
+                </a:ln>
+                <a:solidFill>
+                  <a:schemeClr val="tx2"/>
+                </a:solidFill>
+                <a:effectLst>
+                  <a:outerShdw blurRad="9525" dist="25400" dir="14640000" algn="tl" rotWithShape="0">
+                    <a:schemeClr val="bg1">
+                      <a:alpha val="30000"/>
+                    </a:schemeClr>
+                  </a:outerShdw>
+                </a:effectLst>
+                <a:latin typeface="+mn-lt"/>
+                <a:ea typeface="+mn-ea"/>
+                <a:cs typeface="+mn-cs"/>
+              </a:defRPr>
+            </a:lvl6pPr>
+            <a:lvl7pPr marL="2401800" indent="-228600" algn="l" defTabSz="457200" rtl="0" eaLnBrk="1" latinLnBrk="0" hangingPunct="1">
+              <a:spcBef>
+                <a:spcPct val="20000"/>
+              </a:spcBef>
+              <a:spcAft>
+                <a:spcPts val="600"/>
+              </a:spcAft>
+              <a:buClr>
+                <a:schemeClr val="tx2"/>
+              </a:buClr>
+              <a:buSzPct val="70000"/>
+              <a:buFont typeface="Wingdings 2" charset="2"/>
+              <a:buChar char=""/>
+              <a:defRPr sz="1400" kern="1200">
+                <a:ln>
+                  <a:solidFill>
+                    <a:schemeClr val="bg1">
+                      <a:lumMod val="75000"/>
+                      <a:lumOff val="25000"/>
+                      <a:alpha val="10000"/>
+                    </a:schemeClr>
+                  </a:solidFill>
+                </a:ln>
+                <a:solidFill>
+                  <a:schemeClr val="tx2"/>
+                </a:solidFill>
+                <a:effectLst>
+                  <a:outerShdw blurRad="9525" dist="25400" dir="14640000" algn="tl" rotWithShape="0">
+                    <a:schemeClr val="bg1">
+                      <a:alpha val="30000"/>
+                    </a:schemeClr>
+                  </a:outerShdw>
+                </a:effectLst>
+                <a:latin typeface="+mn-lt"/>
+                <a:ea typeface="+mn-ea"/>
+                <a:cs typeface="+mn-cs"/>
+              </a:defRPr>
+            </a:lvl7pPr>
+            <a:lvl8pPr marL="2789000" indent="-228600" algn="l" defTabSz="457200" rtl="0" eaLnBrk="1" latinLnBrk="0" hangingPunct="1">
+              <a:spcBef>
+                <a:spcPct val="20000"/>
+              </a:spcBef>
+              <a:spcAft>
+                <a:spcPts val="600"/>
+              </a:spcAft>
+              <a:buClr>
+                <a:schemeClr val="tx2"/>
+              </a:buClr>
+              <a:buSzPct val="70000"/>
+              <a:buFont typeface="Wingdings 2" charset="2"/>
+              <a:buChar char=""/>
+              <a:defRPr sz="1400" kern="1200">
+                <a:ln>
+                  <a:solidFill>
+                    <a:schemeClr val="bg1">
+                      <a:lumMod val="75000"/>
+                      <a:lumOff val="25000"/>
+                      <a:alpha val="10000"/>
+                    </a:schemeClr>
+                  </a:solidFill>
+                </a:ln>
+                <a:solidFill>
+                  <a:schemeClr val="tx2"/>
+                </a:solidFill>
+                <a:effectLst>
+                  <a:outerShdw blurRad="9525" dist="25400" dir="14640000" algn="tl" rotWithShape="0">
+                    <a:schemeClr val="bg1">
+                      <a:alpha val="30000"/>
+                    </a:schemeClr>
+                  </a:outerShdw>
+                </a:effectLst>
+                <a:latin typeface="+mn-lt"/>
+                <a:ea typeface="+mn-ea"/>
+                <a:cs typeface="+mn-cs"/>
+              </a:defRPr>
+            </a:lvl8pPr>
+            <a:lvl9pPr marL="3106200" indent="-228600" algn="l" defTabSz="457200" rtl="0" eaLnBrk="1" latinLnBrk="0" hangingPunct="1">
+              <a:spcBef>
+                <a:spcPct val="20000"/>
+              </a:spcBef>
+              <a:spcAft>
+                <a:spcPts val="600"/>
+              </a:spcAft>
+              <a:buClr>
+                <a:schemeClr val="tx2"/>
+              </a:buClr>
+              <a:buSzPct val="70000"/>
+              <a:buFont typeface="Wingdings 2" charset="2"/>
+              <a:buChar char=""/>
+              <a:defRPr sz="1400" kern="1200">
+                <a:ln>
+                  <a:solidFill>
+                    <a:schemeClr val="bg1">
+                      <a:lumMod val="75000"/>
+                      <a:lumOff val="25000"/>
+                      <a:alpha val="10000"/>
+                    </a:schemeClr>
+                  </a:solidFill>
+                </a:ln>
+                <a:solidFill>
+                  <a:schemeClr val="tx2"/>
+                </a:solidFill>
+                <a:effectLst>
+                  <a:outerShdw blurRad="9525" dist="25400" dir="14640000" algn="tl" rotWithShape="0">
+                    <a:schemeClr val="bg1">
+                      <a:alpha val="30000"/>
+                    </a:schemeClr>
+                  </a:outerShdw>
+                </a:effectLst>
+                <a:latin typeface="+mn-lt"/>
+                <a:ea typeface="+mn-ea"/>
+                <a:cs typeface="+mn-cs"/>
+              </a:defRPr>
+            </a:lvl9pPr>
+          </a:lstStyle>
+          <a:p>
+            <a:r>
+              <a:rPr lang="zh-TW" altLang="en-US" sz="3200" dirty="0"/>
+              <a:t>在瀏覽器中發送 </a:t>
+            </a:r>
+            <a:r>
+              <a:rPr lang="en-US" altLang="zh-TW" sz="3200" dirty="0" err="1"/>
+              <a:t>XMLHttpRequests</a:t>
+            </a:r>
+            <a:r>
+              <a:rPr lang="en-US" altLang="zh-TW" sz="3200" dirty="0"/>
+              <a:t> </a:t>
+            </a:r>
+            <a:r>
+              <a:rPr lang="zh-TW" altLang="en-US" sz="3200" dirty="0"/>
+              <a:t>請求</a:t>
+            </a:r>
+          </a:p>
+          <a:p>
+            <a:r>
+              <a:rPr lang="zh-TW" altLang="en-US" sz="3200" dirty="0"/>
+              <a:t>在 </a:t>
+            </a:r>
+            <a:r>
+              <a:rPr lang="en-US" altLang="zh-TW" sz="3200" dirty="0"/>
+              <a:t>node.js </a:t>
+            </a:r>
+            <a:r>
+              <a:rPr lang="zh-TW" altLang="en-US" sz="3200" dirty="0"/>
+              <a:t>中發送 </a:t>
+            </a:r>
+            <a:r>
+              <a:rPr lang="en-US" altLang="zh-TW" sz="3200" dirty="0"/>
+              <a:t>http </a:t>
+            </a:r>
+            <a:r>
+              <a:rPr lang="zh-TW" altLang="en-US" sz="3200" dirty="0"/>
+              <a:t>請求</a:t>
+            </a:r>
+          </a:p>
+          <a:p>
+            <a:r>
+              <a:rPr lang="zh-TW" altLang="en-US" sz="3200" dirty="0"/>
+              <a:t>支持 </a:t>
+            </a:r>
+            <a:r>
+              <a:rPr lang="en-US" altLang="zh-TW" sz="3200" dirty="0"/>
+              <a:t>Promise API</a:t>
+            </a:r>
+          </a:p>
+          <a:p>
+            <a:r>
+              <a:rPr lang="zh-TW" altLang="en-US" sz="3200" dirty="0"/>
+              <a:t>攔截請求和響應</a:t>
+            </a:r>
+          </a:p>
+          <a:p>
+            <a:r>
+              <a:rPr lang="zh-TW" altLang="en-US" sz="3200" dirty="0"/>
+              <a:t>轉換請求和響應數據</a:t>
+            </a:r>
+          </a:p>
+          <a:p>
+            <a:r>
+              <a:rPr lang="zh-TW" altLang="en-US" sz="3200" dirty="0"/>
+              <a:t>取消請求</a:t>
+            </a:r>
+          </a:p>
+          <a:p>
+            <a:r>
+              <a:rPr lang="zh-TW" altLang="en-US" sz="3200" dirty="0"/>
+              <a:t>自動轉換 </a:t>
+            </a:r>
+            <a:r>
+              <a:rPr lang="en-US" altLang="zh-TW" sz="3200" dirty="0"/>
+              <a:t>JSON </a:t>
+            </a:r>
+            <a:r>
+              <a:rPr lang="zh-TW" altLang="en-US" sz="3200" dirty="0"/>
+              <a:t>數據格式</a:t>
+            </a:r>
+          </a:p>
+          <a:p>
+            <a:r>
+              <a:rPr lang="zh-TW" altLang="en-US" sz="3200" dirty="0"/>
+              <a:t>客戶端支持防範 </a:t>
+            </a:r>
+            <a:r>
+              <a:rPr lang="en-US" altLang="zh-TW" sz="3200" dirty="0"/>
+              <a:t>XSRF </a:t>
+            </a:r>
+            <a:r>
+              <a:rPr lang="zh-TW" altLang="en-US" sz="3200" dirty="0"/>
+              <a:t>攻擊</a:t>
+            </a:r>
+          </a:p>
+          <a:p>
+            <a:endParaRPr lang="zh-TW" altLang="en-US" sz="3200" dirty="0"/>
+          </a:p>
+        </p:txBody>
+      </p:sp>
+    </p:spTree>
+    <p:extLst>
+      <p:ext uri="{BB962C8B-B14F-4D97-AF65-F5344CB8AC3E}">
+        <p14:creationId xmlns:p14="http://schemas.microsoft.com/office/powerpoint/2010/main" val="2347103649"/>
+      </p:ext>
+    </p:extLst>
+  </p:cSld>
+  <p:clrMapOvr>
+    <a:masterClrMapping/>
+  </p:clrMapOvr>
+</p:sld>
+</file>
+
+<file path=ppt/slides/slide17.xml><?xml version="1.0" encoding="utf-8"?>
+<p:sld xmlns:a="http://schemas.openxmlformats.org/drawingml/2006/main" xmlns:r="http://schemas.openxmlformats.org/officeDocument/2006/relationships" xmlns:p="http://schemas.openxmlformats.org/presentationml/2006/main">
+  <p:cSld>
+    <p:spTree>
+      <p:nvGrpSpPr>
+        <p:cNvPr id="1" name=""/>
+        <p:cNvGrpSpPr/>
+        <p:nvPr/>
+      </p:nvGrpSpPr>
+      <p:grpSpPr>
+        <a:xfrm>
+          <a:off x="0" y="0"/>
+          <a:ext cx="0" cy="0"/>
+          <a:chOff x="0" y="0"/>
+          <a:chExt cx="0" cy="0"/>
+        </a:xfrm>
+      </p:grpSpPr>
+      <p:sp>
+        <p:nvSpPr>
+          <p:cNvPr id="2" name="標題 1">
+            <a:extLst>
+              <a:ext uri="{FF2B5EF4-FFF2-40B4-BE49-F238E27FC236}">
                 <a16:creationId xmlns:a16="http://schemas.microsoft.com/office/drawing/2014/main" id="{CD8AA448-209A-4AFE-91E7-C3832EEE7D1F}"/>
               </a:ext>
             </a:extLst>
@@ -15211,40 +11377,113 @@
             <p:ph type="title"/>
           </p:nvPr>
         </p:nvSpPr>
-        <p:spPr/>
-        <p:txBody>
-          <a:bodyPr/>
+        <p:spPr>
+          <a:xfrm>
+            <a:off x="555172" y="447871"/>
+            <a:ext cx="10961914" cy="970450"/>
+          </a:xfrm>
+        </p:spPr>
+        <p:txBody>
+          <a:bodyPr>
+            <a:normAutofit/>
+          </a:bodyPr>
           <a:lstStyle/>
           <a:p>
-            <a:endParaRPr lang="zh-TW" altLang="en-US"/>
-          </a:p>
-        </p:txBody>
-      </p:sp>
-      <p:sp>
-        <p:nvSpPr>
-          <p:cNvPr id="3" name="內容版面配置區 2">
+            <a:r>
+              <a:rPr lang="en-US" altLang="zh-TW" b="1" dirty="0"/>
+              <a:t>bootstrap</a:t>
+            </a:r>
+            <a:r>
+              <a:rPr lang="zh-TW" altLang="en-US" b="1" dirty="0"/>
+              <a:t>、</a:t>
+            </a:r>
+            <a:r>
+              <a:rPr lang="en-US" altLang="zh-TW" b="1" dirty="0"/>
+              <a:t>react-bootstrap</a:t>
+            </a:r>
+            <a:r>
+              <a:rPr lang="zh-TW" altLang="en-US" b="1" dirty="0"/>
+              <a:t>、</a:t>
+            </a:r>
+            <a:r>
+              <a:rPr lang="en-US" altLang="zh-TW" b="1" dirty="0"/>
+              <a:t>react-chart</a:t>
+            </a:r>
+            <a:endParaRPr lang="zh-TW" altLang="en-US" b="1" dirty="0"/>
+          </a:p>
+        </p:txBody>
+      </p:sp>
+      <p:pic>
+        <p:nvPicPr>
+          <p:cNvPr id="5" name="內容版面配置區 4" descr="一張含有 櫃子, 螢幕擷取畫面 的圖片&#10;&#10;自動產生的描述">
             <a:extLst>
               <a:ext uri="{FF2B5EF4-FFF2-40B4-BE49-F238E27FC236}">
-                <a16:creationId xmlns:a16="http://schemas.microsoft.com/office/drawing/2014/main" id="{7A9EEB9B-E9CF-40AD-A410-7ABDD79D1D10}"/>
+                <a16:creationId xmlns:a16="http://schemas.microsoft.com/office/drawing/2014/main" id="{5255185F-810B-4FE8-ACC0-0A64698F3BCD}"/>
               </a:ext>
             </a:extLst>
           </p:cNvPr>
-          <p:cNvSpPr>
-            <a:spLocks noGrp="1"/>
-          </p:cNvSpPr>
+          <p:cNvPicPr>
+            <a:picLocks noGrp="1" noChangeAspect="1"/>
+          </p:cNvPicPr>
           <p:nvPr>
             <p:ph idx="1"/>
           </p:nvPr>
-        </p:nvSpPr>
-        <p:spPr/>
-        <p:txBody>
-          <a:bodyPr/>
-          <a:lstStyle/>
-          <a:p>
-            <a:endParaRPr lang="zh-TW" altLang="en-US" dirty="0"/>
-          </a:p>
-        </p:txBody>
-      </p:sp>
+        </p:nvPicPr>
+        <p:blipFill>
+          <a:blip r:embed="rId2">
+            <a:extLst>
+              <a:ext uri="{28A0092B-C50C-407E-A947-70E740481C1C}">
+                <a14:useLocalDpi xmlns:a14="http://schemas.microsoft.com/office/drawing/2010/main" val="0"/>
+              </a:ext>
+            </a:extLst>
+          </a:blip>
+          <a:stretch>
+            <a:fillRect/>
+          </a:stretch>
+        </p:blipFill>
+        <p:spPr>
+          <a:xfrm>
+            <a:off x="269564" y="2416629"/>
+            <a:ext cx="6753165" cy="3897084"/>
+          </a:xfrm>
+        </p:spPr>
+      </p:pic>
+      <p:pic>
+        <p:nvPicPr>
+          <p:cNvPr id="11" name="圖片 10" descr="一張含有 文字, 地圖 的圖片&#10;&#10;自動產生的描述">
+            <a:extLst>
+              <a:ext uri="{FF2B5EF4-FFF2-40B4-BE49-F238E27FC236}">
+                <a16:creationId xmlns:a16="http://schemas.microsoft.com/office/drawing/2014/main" id="{0D91073B-F720-4C7B-B7F2-5906F3549FD1}"/>
+              </a:ext>
+            </a:extLst>
+          </p:cNvPr>
+          <p:cNvPicPr>
+            <a:picLocks noChangeAspect="1"/>
+          </p:cNvPicPr>
+          <p:nvPr/>
+        </p:nvPicPr>
+        <p:blipFill>
+          <a:blip r:embed="rId3">
+            <a:extLst>
+              <a:ext uri="{28A0092B-C50C-407E-A947-70E740481C1C}">
+                <a14:useLocalDpi xmlns:a14="http://schemas.microsoft.com/office/drawing/2010/main" val="0"/>
+              </a:ext>
+            </a:extLst>
+          </a:blip>
+          <a:stretch>
+            <a:fillRect/>
+          </a:stretch>
+        </p:blipFill>
+        <p:spPr>
+          <a:xfrm>
+            <a:off x="7299686" y="1755778"/>
+            <a:ext cx="4670331" cy="4125686"/>
+          </a:xfrm>
+          <a:prstGeom prst="rect">
+            <a:avLst/>
+          </a:prstGeom>
+        </p:spPr>
+      </p:pic>
     </p:spTree>
     <p:extLst>
       <p:ext uri="{BB962C8B-B14F-4D97-AF65-F5344CB8AC3E}">
@@ -15517,7 +11756,12 @@
             <p:ph type="title"/>
           </p:nvPr>
         </p:nvSpPr>
-        <p:spPr/>
+        <p:spPr>
+          <a:xfrm>
+            <a:off x="919119" y="250371"/>
+            <a:ext cx="10353762" cy="970450"/>
+          </a:xfrm>
+        </p:spPr>
         <p:txBody>
           <a:bodyPr/>
           <a:lstStyle/>
@@ -15545,12 +11789,792 @@
             <p:ph idx="1"/>
           </p:nvPr>
         </p:nvSpPr>
-        <p:spPr/>
-        <p:txBody>
-          <a:bodyPr/>
+        <p:spPr>
+          <a:xfrm>
+            <a:off x="97971" y="1132114"/>
+            <a:ext cx="11996057" cy="5573487"/>
+          </a:xfrm>
+        </p:spPr>
+        <p:txBody>
+          <a:bodyPr numCol="2">
+            <a:normAutofit lnSpcReduction="10000"/>
+          </a:bodyPr>
           <a:lstStyle/>
           <a:p>
-            <a:endParaRPr lang="zh-TW" altLang="en-US" dirty="0"/>
+            <a:r>
+              <a:rPr lang="zh-TW" altLang="en-US" sz="1600" dirty="0"/>
+              <a:t>帳戶</a:t>
+            </a:r>
+            <a:r>
+              <a:rPr lang="en-US" altLang="zh-TW" sz="1600" dirty="0"/>
+              <a:t>(_account)</a:t>
+            </a:r>
+            <a:r>
+              <a:rPr lang="zh-TW" altLang="en-US" sz="1600" dirty="0"/>
+              <a:t>：</a:t>
+            </a:r>
+          </a:p>
+          <a:p>
+            <a:pPr lvl="1"/>
+            <a:r>
+              <a:rPr lang="zh-TW" altLang="en-US" sz="1400" dirty="0"/>
+              <a:t>包括流水號</a:t>
+            </a:r>
+            <a:r>
+              <a:rPr lang="en-US" altLang="zh-TW" sz="1400" dirty="0"/>
+              <a:t>(ID)</a:t>
+            </a:r>
+            <a:r>
+              <a:rPr lang="zh-TW" altLang="en-US" sz="1400" dirty="0"/>
+              <a:t>、密碼</a:t>
+            </a:r>
+            <a:r>
+              <a:rPr lang="en-US" altLang="zh-TW" sz="1400" dirty="0"/>
+              <a:t>(password)</a:t>
+            </a:r>
+            <a:r>
+              <a:rPr lang="zh-TW" altLang="en-US" sz="1400" dirty="0"/>
+              <a:t>。其中流水號</a:t>
+            </a:r>
+            <a:r>
+              <a:rPr lang="en-US" altLang="zh-TW" sz="1400" dirty="0"/>
+              <a:t>(ID)</a:t>
+            </a:r>
+            <a:r>
+              <a:rPr lang="zh-TW" altLang="en-US" sz="1400" dirty="0"/>
+              <a:t>是唯一。</a:t>
+            </a:r>
+          </a:p>
+          <a:p>
+            <a:r>
+              <a:rPr lang="zh-TW" altLang="en-US" sz="1600" dirty="0"/>
+              <a:t>角色</a:t>
+            </a:r>
+            <a:r>
+              <a:rPr lang="en-US" altLang="zh-TW" sz="1600" dirty="0"/>
+              <a:t>(_role)</a:t>
+            </a:r>
+            <a:r>
+              <a:rPr lang="zh-TW" altLang="en-US" sz="1600" dirty="0"/>
+              <a:t>：</a:t>
+            </a:r>
+          </a:p>
+          <a:p>
+            <a:pPr lvl="1"/>
+            <a:r>
+              <a:rPr lang="zh-TW" altLang="en-US" sz="1400" dirty="0"/>
+              <a:t>包括流水號</a:t>
+            </a:r>
+            <a:r>
+              <a:rPr lang="en-US" altLang="zh-TW" sz="1400" dirty="0"/>
+              <a:t>(ID)</a:t>
+            </a:r>
+            <a:r>
+              <a:rPr lang="zh-TW" altLang="en-US" sz="1400" dirty="0"/>
+              <a:t>、名稱</a:t>
+            </a:r>
+            <a:r>
+              <a:rPr lang="en-US" altLang="zh-TW" sz="1400" dirty="0"/>
+              <a:t>(name)</a:t>
+            </a:r>
+            <a:r>
+              <a:rPr lang="zh-TW" altLang="en-US" sz="1400" dirty="0"/>
+              <a:t>。其中流水號</a:t>
+            </a:r>
+            <a:r>
+              <a:rPr lang="en-US" altLang="zh-TW" sz="1400" dirty="0"/>
+              <a:t>(ID)</a:t>
+            </a:r>
+            <a:r>
+              <a:rPr lang="zh-TW" altLang="en-US" sz="1400" dirty="0"/>
+              <a:t>是唯一。</a:t>
+            </a:r>
+          </a:p>
+          <a:p>
+            <a:r>
+              <a:rPr lang="zh-TW" altLang="en-US" sz="1600" dirty="0"/>
+              <a:t>住宿生</a:t>
+            </a:r>
+            <a:r>
+              <a:rPr lang="en-US" altLang="zh-TW" sz="1600" dirty="0"/>
+              <a:t>(boarder)</a:t>
+            </a:r>
+            <a:r>
+              <a:rPr lang="zh-TW" altLang="en-US" sz="1600" dirty="0"/>
+              <a:t>：</a:t>
+            </a:r>
+          </a:p>
+          <a:p>
+            <a:pPr lvl="1"/>
+            <a:r>
+              <a:rPr lang="zh-TW" altLang="en-US" sz="1400" dirty="0"/>
+              <a:t>包括流水號</a:t>
+            </a:r>
+            <a:r>
+              <a:rPr lang="en-US" altLang="zh-TW" sz="1400" dirty="0"/>
+              <a:t>(ID)</a:t>
+            </a:r>
+            <a:r>
+              <a:rPr lang="zh-TW" altLang="en-US" sz="1400" dirty="0"/>
+              <a:t>、學號</a:t>
+            </a:r>
+            <a:r>
+              <a:rPr lang="en-US" altLang="zh-TW" sz="1400" dirty="0"/>
+              <a:t>(</a:t>
+            </a:r>
+            <a:r>
+              <a:rPr lang="en-US" altLang="zh-TW" sz="1400" dirty="0" err="1"/>
+              <a:t>studentCode</a:t>
+            </a:r>
+            <a:r>
+              <a:rPr lang="en-US" altLang="zh-TW" sz="1400" dirty="0"/>
+              <a:t>)</a:t>
+            </a:r>
+            <a:r>
+              <a:rPr lang="zh-TW" altLang="en-US" sz="1400" dirty="0"/>
+              <a:t>、姓名</a:t>
+            </a:r>
+            <a:r>
+              <a:rPr lang="en-US" altLang="zh-TW" sz="1400" dirty="0"/>
+              <a:t>(name)</a:t>
+            </a:r>
+            <a:r>
+              <a:rPr lang="zh-TW" altLang="en-US" sz="1400" dirty="0"/>
+              <a:t>。其中流水號</a:t>
+            </a:r>
+            <a:r>
+              <a:rPr lang="en-US" altLang="zh-TW" sz="1400" dirty="0"/>
+              <a:t>(ID)</a:t>
+            </a:r>
+            <a:r>
+              <a:rPr lang="zh-TW" altLang="en-US" sz="1400" dirty="0"/>
+              <a:t>是唯一。</a:t>
+            </a:r>
+          </a:p>
+          <a:p>
+            <a:r>
+              <a:rPr lang="zh-TW" altLang="en-US" sz="1600" dirty="0"/>
+              <a:t>報修單</a:t>
+            </a:r>
+            <a:r>
+              <a:rPr lang="en-US" altLang="zh-TW" sz="1600" dirty="0"/>
+              <a:t>(malfunction)</a:t>
+            </a:r>
+            <a:r>
+              <a:rPr lang="zh-TW" altLang="en-US" sz="1600" dirty="0"/>
+              <a:t>：</a:t>
+            </a:r>
+          </a:p>
+          <a:p>
+            <a:pPr lvl="1"/>
+            <a:r>
+              <a:rPr lang="zh-TW" altLang="en-US" sz="1400" dirty="0"/>
+              <a:t>包括單號</a:t>
+            </a:r>
+            <a:r>
+              <a:rPr lang="en-US" altLang="zh-TW" sz="1400" dirty="0"/>
+              <a:t>(ID)</a:t>
+            </a:r>
+            <a:r>
+              <a:rPr lang="zh-TW" altLang="en-US" sz="1400" dirty="0"/>
+              <a:t>、寢室編號</a:t>
+            </a:r>
+            <a:r>
+              <a:rPr lang="en-US" altLang="zh-TW" sz="1400" dirty="0"/>
+              <a:t>(</a:t>
+            </a:r>
+            <a:r>
+              <a:rPr lang="en-US" altLang="zh-TW" sz="1400" dirty="0" err="1"/>
+              <a:t>roomNum</a:t>
+            </a:r>
+            <a:r>
+              <a:rPr lang="en-US" altLang="zh-TW" sz="1400" dirty="0"/>
+              <a:t>)</a:t>
+            </a:r>
+            <a:r>
+              <a:rPr lang="zh-TW" altLang="en-US" sz="1400" dirty="0"/>
+              <a:t>、寢室床號</a:t>
+            </a:r>
+            <a:r>
+              <a:rPr lang="en-US" altLang="zh-TW" sz="1400" dirty="0"/>
+              <a:t>(</a:t>
+            </a:r>
+            <a:r>
+              <a:rPr lang="en-US" altLang="zh-TW" sz="1400" dirty="0" err="1"/>
+              <a:t>bedNum</a:t>
+            </a:r>
+            <a:r>
+              <a:rPr lang="en-US" altLang="zh-TW" sz="1400" dirty="0"/>
+              <a:t>)</a:t>
+            </a:r>
+            <a:r>
+              <a:rPr lang="zh-TW" altLang="en-US" sz="1400" dirty="0"/>
+              <a:t>、報修日期</a:t>
+            </a:r>
+            <a:r>
+              <a:rPr lang="en-US" altLang="zh-TW" sz="1400" dirty="0"/>
+              <a:t>(date)</a:t>
+            </a:r>
+            <a:r>
+              <a:rPr lang="zh-TW" altLang="en-US" sz="1400" dirty="0"/>
+              <a:t>、報修事項</a:t>
+            </a:r>
+            <a:r>
+              <a:rPr lang="en-US" altLang="zh-TW" sz="1400" dirty="0"/>
+              <a:t>(matter)</a:t>
+            </a:r>
+            <a:r>
+              <a:rPr lang="zh-TW" altLang="en-US" sz="1400" dirty="0"/>
+              <a:t>、狀況描述</a:t>
+            </a:r>
+            <a:r>
+              <a:rPr lang="en-US" altLang="zh-TW" sz="1400" dirty="0"/>
+              <a:t>(desc)</a:t>
+            </a:r>
+            <a:r>
+              <a:rPr lang="zh-TW" altLang="en-US" sz="1400" dirty="0"/>
+              <a:t>、方便維修時段</a:t>
+            </a:r>
+            <a:r>
+              <a:rPr lang="en-US" altLang="zh-TW" sz="1400" dirty="0"/>
+              <a:t>(time)</a:t>
+            </a:r>
+            <a:r>
+              <a:rPr lang="zh-TW" altLang="en-US" sz="1400" dirty="0"/>
+              <a:t>。其中寢室床號</a:t>
+            </a:r>
+            <a:r>
+              <a:rPr lang="en-US" altLang="zh-TW" sz="1400" dirty="0"/>
+              <a:t>(</a:t>
+            </a:r>
+            <a:r>
+              <a:rPr lang="en-US" altLang="zh-TW" sz="1400" dirty="0" err="1"/>
+              <a:t>bedNum</a:t>
+            </a:r>
+            <a:r>
+              <a:rPr lang="en-US" altLang="zh-TW" sz="1400" dirty="0"/>
+              <a:t>)</a:t>
+            </a:r>
+            <a:r>
+              <a:rPr lang="zh-TW" altLang="en-US" sz="1400" dirty="0"/>
+              <a:t>、方便維修時段</a:t>
+            </a:r>
+            <a:r>
+              <a:rPr lang="en-US" altLang="zh-TW" sz="1400" dirty="0"/>
+              <a:t>(time)</a:t>
+            </a:r>
+            <a:r>
+              <a:rPr lang="zh-TW" altLang="en-US" sz="1400" dirty="0"/>
+              <a:t>可能有多個，且單號</a:t>
+            </a:r>
+            <a:r>
+              <a:rPr lang="en-US" altLang="zh-TW" sz="1400" dirty="0"/>
+              <a:t>(ID)</a:t>
+            </a:r>
+            <a:r>
+              <a:rPr lang="zh-TW" altLang="en-US" sz="1400" dirty="0"/>
+              <a:t>是唯一。此外，報修者</a:t>
+            </a:r>
+            <a:r>
+              <a:rPr lang="en-US" altLang="zh-TW" sz="1400" dirty="0"/>
+              <a:t>(</a:t>
+            </a:r>
+            <a:r>
+              <a:rPr lang="zh-TW" altLang="en-US" sz="1400" dirty="0"/>
+              <a:t>是一位住宿生</a:t>
+            </a:r>
+            <a:r>
+              <a:rPr lang="en-US" altLang="zh-TW" sz="1400" dirty="0"/>
+              <a:t>)</a:t>
+            </a:r>
+            <a:r>
+              <a:rPr lang="zh-TW" altLang="en-US" sz="1400" dirty="0"/>
+              <a:t>也必須紀錄。</a:t>
+            </a:r>
+          </a:p>
+          <a:p>
+            <a:r>
+              <a:rPr lang="zh-TW" altLang="en-US" sz="1600" dirty="0"/>
+              <a:t>維修單</a:t>
+            </a:r>
+            <a:r>
+              <a:rPr lang="en-US" altLang="zh-TW" sz="1600" dirty="0"/>
+              <a:t>(processing)</a:t>
+            </a:r>
+            <a:r>
+              <a:rPr lang="zh-TW" altLang="en-US" sz="1600" dirty="0"/>
+              <a:t>：</a:t>
+            </a:r>
+          </a:p>
+          <a:p>
+            <a:pPr lvl="1"/>
+            <a:r>
+              <a:rPr lang="zh-TW" altLang="en-US" sz="1400" dirty="0"/>
+              <a:t>包括流水號</a:t>
+            </a:r>
+            <a:r>
+              <a:rPr lang="en-US" altLang="zh-TW" sz="1400" dirty="0"/>
+              <a:t>(ID)</a:t>
+            </a:r>
+            <a:r>
+              <a:rPr lang="zh-TW" altLang="en-US" sz="1400" dirty="0"/>
+              <a:t>、維修日期</a:t>
+            </a:r>
+            <a:r>
+              <a:rPr lang="en-US" altLang="zh-TW" sz="1400" dirty="0"/>
+              <a:t>(date)</a:t>
+            </a:r>
+            <a:r>
+              <a:rPr lang="zh-TW" altLang="en-US" sz="1400" dirty="0"/>
+              <a:t>、維修結果</a:t>
+            </a:r>
+            <a:r>
+              <a:rPr lang="en-US" altLang="zh-TW" sz="1400" dirty="0"/>
+              <a:t>(result)</a:t>
+            </a:r>
+            <a:r>
+              <a:rPr lang="zh-TW" altLang="en-US" sz="1400" dirty="0"/>
+              <a:t>、處理內容</a:t>
+            </a:r>
+            <a:r>
+              <a:rPr lang="en-US" altLang="zh-TW" sz="1400" dirty="0"/>
+              <a:t>(detail)</a:t>
+            </a:r>
+            <a:r>
+              <a:rPr lang="zh-TW" altLang="en-US" sz="1400" dirty="0"/>
+              <a:t>。此外相對應的報修單及維修人員</a:t>
+            </a:r>
+            <a:r>
+              <a:rPr lang="en-US" altLang="zh-TW" sz="1400" dirty="0"/>
+              <a:t>(</a:t>
+            </a:r>
+            <a:r>
+              <a:rPr lang="zh-TW" altLang="en-US" sz="1400" dirty="0"/>
+              <a:t>是一位工作人員</a:t>
+            </a:r>
+            <a:r>
+              <a:rPr lang="en-US" altLang="zh-TW" sz="1400" dirty="0"/>
+              <a:t>)</a:t>
+            </a:r>
+            <a:r>
+              <a:rPr lang="zh-TW" altLang="en-US" sz="1400" dirty="0"/>
+              <a:t>都必須紀錄。請注意一張報修單可能有數張維修單，且維修單的流水號</a:t>
+            </a:r>
+            <a:r>
+              <a:rPr lang="en-US" altLang="zh-TW" sz="1400" dirty="0"/>
+              <a:t>(ID)</a:t>
+            </a:r>
+            <a:r>
+              <a:rPr lang="zh-TW" altLang="en-US" sz="1400" dirty="0"/>
+              <a:t>必不同。</a:t>
+            </a:r>
+          </a:p>
+          <a:p>
+            <a:r>
+              <a:rPr lang="zh-TW" altLang="en-US" sz="1600" dirty="0"/>
+              <a:t>工作人員</a:t>
+            </a:r>
+            <a:r>
+              <a:rPr lang="en-US" altLang="zh-TW" sz="1600" dirty="0"/>
+              <a:t>(employee)</a:t>
+            </a:r>
+            <a:r>
+              <a:rPr lang="zh-TW" altLang="en-US" sz="1600" dirty="0"/>
+              <a:t>：</a:t>
+            </a:r>
+          </a:p>
+          <a:p>
+            <a:pPr lvl="1"/>
+            <a:r>
+              <a:rPr lang="zh-TW" altLang="en-US" sz="1400" dirty="0"/>
+              <a:t>包括員工編號</a:t>
+            </a:r>
+            <a:r>
+              <a:rPr lang="en-US" altLang="zh-TW" sz="1400" dirty="0"/>
+              <a:t>(ID)</a:t>
+            </a:r>
+            <a:r>
+              <a:rPr lang="zh-TW" altLang="en-US" sz="1400" dirty="0"/>
+              <a:t>、姓名</a:t>
+            </a:r>
+            <a:r>
+              <a:rPr lang="en-US" altLang="zh-TW" sz="1400" dirty="0"/>
+              <a:t>(name)</a:t>
+            </a:r>
+            <a:r>
+              <a:rPr lang="zh-TW" altLang="en-US" sz="1400" dirty="0"/>
+              <a:t>、身份證字號</a:t>
+            </a:r>
+            <a:r>
+              <a:rPr lang="en-US" altLang="zh-TW" sz="1400" dirty="0"/>
+              <a:t>(</a:t>
+            </a:r>
+            <a:r>
+              <a:rPr lang="en-US" altLang="zh-TW" sz="1400" dirty="0" err="1"/>
+              <a:t>IDcard</a:t>
+            </a:r>
+            <a:r>
+              <a:rPr lang="en-US" altLang="zh-TW" sz="1400" dirty="0"/>
+              <a:t>)</a:t>
+            </a:r>
+            <a:r>
+              <a:rPr lang="zh-TW" altLang="en-US" sz="1400" dirty="0"/>
+              <a:t>。其中員工編號</a:t>
+            </a:r>
+            <a:r>
+              <a:rPr lang="en-US" altLang="zh-TW" sz="1400" dirty="0"/>
+              <a:t>(ID)</a:t>
+            </a:r>
+            <a:r>
+              <a:rPr lang="zh-TW" altLang="en-US" sz="1400" dirty="0"/>
+              <a:t>是唯一。</a:t>
+            </a:r>
+          </a:p>
+          <a:p>
+            <a:r>
+              <a:rPr lang="zh-TW" altLang="en-US" sz="1600" dirty="0"/>
+              <a:t>廠商</a:t>
+            </a:r>
+            <a:r>
+              <a:rPr lang="en-US" altLang="zh-TW" sz="1600" dirty="0"/>
+              <a:t>(vendor)</a:t>
+            </a:r>
+            <a:r>
+              <a:rPr lang="zh-TW" altLang="en-US" sz="1600" dirty="0"/>
+              <a:t>：</a:t>
+            </a:r>
+          </a:p>
+          <a:p>
+            <a:pPr lvl="1"/>
+            <a:r>
+              <a:rPr lang="zh-TW" altLang="en-US" sz="1400" dirty="0"/>
+              <a:t>包括流水號</a:t>
+            </a:r>
+            <a:r>
+              <a:rPr lang="en-US" altLang="zh-TW" sz="1400" dirty="0"/>
+              <a:t>(ID)</a:t>
+            </a:r>
+            <a:r>
+              <a:rPr lang="zh-TW" altLang="en-US" sz="1400" dirty="0"/>
+              <a:t>、廠商代號</a:t>
+            </a:r>
+            <a:r>
+              <a:rPr lang="en-US" altLang="zh-TW" sz="1400" dirty="0"/>
+              <a:t>(</a:t>
+            </a:r>
+            <a:r>
+              <a:rPr lang="en-US" altLang="zh-TW" sz="1400" dirty="0" err="1"/>
+              <a:t>vendorCode</a:t>
+            </a:r>
+            <a:r>
+              <a:rPr lang="en-US" altLang="zh-TW" sz="1400" dirty="0"/>
+              <a:t>)</a:t>
+            </a:r>
+            <a:r>
+              <a:rPr lang="zh-TW" altLang="en-US" sz="1400" dirty="0"/>
+              <a:t>、名稱</a:t>
+            </a:r>
+            <a:r>
+              <a:rPr lang="en-US" altLang="zh-TW" sz="1400" dirty="0"/>
+              <a:t>(name)</a:t>
+            </a:r>
+            <a:r>
+              <a:rPr lang="zh-TW" altLang="en-US" sz="1400" dirty="0"/>
+              <a:t>、電話</a:t>
+            </a:r>
+            <a:r>
+              <a:rPr lang="en-US" altLang="zh-TW" sz="1400" dirty="0"/>
+              <a:t>(</a:t>
+            </a:r>
+            <a:r>
+              <a:rPr lang="en-US" altLang="zh-TW" sz="1400" dirty="0" err="1"/>
+              <a:t>tel</a:t>
+            </a:r>
+            <a:r>
+              <a:rPr lang="en-US" altLang="zh-TW" sz="1400" dirty="0"/>
+              <a:t>)</a:t>
+            </a:r>
+            <a:r>
+              <a:rPr lang="zh-TW" altLang="en-US" sz="1400" dirty="0"/>
+              <a:t>、電子信箱</a:t>
+            </a:r>
+            <a:r>
+              <a:rPr lang="en-US" altLang="zh-TW" sz="1400" dirty="0"/>
+              <a:t>(email)</a:t>
+            </a:r>
+            <a:r>
+              <a:rPr lang="zh-TW" altLang="en-US" sz="1400" dirty="0"/>
+              <a:t>、地址</a:t>
+            </a:r>
+            <a:r>
+              <a:rPr lang="en-US" altLang="zh-TW" sz="1400" dirty="0"/>
+              <a:t>(</a:t>
+            </a:r>
+            <a:r>
+              <a:rPr lang="en-US" altLang="zh-TW" sz="1400" dirty="0" err="1"/>
+              <a:t>addr</a:t>
+            </a:r>
+            <a:r>
+              <a:rPr lang="en-US" altLang="zh-TW" sz="1400" dirty="0"/>
+              <a:t>)</a:t>
+            </a:r>
+            <a:r>
+              <a:rPr lang="zh-TW" altLang="en-US" sz="1400" dirty="0"/>
+              <a:t>。其中流水號</a:t>
+            </a:r>
+            <a:r>
+              <a:rPr lang="en-US" altLang="zh-TW" sz="1400" dirty="0"/>
+              <a:t>(ID)</a:t>
+            </a:r>
+            <a:r>
+              <a:rPr lang="zh-TW" altLang="en-US" sz="1400" dirty="0"/>
+              <a:t>是唯一。</a:t>
+            </a:r>
+          </a:p>
+          <a:p>
+            <a:r>
+              <a:rPr lang="zh-TW" altLang="en-US" sz="1600" dirty="0"/>
+              <a:t>交換器</a:t>
+            </a:r>
+            <a:r>
+              <a:rPr lang="en-US" altLang="zh-TW" sz="1600" dirty="0"/>
+              <a:t>(switch)</a:t>
+            </a:r>
+            <a:r>
+              <a:rPr lang="zh-TW" altLang="en-US" sz="1600" dirty="0"/>
+              <a:t>：</a:t>
+            </a:r>
+          </a:p>
+          <a:p>
+            <a:pPr lvl="1"/>
+            <a:r>
+              <a:rPr lang="zh-TW" altLang="en-US" sz="1400" dirty="0"/>
+              <a:t>包括流水號</a:t>
+            </a:r>
+            <a:r>
+              <a:rPr lang="en-US" altLang="zh-TW" sz="1400" dirty="0"/>
+              <a:t>(ID)</a:t>
+            </a:r>
+            <a:r>
+              <a:rPr lang="zh-TW" altLang="en-US" sz="1400" dirty="0"/>
+              <a:t>、交換器代號</a:t>
+            </a:r>
+            <a:r>
+              <a:rPr lang="en-US" altLang="zh-TW" sz="1400" dirty="0"/>
+              <a:t>(</a:t>
+            </a:r>
+            <a:r>
+              <a:rPr lang="en-US" altLang="zh-TW" sz="1400" dirty="0" err="1"/>
+              <a:t>switchCode</a:t>
+            </a:r>
+            <a:r>
+              <a:rPr lang="en-US" altLang="zh-TW" sz="1400" dirty="0"/>
+              <a:t>)</a:t>
+            </a:r>
+            <a:r>
+              <a:rPr lang="zh-TW" altLang="en-US" sz="1400" dirty="0"/>
+              <a:t>、狀態</a:t>
+            </a:r>
+            <a:r>
+              <a:rPr lang="en-US" altLang="zh-TW" sz="1400" dirty="0"/>
+              <a:t>(state)</a:t>
+            </a:r>
+            <a:r>
+              <a:rPr lang="zh-TW" altLang="en-US" sz="1400" dirty="0"/>
+              <a:t>、規格</a:t>
+            </a:r>
+            <a:r>
+              <a:rPr lang="en-US" altLang="zh-TW" sz="1400" dirty="0"/>
+              <a:t>(specification)</a:t>
+            </a:r>
+            <a:r>
+              <a:rPr lang="zh-TW" altLang="en-US" sz="1400" dirty="0"/>
+              <a:t>。此外相對應廠商都必須記錄。請注意一個機櫃可能會有數個交換器，而流水號</a:t>
+            </a:r>
+            <a:r>
+              <a:rPr lang="en-US" altLang="zh-TW" sz="1400" dirty="0"/>
+              <a:t>(ID)</a:t>
+            </a:r>
+            <a:r>
+              <a:rPr lang="zh-TW" altLang="en-US" sz="1400" dirty="0"/>
+              <a:t>必不同。</a:t>
+            </a:r>
+          </a:p>
+          <a:p>
+            <a:r>
+              <a:rPr lang="zh-TW" altLang="en-US" sz="1600" dirty="0"/>
+              <a:t>機櫃</a:t>
+            </a:r>
+            <a:r>
+              <a:rPr lang="en-US" altLang="zh-TW" sz="1600" dirty="0"/>
+              <a:t>(cabinet)</a:t>
+            </a:r>
+            <a:r>
+              <a:rPr lang="zh-TW" altLang="en-US" sz="1600" dirty="0"/>
+              <a:t>：</a:t>
+            </a:r>
+          </a:p>
+          <a:p>
+            <a:pPr lvl="1"/>
+            <a:r>
+              <a:rPr lang="zh-TW" altLang="en-US" sz="1400" dirty="0"/>
+              <a:t>包括流水號</a:t>
+            </a:r>
+            <a:r>
+              <a:rPr lang="en-US" altLang="zh-TW" sz="1400" dirty="0"/>
+              <a:t>(ID)</a:t>
+            </a:r>
+            <a:r>
+              <a:rPr lang="zh-TW" altLang="en-US" sz="1400" dirty="0"/>
+              <a:t>、機櫃編號</a:t>
+            </a:r>
+            <a:r>
+              <a:rPr lang="en-US" altLang="zh-TW" sz="1400" dirty="0"/>
+              <a:t>(</a:t>
+            </a:r>
+            <a:r>
+              <a:rPr lang="en-US" altLang="zh-TW" sz="1400" dirty="0" err="1"/>
+              <a:t>cabinetCode</a:t>
+            </a:r>
+            <a:r>
+              <a:rPr lang="en-US" altLang="zh-TW" sz="1400" dirty="0"/>
+              <a:t>)</a:t>
+            </a:r>
+            <a:r>
+              <a:rPr lang="zh-TW" altLang="en-US" sz="1400" dirty="0"/>
+              <a:t>、狀態</a:t>
+            </a:r>
+            <a:r>
+              <a:rPr lang="en-US" altLang="zh-TW" sz="1400" dirty="0"/>
+              <a:t>(state)</a:t>
+            </a:r>
+            <a:r>
+              <a:rPr lang="zh-TW" altLang="en-US" sz="1400" dirty="0"/>
+              <a:t>。其中流水號</a:t>
+            </a:r>
+            <a:r>
+              <a:rPr lang="en-US" altLang="zh-TW" sz="1400" dirty="0"/>
+              <a:t>(ID)</a:t>
+            </a:r>
+            <a:r>
+              <a:rPr lang="zh-TW" altLang="en-US" sz="1400" dirty="0"/>
+              <a:t>是唯一。</a:t>
+            </a:r>
+            <a:endParaRPr lang="en-US" altLang="zh-TW" sz="1400" dirty="0"/>
+          </a:p>
+          <a:p>
+            <a:pPr lvl="1"/>
+            <a:endParaRPr lang="zh-TW" altLang="en-US" sz="1400" dirty="0"/>
+          </a:p>
+          <a:p>
+            <a:r>
+              <a:rPr lang="zh-TW" altLang="en-US" sz="1600" dirty="0"/>
+              <a:t>此外，工作人員與廠商間有一個關係型態為「申報</a:t>
+            </a:r>
+            <a:r>
+              <a:rPr lang="en-US" altLang="zh-TW" sz="1600" dirty="0"/>
+              <a:t>(apply)</a:t>
+            </a:r>
+            <a:r>
+              <a:rPr lang="zh-TW" altLang="en-US" sz="1600" dirty="0"/>
+              <a:t>」，並記載申報日期</a:t>
+            </a:r>
+            <a:r>
+              <a:rPr lang="en-US" altLang="zh-TW" sz="1600" dirty="0"/>
+              <a:t>(date)</a:t>
+            </a:r>
+            <a:r>
+              <a:rPr lang="zh-TW" altLang="en-US" sz="1600" dirty="0"/>
+              <a:t>、送修日期</a:t>
+            </a:r>
+            <a:r>
+              <a:rPr lang="en-US" altLang="zh-TW" sz="1600" dirty="0"/>
+              <a:t>(</a:t>
+            </a:r>
+            <a:r>
+              <a:rPr lang="en-US" altLang="zh-TW" sz="1600" dirty="0" err="1"/>
+              <a:t>repair_date</a:t>
+            </a:r>
+            <a:r>
+              <a:rPr lang="en-US" altLang="zh-TW" sz="1600" dirty="0"/>
+              <a:t>)</a:t>
+            </a:r>
+            <a:r>
+              <a:rPr lang="zh-TW" altLang="en-US" sz="1600" dirty="0"/>
+              <a:t>、維修說明</a:t>
+            </a:r>
+            <a:r>
+              <a:rPr lang="en-US" altLang="zh-TW" sz="1600" dirty="0"/>
+              <a:t>(desc)</a:t>
+            </a:r>
+            <a:r>
+              <a:rPr lang="zh-TW" altLang="en-US" sz="1600" dirty="0"/>
+              <a:t>，並將交換器的狀態公告給所有住宿生知道。</a:t>
+            </a:r>
+          </a:p>
+          <a:p>
+            <a:r>
+              <a:rPr lang="zh-TW" altLang="en-US" sz="1600" dirty="0"/>
+              <a:t>工作人員與機櫃有一關係型態為「清掃</a:t>
+            </a:r>
+            <a:r>
+              <a:rPr lang="en-US" altLang="zh-TW" sz="1600" dirty="0"/>
+              <a:t>(sweep)</a:t>
+            </a:r>
+            <a:r>
+              <a:rPr lang="zh-TW" altLang="en-US" sz="1600" dirty="0"/>
+              <a:t>」，並記載清掃日期</a:t>
+            </a:r>
+            <a:r>
+              <a:rPr lang="en-US" altLang="zh-TW" sz="1600" dirty="0"/>
+              <a:t>(date)</a:t>
+            </a:r>
+            <a:r>
+              <a:rPr lang="zh-TW" altLang="en-US" sz="1600" dirty="0"/>
+              <a:t>，此外清掃區域</a:t>
+            </a:r>
+            <a:r>
+              <a:rPr lang="en-US" altLang="zh-TW" sz="1600" dirty="0"/>
+              <a:t>(</a:t>
+            </a:r>
+            <a:r>
+              <a:rPr lang="zh-TW" altLang="en-US" sz="1600" dirty="0"/>
+              <a:t>是一個機櫃</a:t>
+            </a:r>
+            <a:r>
+              <a:rPr lang="en-US" altLang="zh-TW" sz="1600" dirty="0"/>
+              <a:t>)</a:t>
+            </a:r>
+            <a:r>
+              <a:rPr lang="zh-TW" altLang="en-US" sz="1600" dirty="0"/>
+              <a:t>也必須紀錄。</a:t>
+            </a:r>
+            <a:endParaRPr lang="en-US" altLang="zh-TW" sz="1600" dirty="0"/>
+          </a:p>
+          <a:p>
+            <a:r>
+              <a:rPr lang="zh-TW" altLang="en-US" sz="1600" dirty="0"/>
+              <a:t>帳戶跟角色有一關係型態為「帳戶權限管理</a:t>
+            </a:r>
+            <a:r>
+              <a:rPr lang="en-US" altLang="zh-TW" sz="1600" dirty="0"/>
+              <a:t>(_</a:t>
+            </a:r>
+            <a:r>
+              <a:rPr lang="en-US" altLang="zh-TW" sz="1600" dirty="0" err="1"/>
+              <a:t>account_role</a:t>
+            </a:r>
+            <a:r>
+              <a:rPr lang="en-US" altLang="zh-TW" sz="1600" dirty="0"/>
+              <a:t>)</a:t>
+            </a:r>
+            <a:r>
+              <a:rPr lang="zh-TW" altLang="en-US" sz="1600" dirty="0"/>
+              <a:t>」，並記載帳戶編號、角色編號。</a:t>
+            </a:r>
+          </a:p>
+          <a:p>
+            <a:endParaRPr lang="zh-TW" altLang="en-US" sz="1600" dirty="0"/>
           </a:p>
         </p:txBody>
       </p:sp>
@@ -15584,12 +12608,50 @@
           <a:chExt cx="0" cy="0"/>
         </a:xfrm>
       </p:grpSpPr>
+      <p:pic>
+        <p:nvPicPr>
+          <p:cNvPr id="4" name="內容版面配置區 3" descr="一張含有 螢幕擷取畫面 的圖片&#10;&#10;自動產生的描述">
+            <a:extLst>
+              <a:ext uri="{FF2B5EF4-FFF2-40B4-BE49-F238E27FC236}">
+                <a16:creationId xmlns:a16="http://schemas.microsoft.com/office/drawing/2014/main" id="{D7CA71F4-8567-40E3-A832-DA722FB82DBE}"/>
+              </a:ext>
+            </a:extLst>
+          </p:cNvPr>
+          <p:cNvPicPr>
+            <a:picLocks noGrp="1" noChangeAspect="1"/>
+          </p:cNvPicPr>
+          <p:nvPr>
+            <p:ph idx="1"/>
+          </p:nvPr>
+        </p:nvPicPr>
+        <p:blipFill>
+          <a:blip r:embed="rId2">
+            <a:extLst>
+              <a:ext uri="{28A0092B-C50C-407E-A947-70E740481C1C}">
+                <a14:useLocalDpi xmlns:a14="http://schemas.microsoft.com/office/drawing/2010/main" val="0"/>
+              </a:ext>
+            </a:extLst>
+          </a:blip>
+          <a:stretch>
+            <a:fillRect/>
+          </a:stretch>
+        </p:blipFill>
+        <p:spPr>
+          <a:xfrm>
+            <a:off x="174171" y="291970"/>
+            <a:ext cx="11843657" cy="6449071"/>
+          </a:xfrm>
+          <a:solidFill>
+            <a:schemeClr val="tx1"/>
+          </a:solidFill>
+        </p:spPr>
+      </p:pic>
       <p:sp>
         <p:nvSpPr>
           <p:cNvPr id="2" name="標題 1">
             <a:extLst>
               <a:ext uri="{FF2B5EF4-FFF2-40B4-BE49-F238E27FC236}">
-                <a16:creationId xmlns:a16="http://schemas.microsoft.com/office/drawing/2014/main" id="{A17DA573-2937-4A3D-ACAC-679A98885234}"/>
+                <a16:creationId xmlns:a16="http://schemas.microsoft.com/office/drawing/2014/main" id="{C0852270-A583-4380-A17B-5C6668495ACE}"/>
               </a:ext>
             </a:extLst>
           </p:cNvPr>
@@ -15602,8 +12664,8 @@
         </p:nvSpPr>
         <p:spPr>
           <a:xfrm>
-            <a:off x="913795" y="609600"/>
-            <a:ext cx="10353762" cy="970450"/>
+            <a:off x="576943" y="279140"/>
+            <a:ext cx="5117128" cy="970450"/>
           </a:xfrm>
         </p:spPr>
         <p:txBody>
@@ -15611,56 +12673,41 @@
           <a:lstStyle/>
           <a:p>
             <a:r>
-              <a:rPr lang="en-US" altLang="zh-TW" dirty="0"/>
-              <a:t>Database</a:t>
-            </a:r>
-            <a:r>
-              <a:rPr lang="zh-TW" altLang="en-US" dirty="0"/>
+              <a:rPr lang="en-US" altLang="zh-TW" b="1" dirty="0">
+                <a:solidFill>
+                  <a:schemeClr val="bg2"/>
+                </a:solidFill>
+              </a:rPr>
+              <a:t>ER</a:t>
+            </a:r>
+            <a:r>
+              <a:rPr lang="zh-TW" altLang="en-US" b="1" dirty="0">
+                <a:solidFill>
+                  <a:schemeClr val="bg2"/>
+                </a:solidFill>
+              </a:rPr>
               <a:t> </a:t>
             </a:r>
             <a:r>
-              <a:rPr lang="en-US" altLang="zh-TW" dirty="0"/>
-              <a:t>Table</a:t>
-            </a:r>
-            <a:endParaRPr lang="zh-TW" altLang="en-US" dirty="0"/>
-          </a:p>
-        </p:txBody>
-      </p:sp>
-      <p:graphicFrame>
-        <p:nvGraphicFramePr>
-          <p:cNvPr id="4" name="內容版面配置區 3">
-            <a:extLst>
-              <a:ext uri="{FF2B5EF4-FFF2-40B4-BE49-F238E27FC236}">
-                <a16:creationId xmlns:a16="http://schemas.microsoft.com/office/drawing/2014/main" id="{EDD700B6-06F8-4646-8993-CC0D84B16AA9}"/>
-              </a:ext>
-            </a:extLst>
-          </p:cNvPr>
-          <p:cNvGraphicFramePr>
-            <a:graphicFrameLocks noGrp="1"/>
-          </p:cNvGraphicFramePr>
-          <p:nvPr>
-            <p:ph idx="1"/>
-            <p:extLst>
-              <p:ext uri="{D42A27DB-BD31-4B8C-83A1-F6EECF244321}">
-                <p14:modId xmlns:p14="http://schemas.microsoft.com/office/powerpoint/2010/main" val="2600983053"/>
-              </p:ext>
-            </p:extLst>
-          </p:nvPr>
-        </p:nvGraphicFramePr>
-        <p:xfrm>
-          <a:off x="2755640" y="1664025"/>
-          <a:ext cx="6680719" cy="4902102"/>
-        </p:xfrm>
-        <a:graphic>
-          <a:graphicData uri="http://schemas.openxmlformats.org/drawingml/2006/diagram">
-            <dgm:relIds xmlns:dgm="http://schemas.openxmlformats.org/drawingml/2006/diagram" xmlns:r="http://schemas.openxmlformats.org/officeDocument/2006/relationships" r:dm="rId2" r:lo="rId3" r:qs="rId4" r:cs="rId5"/>
-          </a:graphicData>
-        </a:graphic>
-      </p:graphicFrame>
+              <a:rPr lang="en-US" altLang="zh-TW" b="1" dirty="0">
+                <a:solidFill>
+                  <a:schemeClr val="bg2"/>
+                </a:solidFill>
+              </a:rPr>
+              <a:t>model</a:t>
+            </a:r>
+            <a:endParaRPr lang="zh-TW" altLang="en-US" b="1" dirty="0">
+              <a:solidFill>
+                <a:schemeClr val="bg2"/>
+              </a:solidFill>
+            </a:endParaRPr>
+          </a:p>
+        </p:txBody>
+      </p:sp>
     </p:spTree>
     <p:extLst>
       <p:ext uri="{BB962C8B-B14F-4D97-AF65-F5344CB8AC3E}">
-        <p14:creationId xmlns:p14="http://schemas.microsoft.com/office/powerpoint/2010/main" val="1043461534"/>
+        <p14:creationId xmlns:p14="http://schemas.microsoft.com/office/powerpoint/2010/main" val="234575253"/>
       </p:ext>
     </p:extLst>
   </p:cSld>
@@ -15692,98 +12739,6 @@
           <p:cNvPr id="2" name="標題 1">
             <a:extLst>
               <a:ext uri="{FF2B5EF4-FFF2-40B4-BE49-F238E27FC236}">
-                <a16:creationId xmlns:a16="http://schemas.microsoft.com/office/drawing/2014/main" id="{C0852270-A583-4380-A17B-5C6668495ACE}"/>
-              </a:ext>
-            </a:extLst>
-          </p:cNvPr>
-          <p:cNvSpPr>
-            <a:spLocks noGrp="1"/>
-          </p:cNvSpPr>
-          <p:nvPr>
-            <p:ph type="title"/>
-          </p:nvPr>
-        </p:nvSpPr>
-        <p:spPr/>
-        <p:txBody>
-          <a:bodyPr/>
-          <a:lstStyle/>
-          <a:p>
-            <a:r>
-              <a:rPr lang="en-US" altLang="zh-TW" b="1" dirty="0"/>
-              <a:t>ER</a:t>
-            </a:r>
-            <a:r>
-              <a:rPr lang="zh-TW" altLang="en-US" b="1" dirty="0"/>
-              <a:t> </a:t>
-            </a:r>
-            <a:r>
-              <a:rPr lang="en-US" altLang="zh-TW" b="1" dirty="0"/>
-              <a:t>model</a:t>
-            </a:r>
-            <a:endParaRPr lang="zh-TW" altLang="en-US" b="1" dirty="0"/>
-          </a:p>
-        </p:txBody>
-      </p:sp>
-      <p:sp>
-        <p:nvSpPr>
-          <p:cNvPr id="11" name="內容版面配置區 10">
-            <a:extLst>
-              <a:ext uri="{FF2B5EF4-FFF2-40B4-BE49-F238E27FC236}">
-                <a16:creationId xmlns:a16="http://schemas.microsoft.com/office/drawing/2014/main" id="{095518B0-6D17-4CAF-97DC-B9C8A49A5D39}"/>
-              </a:ext>
-            </a:extLst>
-          </p:cNvPr>
-          <p:cNvSpPr>
-            <a:spLocks noGrp="1"/>
-          </p:cNvSpPr>
-          <p:nvPr>
-            <p:ph idx="1"/>
-          </p:nvPr>
-        </p:nvSpPr>
-        <p:spPr/>
-        <p:txBody>
-          <a:bodyPr/>
-          <a:lstStyle/>
-          <a:p>
-            <a:endParaRPr lang="zh-TW" altLang="en-US"/>
-          </a:p>
-        </p:txBody>
-      </p:sp>
-    </p:spTree>
-    <p:extLst>
-      <p:ext uri="{BB962C8B-B14F-4D97-AF65-F5344CB8AC3E}">
-        <p14:creationId xmlns:p14="http://schemas.microsoft.com/office/powerpoint/2010/main" val="234575253"/>
-      </p:ext>
-    </p:extLst>
-  </p:cSld>
-  <p:clrMapOvr>
-    <a:masterClrMapping/>
-  </p:clrMapOvr>
-</p:sld>
-</file>
-
-<file path=ppt/slides/slide7.xml><?xml version="1.0" encoding="utf-8"?>
-<p:sld xmlns:a="http://schemas.openxmlformats.org/drawingml/2006/main" xmlns:r="http://schemas.openxmlformats.org/officeDocument/2006/relationships" xmlns:p="http://schemas.openxmlformats.org/presentationml/2006/main">
-  <p:cSld>
-    <p:spTree>
-      <p:nvGrpSpPr>
-        <p:cNvPr id="1" name=""/>
-        <p:cNvGrpSpPr/>
-        <p:nvPr/>
-      </p:nvGrpSpPr>
-      <p:grpSpPr>
-        <a:xfrm>
-          <a:off x="0" y="0"/>
-          <a:ext cx="0" cy="0"/>
-          <a:chOff x="0" y="0"/>
-          <a:chExt cx="0" cy="0"/>
-        </a:xfrm>
-      </p:grpSpPr>
-      <p:sp>
-        <p:nvSpPr>
-          <p:cNvPr id="2" name="標題 1">
-            <a:extLst>
-              <a:ext uri="{FF2B5EF4-FFF2-40B4-BE49-F238E27FC236}">
                 <a16:creationId xmlns:a16="http://schemas.microsoft.com/office/drawing/2014/main" id="{33A5E994-1C8D-4BA4-A2BA-7CB08E85AE98}"/>
               </a:ext>
             </a:extLst>
@@ -15795,7 +12750,12 @@
             <p:ph type="title"/>
           </p:nvPr>
         </p:nvSpPr>
-        <p:spPr/>
+        <p:spPr>
+          <a:xfrm>
+            <a:off x="244492" y="235681"/>
+            <a:ext cx="5025091" cy="970450"/>
+          </a:xfrm>
+        </p:spPr>
         <p:txBody>
           <a:bodyPr/>
           <a:lstStyle/>
@@ -15808,31 +12768,44 @@
           </a:p>
         </p:txBody>
       </p:sp>
-      <p:sp>
-        <p:nvSpPr>
-          <p:cNvPr id="3" name="內容版面配置區 2">
+      <p:pic>
+        <p:nvPicPr>
+          <p:cNvPr id="5" name="內容版面配置區 4" descr="一張含有 螢幕擷取畫面, 監視器, 牆, 黑色 的圖片&#10;&#10;自動產生的描述">
             <a:extLst>
               <a:ext uri="{FF2B5EF4-FFF2-40B4-BE49-F238E27FC236}">
-                <a16:creationId xmlns:a16="http://schemas.microsoft.com/office/drawing/2014/main" id="{9C658B59-BB82-4157-9697-158A2C67463C}"/>
+                <a16:creationId xmlns:a16="http://schemas.microsoft.com/office/drawing/2014/main" id="{F948C36D-E587-4E48-9487-4C054D22145E}"/>
               </a:ext>
             </a:extLst>
           </p:cNvPr>
-          <p:cNvSpPr>
-            <a:spLocks noGrp="1"/>
-          </p:cNvSpPr>
+          <p:cNvPicPr>
+            <a:picLocks noGrp="1" noChangeAspect="1"/>
+          </p:cNvPicPr>
           <p:nvPr>
             <p:ph idx="1"/>
           </p:nvPr>
-        </p:nvSpPr>
-        <p:spPr/>
-        <p:txBody>
-          <a:bodyPr/>
-          <a:lstStyle/>
-          <a:p>
-            <a:endParaRPr lang="zh-TW" altLang="en-US"/>
-          </a:p>
-        </p:txBody>
-      </p:sp>
+        </p:nvPicPr>
+        <p:blipFill>
+          <a:blip r:embed="rId2">
+            <a:extLst>
+              <a:ext uri="{28A0092B-C50C-407E-A947-70E740481C1C}">
+                <a14:useLocalDpi xmlns:a14="http://schemas.microsoft.com/office/drawing/2010/main" val="0"/>
+              </a:ext>
+            </a:extLst>
+          </a:blip>
+          <a:stretch>
+            <a:fillRect/>
+          </a:stretch>
+        </p:blipFill>
+        <p:spPr>
+          <a:xfrm>
+            <a:off x="5684363" y="0"/>
+            <a:ext cx="6160125" cy="6857999"/>
+          </a:xfrm>
+          <a:solidFill>
+            <a:schemeClr val="tx1"/>
+          </a:solidFill>
+        </p:spPr>
+      </p:pic>
     </p:spTree>
     <p:extLst>
       <p:ext uri="{BB962C8B-B14F-4D97-AF65-F5344CB8AC3E}">
@@ -15846,7 +12819,7 @@
 </p:sld>
 </file>
 
-<file path=ppt/slides/slide8.xml><?xml version="1.0" encoding="utf-8"?>
+<file path=ppt/slides/slide7.xml><?xml version="1.0" encoding="utf-8"?>
 <p:sld xmlns:a="http://schemas.openxmlformats.org/drawingml/2006/main" xmlns:r="http://schemas.openxmlformats.org/officeDocument/2006/relationships" xmlns:p="http://schemas.openxmlformats.org/presentationml/2006/main">
   <p:cSld>
     <p:bg>
@@ -16347,6 +13320,181 @@
 </p:sld>
 </file>
 
+<file path=ppt/slides/slide8.xml><?xml version="1.0" encoding="utf-8"?>
+<p:sld xmlns:a="http://schemas.openxmlformats.org/drawingml/2006/main" xmlns:r="http://schemas.openxmlformats.org/officeDocument/2006/relationships" xmlns:p="http://schemas.openxmlformats.org/presentationml/2006/main">
+  <p:cSld>
+    <p:spTree>
+      <p:nvGrpSpPr>
+        <p:cNvPr id="1" name=""/>
+        <p:cNvGrpSpPr/>
+        <p:nvPr/>
+      </p:nvGrpSpPr>
+      <p:grpSpPr>
+        <a:xfrm>
+          <a:off x="0" y="0"/>
+          <a:ext cx="0" cy="0"/>
+          <a:chOff x="0" y="0"/>
+          <a:chExt cx="0" cy="0"/>
+        </a:xfrm>
+      </p:grpSpPr>
+      <p:sp>
+        <p:nvSpPr>
+          <p:cNvPr id="2" name="標題 1">
+            <a:extLst>
+              <a:ext uri="{FF2B5EF4-FFF2-40B4-BE49-F238E27FC236}">
+                <a16:creationId xmlns:a16="http://schemas.microsoft.com/office/drawing/2014/main" id="{CBE38DA2-6ED2-44E1-8E56-4ECCC76B0610}"/>
+              </a:ext>
+            </a:extLst>
+          </p:cNvPr>
+          <p:cNvSpPr>
+            <a:spLocks noGrp="1"/>
+          </p:cNvSpPr>
+          <p:nvPr>
+            <p:ph type="title"/>
+          </p:nvPr>
+        </p:nvSpPr>
+        <p:spPr/>
+        <p:txBody>
+          <a:bodyPr>
+            <a:normAutofit/>
+          </a:bodyPr>
+          <a:lstStyle/>
+          <a:p>
+            <a:r>
+              <a:rPr lang="en-US" altLang="zh-TW" b="1" dirty="0"/>
+              <a:t>Server Extensions</a:t>
+            </a:r>
+            <a:endParaRPr lang="zh-TW" altLang="en-US" b="1" dirty="0"/>
+          </a:p>
+        </p:txBody>
+      </p:sp>
+      <p:sp>
+        <p:nvSpPr>
+          <p:cNvPr id="3" name="內容版面配置區 2">
+            <a:extLst>
+              <a:ext uri="{FF2B5EF4-FFF2-40B4-BE49-F238E27FC236}">
+                <a16:creationId xmlns:a16="http://schemas.microsoft.com/office/drawing/2014/main" id="{639863FE-F1F9-45B3-9DD9-6D1691E22E76}"/>
+              </a:ext>
+            </a:extLst>
+          </p:cNvPr>
+          <p:cNvSpPr>
+            <a:spLocks noGrp="1"/>
+          </p:cNvSpPr>
+          <p:nvPr>
+            <p:ph idx="1"/>
+          </p:nvPr>
+        </p:nvSpPr>
+        <p:spPr>
+          <a:xfrm>
+            <a:off x="913795" y="1732449"/>
+            <a:ext cx="10353762" cy="4836302"/>
+          </a:xfrm>
+        </p:spPr>
+        <p:txBody>
+          <a:bodyPr numCol="2">
+            <a:normAutofit/>
+          </a:bodyPr>
+          <a:lstStyle/>
+          <a:p>
+            <a:r>
+              <a:rPr lang="en-US" altLang="zh-TW" sz="4000" dirty="0"/>
+              <a:t>express-generator</a:t>
+            </a:r>
+          </a:p>
+          <a:p>
+            <a:r>
+              <a:rPr lang="en-US" altLang="zh-TW" sz="4000" dirty="0" err="1"/>
+              <a:t>nodemon</a:t>
+            </a:r>
+            <a:endParaRPr lang="en-US" altLang="zh-TW" sz="4000" dirty="0"/>
+          </a:p>
+          <a:p>
+            <a:r>
+              <a:rPr lang="en-US" altLang="zh-TW" sz="4000" dirty="0" err="1"/>
+              <a:t>sequelize</a:t>
+            </a:r>
+            <a:endParaRPr lang="en-US" altLang="zh-TW" sz="4000" dirty="0"/>
+          </a:p>
+          <a:p>
+            <a:r>
+              <a:rPr lang="en-US" altLang="zh-TW" sz="4000" dirty="0"/>
+              <a:t>epilogue</a:t>
+            </a:r>
+          </a:p>
+          <a:p>
+            <a:r>
+              <a:rPr lang="en-US" altLang="zh-TW" sz="4000" dirty="0"/>
+              <a:t>passport</a:t>
+            </a:r>
+          </a:p>
+          <a:p>
+            <a:r>
+              <a:rPr lang="en-US" altLang="zh-TW" sz="4000" dirty="0"/>
+              <a:t>passport-local</a:t>
+            </a:r>
+          </a:p>
+          <a:p>
+            <a:r>
+              <a:rPr lang="en-US" altLang="zh-TW" sz="4000" dirty="0"/>
+              <a:t>passport-</a:t>
+            </a:r>
+            <a:r>
+              <a:rPr lang="en-US" altLang="zh-TW" sz="4000" dirty="0" err="1"/>
+              <a:t>jwt</a:t>
+            </a:r>
+            <a:endParaRPr lang="en-US" altLang="zh-TW" sz="4000" dirty="0"/>
+          </a:p>
+          <a:p>
+            <a:r>
+              <a:rPr lang="en-US" altLang="zh-TW" sz="4000" dirty="0" err="1"/>
+              <a:t>jsonwebtoken</a:t>
+            </a:r>
+            <a:endParaRPr lang="en-US" altLang="zh-TW" sz="4000" dirty="0"/>
+          </a:p>
+          <a:p>
+            <a:r>
+              <a:rPr lang="en-US" altLang="zh-TW" sz="4000" dirty="0"/>
+              <a:t>express-</a:t>
+            </a:r>
+            <a:r>
+              <a:rPr lang="en-US" altLang="zh-TW" sz="4000" dirty="0" err="1"/>
+              <a:t>jwt</a:t>
+            </a:r>
+            <a:endParaRPr lang="en-US" altLang="zh-TW" sz="4000" dirty="0"/>
+          </a:p>
+          <a:p>
+            <a:r>
+              <a:rPr lang="en-US" altLang="zh-TW" sz="4000" dirty="0"/>
+              <a:t>express-</a:t>
+            </a:r>
+            <a:r>
+              <a:rPr lang="en-US" altLang="zh-TW" sz="4000" dirty="0" err="1"/>
+              <a:t>acl</a:t>
+            </a:r>
+            <a:endParaRPr lang="en-US" altLang="zh-TW" sz="4000" dirty="0"/>
+          </a:p>
+          <a:p>
+            <a:r>
+              <a:rPr lang="en-US" altLang="zh-TW" sz="4000" dirty="0" err="1"/>
+              <a:t>bcryptjs</a:t>
+            </a:r>
+            <a:endParaRPr lang="en-US" altLang="zh-TW" sz="4000" dirty="0"/>
+          </a:p>
+        </p:txBody>
+      </p:sp>
+    </p:spTree>
+    <p:extLst>
+      <p:ext uri="{BB962C8B-B14F-4D97-AF65-F5344CB8AC3E}">
+        <p14:creationId xmlns:p14="http://schemas.microsoft.com/office/powerpoint/2010/main" val="2556999247"/>
+      </p:ext>
+    </p:extLst>
+  </p:cSld>
+  <p:clrMapOvr>
+    <a:masterClrMapping/>
+  </p:clrMapOvr>
+</p:sld>
+</file>
+
 <file path=ppt/slides/slide9.xml><?xml version="1.0" encoding="utf-8"?>
 <p:sld xmlns:a="http://schemas.openxmlformats.org/drawingml/2006/main" xmlns:r="http://schemas.openxmlformats.org/officeDocument/2006/relationships" xmlns:p="http://schemas.openxmlformats.org/presentationml/2006/main">
   <p:cSld>
@@ -16369,7 +13517,7 @@
           <p:cNvPr id="2" name="標題 1">
             <a:extLst>
               <a:ext uri="{FF2B5EF4-FFF2-40B4-BE49-F238E27FC236}">
-                <a16:creationId xmlns:a16="http://schemas.microsoft.com/office/drawing/2014/main" id="{CBE38DA2-6ED2-44E1-8E56-4ECCC76B0610}"/>
+                <a16:creationId xmlns:a16="http://schemas.microsoft.com/office/drawing/2014/main" id="{A6737E51-FAC5-440C-B3CC-885914A0308C}"/>
               </a:ext>
             </a:extLst>
           </p:cNvPr>
@@ -16382,14 +13530,12 @@
         </p:nvSpPr>
         <p:spPr/>
         <p:txBody>
-          <a:bodyPr>
-            <a:normAutofit/>
-          </a:bodyPr>
+          <a:bodyPr/>
           <a:lstStyle/>
           <a:p>
             <a:r>
               <a:rPr lang="en-US" altLang="zh-TW" b="1" dirty="0"/>
-              <a:t>Server Extensions</a:t>
+              <a:t>Client Extensions</a:t>
             </a:r>
             <a:endParaRPr lang="zh-TW" altLang="en-US" b="1" dirty="0"/>
           </a:p>
@@ -16400,7 +13546,7 @@
           <p:cNvPr id="3" name="內容版面配置區 2">
             <a:extLst>
               <a:ext uri="{FF2B5EF4-FFF2-40B4-BE49-F238E27FC236}">
-                <a16:creationId xmlns:a16="http://schemas.microsoft.com/office/drawing/2014/main" id="{639863FE-F1F9-45B3-9DD9-6D1691E22E76}"/>
+                <a16:creationId xmlns:a16="http://schemas.microsoft.com/office/drawing/2014/main" id="{412C96E3-DDA8-473C-8BE7-B317805C4AFD}"/>
               </a:ext>
             </a:extLst>
           </p:cNvPr>
@@ -16413,106 +13559,128 @@
         </p:nvSpPr>
         <p:spPr>
           <a:xfrm>
-            <a:off x="913795" y="1732449"/>
-            <a:ext cx="10353762" cy="4836302"/>
+            <a:off x="329023" y="1620549"/>
+            <a:ext cx="11691257" cy="5100668"/>
           </a:xfrm>
         </p:spPr>
         <p:txBody>
-          <a:bodyPr numCol="2">
-            <a:normAutofit/>
+          <a:bodyPr numCol="3">
+            <a:normAutofit fontScale="92500" lnSpcReduction="10000"/>
           </a:bodyPr>
           <a:lstStyle/>
           <a:p>
             <a:r>
               <a:rPr lang="en-US" altLang="zh-TW" sz="4000" dirty="0"/>
-              <a:t>express-generator</a:t>
-            </a:r>
-          </a:p>
-          <a:p>
+              <a:t>create-react-app</a:t>
+            </a:r>
+          </a:p>
+          <a:p>
+            <a:r>
+              <a:rPr lang="en-US" altLang="zh-TW" sz="4000" dirty="0"/>
+              <a:t>react</a:t>
+            </a:r>
+          </a:p>
+          <a:p>
+            <a:r>
+              <a:rPr lang="en-US" altLang="zh-TW" sz="4000" dirty="0"/>
+              <a:t>react-</a:t>
+            </a:r>
             <a:r>
               <a:rPr lang="en-US" altLang="zh-TW" sz="4000" dirty="0" err="1"/>
-              <a:t>nodemon</a:t>
+              <a:t>dom</a:t>
             </a:r>
             <a:endParaRPr lang="en-US" altLang="zh-TW" sz="4000" dirty="0"/>
           </a:p>
           <a:p>
             <a:r>
+              <a:rPr lang="en-US" altLang="zh-TW" sz="4000" dirty="0"/>
+              <a:t>react-router-</a:t>
+            </a:r>
+            <a:r>
               <a:rPr lang="en-US" altLang="zh-TW" sz="4000" dirty="0" err="1"/>
-              <a:t>sequelize</a:t>
+              <a:t>dom</a:t>
             </a:r>
             <a:endParaRPr lang="en-US" altLang="zh-TW" sz="4000" dirty="0"/>
           </a:p>
           <a:p>
             <a:r>
               <a:rPr lang="en-US" altLang="zh-TW" sz="4000" dirty="0"/>
-              <a:t>epilogue</a:t>
+              <a:t>react-bootstrap-table-next</a:t>
             </a:r>
           </a:p>
           <a:p>
             <a:r>
               <a:rPr lang="en-US" altLang="zh-TW" sz="4000" dirty="0"/>
-              <a:t>passport</a:t>
+              <a:t>react-bootstrap-table2-filter</a:t>
             </a:r>
           </a:p>
           <a:p>
             <a:r>
               <a:rPr lang="en-US" altLang="zh-TW" sz="4000" dirty="0"/>
-              <a:t>passport-local</a:t>
+              <a:t>react-bootstrap-table2-paginator</a:t>
             </a:r>
           </a:p>
           <a:p>
             <a:r>
               <a:rPr lang="en-US" altLang="zh-TW" sz="4000" dirty="0"/>
-              <a:t>passport-</a:t>
-            </a:r>
+              <a:t>react-bootstrap-table2-toolkit</a:t>
+            </a:r>
+          </a:p>
+          <a:p>
+            <a:r>
+              <a:rPr lang="en-US" altLang="zh-TW" sz="4000" dirty="0"/>
+              <a:t>react-bootstrap-table2-editor</a:t>
+            </a:r>
+          </a:p>
+          <a:p>
+            <a:r>
+              <a:rPr lang="en-US" altLang="zh-TW" sz="4000" dirty="0"/>
+              <a:t>react-chartjs-2</a:t>
+            </a:r>
+          </a:p>
+          <a:p>
+            <a:r>
+              <a:rPr lang="en-US" altLang="zh-TW" sz="4000" dirty="0"/>
+              <a:t>react-iframe</a:t>
+            </a:r>
+          </a:p>
+          <a:p>
+            <a:r>
+              <a:rPr lang="en-US" altLang="zh-TW" sz="4000" dirty="0"/>
+              <a:t>bootstrap @4.0.0</a:t>
+            </a:r>
+          </a:p>
+          <a:p>
             <a:r>
               <a:rPr lang="en-US" altLang="zh-TW" sz="4000" dirty="0" err="1"/>
-              <a:t>jwt</a:t>
+              <a:t>axios</a:t>
             </a:r>
             <a:endParaRPr lang="en-US" altLang="zh-TW" sz="4000" dirty="0"/>
           </a:p>
           <a:p>
             <a:r>
-              <a:rPr lang="en-US" altLang="zh-TW" sz="4000" dirty="0" err="1"/>
-              <a:t>jsonwebtoken</a:t>
-            </a:r>
+              <a:rPr lang="en-US" altLang="zh-TW" sz="4000" dirty="0"/>
+              <a:t>json-server</a:t>
+            </a:r>
+          </a:p>
+          <a:p>
+            <a:r>
+              <a:rPr lang="en-US" altLang="zh-TW" sz="4000" dirty="0"/>
+              <a:t>crypto</a:t>
+            </a:r>
+          </a:p>
+          <a:p>
             <a:endParaRPr lang="en-US" altLang="zh-TW" sz="4000" dirty="0"/>
           </a:p>
           <a:p>
-            <a:r>
-              <a:rPr lang="en-US" altLang="zh-TW" sz="4000" dirty="0"/>
-              <a:t>express-</a:t>
-            </a:r>
-            <a:r>
-              <a:rPr lang="en-US" altLang="zh-TW" sz="4000" dirty="0" err="1"/>
-              <a:t>jwt</a:t>
-            </a:r>
-            <a:endParaRPr lang="en-US" altLang="zh-TW" sz="4000" dirty="0"/>
-          </a:p>
-          <a:p>
-            <a:r>
-              <a:rPr lang="en-US" altLang="zh-TW" sz="4000" dirty="0"/>
-              <a:t>express-</a:t>
-            </a:r>
-            <a:r>
-              <a:rPr lang="en-US" altLang="zh-TW" sz="4000" dirty="0" err="1"/>
-              <a:t>acl</a:t>
-            </a:r>
-            <a:endParaRPr lang="en-US" altLang="zh-TW" sz="4000" dirty="0"/>
-          </a:p>
-          <a:p>
-            <a:r>
-              <a:rPr lang="en-US" altLang="zh-TW" sz="4000" dirty="0" err="1"/>
-              <a:t>bcryptjs</a:t>
-            </a:r>
-            <a:endParaRPr lang="en-US" altLang="zh-TW" sz="4000" dirty="0"/>
+            <a:endParaRPr lang="zh-TW" altLang="en-US" sz="4000" dirty="0"/>
           </a:p>
         </p:txBody>
       </p:sp>
     </p:spTree>
     <p:extLst>
       <p:ext uri="{BB962C8B-B14F-4D97-AF65-F5344CB8AC3E}">
-        <p14:creationId xmlns:p14="http://schemas.microsoft.com/office/powerpoint/2010/main" val="2556999247"/>
+        <p14:creationId xmlns:p14="http://schemas.microsoft.com/office/powerpoint/2010/main" val="3778013646"/>
       </p:ext>
     </p:extLst>
   </p:cSld>

--- a/G13/G13-學生宿舍網路維修管理系統.pptx
+++ b/G13/G13-學生宿舍網路維修管理系統.pptx
@@ -1105,6 +1105,14 @@
             <a:rPr lang="en-US" altLang="zh-TW" dirty="0"/>
             <a:t>Client ( React )</a:t>
           </a:r>
+          <a:r>
+            <a:rPr lang="zh-TW" altLang="en-US" dirty="0"/>
+            <a:t>、</a:t>
+          </a:r>
+          <a:r>
+            <a:rPr lang="en-US" altLang="zh-TW" dirty="0"/>
+            <a:t>Server ( Express )</a:t>
+          </a:r>
           <a:endParaRPr lang="zh-TW" altLang="en-US" dirty="0"/>
         </a:p>
       </dgm:t>
@@ -1144,9 +1152,12 @@
           </a:r>
           <a:r>
             <a:rPr lang="en-US" altLang="zh-TW" dirty="0"/>
-            <a:t>Database CRUD</a:t>
+            <a:t>DB CRUD</a:t>
           </a:r>
-          <a:endParaRPr lang="zh-TW" altLang="en-US" dirty="0"/>
+          <a:r>
+            <a:rPr lang="zh-TW" altLang="en-US" dirty="0"/>
+            <a:t>、欄位控制</a:t>
+          </a:r>
         </a:p>
       </dgm:t>
     </dgm:pt>
@@ -1355,6 +1366,51 @@
         </a:p>
       </dgm:t>
     </dgm:pt>
+    <dgm:pt modelId="{CD7818DB-BE09-479E-BFC7-2BF0F444EFDD}">
+      <dgm:prSet phldrT="[文字]"/>
+      <dgm:spPr/>
+      <dgm:t>
+        <a:bodyPr/>
+        <a:lstStyle/>
+        <a:p>
+          <a:r>
+            <a:rPr lang="en-US" altLang="zh-TW" dirty="0"/>
+            <a:t>DB</a:t>
+          </a:r>
+          <a:r>
+            <a:rPr lang="zh-TW" altLang="en-US" dirty="0"/>
+            <a:t> 分析、匯出</a:t>
+          </a:r>
+          <a:r>
+            <a:rPr lang="en-US" altLang="zh-TW" dirty="0"/>
+            <a:t>csv</a:t>
+          </a:r>
+          <a:endParaRPr lang="zh-TW" altLang="en-US" dirty="0"/>
+        </a:p>
+      </dgm:t>
+    </dgm:pt>
+    <dgm:pt modelId="{DDC9656E-EE45-40DF-83AC-C048359FF5FA}" type="parTrans" cxnId="{F910C838-A8D0-4BC6-AAC3-5F14A0186928}">
+      <dgm:prSet/>
+      <dgm:spPr/>
+      <dgm:t>
+        <a:bodyPr/>
+        <a:lstStyle/>
+        <a:p>
+          <a:endParaRPr lang="zh-TW" altLang="en-US"/>
+        </a:p>
+      </dgm:t>
+    </dgm:pt>
+    <dgm:pt modelId="{A86A3AA7-7F7F-496C-A14A-D5A15BF6955B}" type="sibTrans" cxnId="{F910C838-A8D0-4BC6-AAC3-5F14A0186928}">
+      <dgm:prSet/>
+      <dgm:spPr/>
+      <dgm:t>
+        <a:bodyPr/>
+        <a:lstStyle/>
+        <a:p>
+          <a:endParaRPr lang="zh-TW" altLang="en-US"/>
+        </a:p>
+      </dgm:t>
+    </dgm:pt>
     <dgm:pt modelId="{87742E5D-2A06-46A6-85A4-E900F79F8CC9}" type="pres">
       <dgm:prSet presAssocID="{214CD9FF-F201-4637-8D40-A902174B7930}" presName="theList" presStyleCnt="0">
         <dgm:presLayoutVars>
@@ -1476,6 +1532,7 @@
     <dgm:cxn modelId="{E6B16C12-DCE9-44FC-969C-0483DD7EEE99}" type="presOf" srcId="{E2E4714C-E08C-45C7-AE74-70176DD93588}" destId="{01F1B9C3-997F-4040-B721-F20B4C2A412A}" srcOrd="0" destOrd="1" presId="urn:microsoft.com/office/officeart/2005/8/layout/lProcess2"/>
     <dgm:cxn modelId="{D52DC614-8D40-41AC-AB77-F18F032B221A}" type="presOf" srcId="{C0EE8400-CCED-439F-AAB0-0D902F3CD12C}" destId="{01F1B9C3-997F-4040-B721-F20B4C2A412A}" srcOrd="0" destOrd="0" presId="urn:microsoft.com/office/officeart/2005/8/layout/lProcess2"/>
     <dgm:cxn modelId="{ADA34A34-569E-475F-A189-EAE881782CE7}" type="presOf" srcId="{8F0ADA64-B0A7-4BC5-B614-6B51192526D8}" destId="{67C79AFC-4A7C-43AE-859F-5561F451B822}" srcOrd="0" destOrd="2" presId="urn:microsoft.com/office/officeart/2005/8/layout/lProcess2"/>
+    <dgm:cxn modelId="{F910C838-A8D0-4BC6-AAC3-5F14A0186928}" srcId="{C0EE8400-CCED-439F-AAB0-0D902F3CD12C}" destId="{CD7818DB-BE09-479E-BFC7-2BF0F444EFDD}" srcOrd="1" destOrd="0" parTransId="{DDC9656E-EE45-40DF-83AC-C048359FF5FA}" sibTransId="{A86A3AA7-7F7F-496C-A14A-D5A15BF6955B}"/>
     <dgm:cxn modelId="{CE458964-C6EF-4FCF-9398-C48C17D3F272}" type="presOf" srcId="{BB71A5C6-E735-4831-A1F8-B31F6A4C5F55}" destId="{BD571D2D-07B8-49C2-BFD1-1E98BE6398C0}" srcOrd="0" destOrd="0" presId="urn:microsoft.com/office/officeart/2005/8/layout/lProcess2"/>
     <dgm:cxn modelId="{F0279646-8D12-466E-AE2D-90EF19876342}" type="presOf" srcId="{22EFD00D-4833-4B5F-9D58-C8CC9EFDF0BE}" destId="{8C8ACC4C-A287-448B-8002-CE4B8851AD4B}" srcOrd="0" destOrd="0" presId="urn:microsoft.com/office/officeart/2005/8/layout/lProcess2"/>
     <dgm:cxn modelId="{8FB88D68-E2C0-4558-A9FB-D5D4BDA06F2A}" srcId="{97F99D5D-D7FD-4174-BFB6-426ECDAF8064}" destId="{0158FE3F-C62C-4313-B237-D011EA0F8494}" srcOrd="0" destOrd="0" parTransId="{FB704FF7-C397-452E-A615-DB0DCD4C5E48}" sibTransId="{288CE08A-8BBB-44A6-95A7-CEAB95EFE969}"/>
@@ -1498,6 +1555,7 @@
     <dgm:cxn modelId="{E40F69F7-5814-466C-BC30-D9499E2145DF}" srcId="{E741023B-8F6A-42B6-8082-94C88BA1362E}" destId="{8F0ADA64-B0A7-4BC5-B614-6B51192526D8}" srcOrd="1" destOrd="0" parTransId="{96A9086A-B517-4640-8202-D9663F198CD0}" sibTransId="{4F797887-B40A-48BF-883D-C6D93CA4A95A}"/>
     <dgm:cxn modelId="{859F34FA-D2B3-42D8-AEA7-9B0EB10038F5}" srcId="{C0EE8400-CCED-439F-AAB0-0D902F3CD12C}" destId="{E2E4714C-E08C-45C7-AE74-70176DD93588}" srcOrd="0" destOrd="0" parTransId="{4FEB1E3D-AC0D-4AC0-AB09-AB8A3423CEFD}" sibTransId="{D134C76F-EFED-4290-88F3-35259C4076A1}"/>
     <dgm:cxn modelId="{98E316FC-5746-4C21-832E-F3B3BC19AE94}" srcId="{214CD9FF-F201-4637-8D40-A902174B7930}" destId="{BB71A5C6-E735-4831-A1F8-B31F6A4C5F55}" srcOrd="2" destOrd="0" parTransId="{446E110E-3E6C-48D3-892A-596181701600}" sibTransId="{FABA6B4B-102C-483D-9C7D-488713784E78}"/>
+    <dgm:cxn modelId="{C0F307FF-D59A-435B-9C0B-F6211FD615CC}" type="presOf" srcId="{CD7818DB-BE09-479E-BFC7-2BF0F444EFDD}" destId="{01F1B9C3-997F-4040-B721-F20B4C2A412A}" srcOrd="0" destOrd="2" presId="urn:microsoft.com/office/officeart/2005/8/layout/lProcess2"/>
     <dgm:cxn modelId="{0B5C31FF-FC92-4543-B2E1-15177E19FEE2}" type="presOf" srcId="{184CFD9A-7300-429F-AF11-D98824DF2EDF}" destId="{10250DB9-D38C-4FAC-854D-4978BA5BBAA4}" srcOrd="1" destOrd="0" presId="urn:microsoft.com/office/officeart/2005/8/layout/lProcess2"/>
     <dgm:cxn modelId="{92037133-7866-408D-A8F1-EF4407F1E657}" type="presParOf" srcId="{87742E5D-2A06-46A6-85A4-E900F79F8CC9}" destId="{7B990FBC-A5AA-4D9D-9B1B-26514C327356}" srcOrd="0" destOrd="0" presId="urn:microsoft.com/office/officeart/2005/8/layout/lProcess2"/>
     <dgm:cxn modelId="{50B1A868-A286-4483-98D3-1BC4C4B74987}" type="presParOf" srcId="{7B990FBC-A5AA-4D9D-9B1B-26514C327356}" destId="{867F85B2-6AB9-497F-9426-F98E33CFC062}" srcOrd="0" destOrd="0" presId="urn:microsoft.com/office/officeart/2005/8/layout/lProcess2"/>
@@ -1661,12 +1719,12 @@
         </a:fontRef>
       </dsp:style>
       <dsp:txBody>
-        <a:bodyPr spcFirstLastPara="0" vert="horz" wrap="square" lIns="76200" tIns="57150" rIns="76200" bIns="57150" numCol="1" spcCol="1270" anchor="t" anchorCtr="0">
+        <a:bodyPr spcFirstLastPara="0" vert="horz" wrap="square" lIns="50800" tIns="38100" rIns="50800" bIns="38100" numCol="1" spcCol="1270" anchor="t" anchorCtr="0">
           <a:noAutofit/>
         </a:bodyPr>
         <a:lstStyle/>
         <a:p>
-          <a:pPr marL="0" lvl="0" indent="0" algn="l" defTabSz="1333500">
+          <a:pPr marL="0" lvl="0" indent="0" algn="l" defTabSz="889000">
             <a:lnSpc>
               <a:spcPct val="90000"/>
             </a:lnSpc>
@@ -1679,21 +1737,21 @@
             <a:buNone/>
           </a:pPr>
           <a:r>
-            <a:rPr lang="en-US" altLang="zh-TW" sz="3000" kern="1200" dirty="0"/>
+            <a:rPr lang="en-US" altLang="zh-TW" sz="2000" kern="1200" dirty="0"/>
             <a:t>API</a:t>
           </a:r>
           <a:r>
-            <a:rPr lang="zh-TW" altLang="en-US" sz="3000" kern="1200" dirty="0"/>
+            <a:rPr lang="zh-TW" altLang="en-US" sz="2000" kern="1200" dirty="0"/>
             <a:t> </a:t>
           </a:r>
           <a:r>
-            <a:rPr lang="en-US" altLang="zh-TW" sz="3000" kern="1200" dirty="0"/>
+            <a:rPr lang="en-US" altLang="zh-TW" sz="2000" kern="1200" dirty="0"/>
             <a:t>server ( Express )</a:t>
           </a:r>
-          <a:endParaRPr lang="zh-TW" altLang="en-US" sz="3000" kern="1200" dirty="0"/>
+          <a:endParaRPr lang="zh-TW" altLang="en-US" sz="2000" kern="1200" dirty="0"/>
         </a:p>
         <a:p>
-          <a:pPr marL="228600" lvl="1" indent="-228600" algn="l" defTabSz="1022350">
+          <a:pPr marL="171450" lvl="1" indent="-171450" algn="l" defTabSz="711200">
             <a:lnSpc>
               <a:spcPct val="90000"/>
             </a:lnSpc>
@@ -1706,13 +1764,13 @@
             <a:buChar char="•"/>
           </a:pPr>
           <a:r>
-            <a:rPr lang="en-US" altLang="zh-TW" sz="2300" kern="1200" dirty="0"/>
+            <a:rPr lang="en-US" altLang="zh-TW" sz="1600" kern="1200" dirty="0"/>
             <a:t>Account System</a:t>
           </a:r>
-          <a:endParaRPr lang="zh-TW" altLang="en-US" sz="2300" kern="1200" dirty="0"/>
+          <a:endParaRPr lang="zh-TW" altLang="en-US" sz="1600" kern="1200" dirty="0"/>
         </a:p>
         <a:p>
-          <a:pPr marL="228600" lvl="1" indent="-228600" algn="l" defTabSz="1022350">
+          <a:pPr marL="171450" lvl="1" indent="-171450" algn="l" defTabSz="711200">
             <a:lnSpc>
               <a:spcPct val="90000"/>
             </a:lnSpc>
@@ -1725,10 +1783,10 @@
             <a:buChar char="•"/>
           </a:pPr>
           <a:r>
-            <a:rPr lang="en-US" altLang="zh-TW" sz="2300" kern="1200" dirty="0"/>
+            <a:rPr lang="en-US" altLang="zh-TW" sz="1600" kern="1200" dirty="0"/>
             <a:t>RESTful API</a:t>
           </a:r>
-          <a:endParaRPr lang="zh-TW" altLang="en-US" sz="2300" kern="1200" dirty="0"/>
+          <a:endParaRPr lang="zh-TW" altLang="en-US" sz="1600" kern="1200" dirty="0"/>
         </a:p>
       </dsp:txBody>
       <dsp:txXfrm>
@@ -1857,12 +1915,12 @@
         </a:fontRef>
       </dsp:style>
       <dsp:txBody>
-        <a:bodyPr spcFirstLastPara="0" vert="horz" wrap="square" lIns="76200" tIns="57150" rIns="76200" bIns="57150" numCol="1" spcCol="1270" anchor="t" anchorCtr="0">
+        <a:bodyPr spcFirstLastPara="0" vert="horz" wrap="square" lIns="50800" tIns="38100" rIns="50800" bIns="38100" numCol="1" spcCol="1270" anchor="t" anchorCtr="0">
           <a:noAutofit/>
         </a:bodyPr>
         <a:lstStyle/>
         <a:p>
-          <a:pPr marL="0" lvl="0" indent="0" algn="l" defTabSz="1333500">
+          <a:pPr marL="0" lvl="0" indent="0" algn="l" defTabSz="889000">
             <a:lnSpc>
               <a:spcPct val="90000"/>
             </a:lnSpc>
@@ -1875,13 +1933,13 @@
             <a:buNone/>
           </a:pPr>
           <a:r>
-            <a:rPr lang="en-US" altLang="zh-TW" sz="3000" kern="1200" dirty="0"/>
+            <a:rPr lang="en-US" altLang="zh-TW" sz="2000" kern="1200" dirty="0"/>
             <a:t>Client ( React )</a:t>
           </a:r>
-          <a:endParaRPr lang="zh-TW" altLang="en-US" sz="3000" kern="1200" dirty="0"/>
+          <a:endParaRPr lang="zh-TW" altLang="en-US" sz="2000" kern="1200" dirty="0"/>
         </a:p>
         <a:p>
-          <a:pPr marL="228600" lvl="1" indent="-228600" algn="l" defTabSz="1022350">
+          <a:pPr marL="171450" lvl="1" indent="-171450" algn="l" defTabSz="711200">
             <a:lnSpc>
               <a:spcPct val="90000"/>
             </a:lnSpc>
@@ -1894,14 +1952,44 @@
             <a:buChar char="•"/>
           </a:pPr>
           <a:r>
-            <a:rPr lang="zh-TW" altLang="en-US" sz="2300" kern="1200" dirty="0"/>
+            <a:rPr lang="zh-TW" altLang="en-US" sz="1600" kern="1200" dirty="0"/>
             <a:t> </a:t>
           </a:r>
           <a:r>
-            <a:rPr lang="en-US" altLang="zh-TW" sz="2300" kern="1200" dirty="0"/>
-            <a:t>Database CRUD</a:t>
+            <a:rPr lang="en-US" altLang="zh-TW" sz="1600" kern="1200" dirty="0"/>
+            <a:t>DB CRUD</a:t>
           </a:r>
-          <a:endParaRPr lang="zh-TW" altLang="en-US" sz="2300" kern="1200" dirty="0"/>
+          <a:r>
+            <a:rPr lang="zh-TW" altLang="en-US" sz="1600" kern="1200" dirty="0"/>
+            <a:t>、欄位控制</a:t>
+          </a:r>
+        </a:p>
+        <a:p>
+          <a:pPr marL="171450" lvl="1" indent="-171450" algn="l" defTabSz="711200">
+            <a:lnSpc>
+              <a:spcPct val="90000"/>
+            </a:lnSpc>
+            <a:spcBef>
+              <a:spcPct val="0"/>
+            </a:spcBef>
+            <a:spcAft>
+              <a:spcPct val="15000"/>
+            </a:spcAft>
+            <a:buChar char="•"/>
+          </a:pPr>
+          <a:r>
+            <a:rPr lang="en-US" altLang="zh-TW" sz="1600" kern="1200" dirty="0"/>
+            <a:t>DB</a:t>
+          </a:r>
+          <a:r>
+            <a:rPr lang="zh-TW" altLang="en-US" sz="1600" kern="1200" dirty="0"/>
+            <a:t> 分析、匯出</a:t>
+          </a:r>
+          <a:r>
+            <a:rPr lang="en-US" altLang="zh-TW" sz="1600" kern="1200" dirty="0"/>
+            <a:t>csv</a:t>
+          </a:r>
+          <a:endParaRPr lang="zh-TW" altLang="en-US" sz="1600" kern="1200" dirty="0"/>
         </a:p>
       </dsp:txBody>
       <dsp:txXfrm>
@@ -1960,12 +2048,12 @@
         </a:fontRef>
       </dsp:style>
       <dsp:txBody>
-        <a:bodyPr spcFirstLastPara="0" vert="horz" wrap="square" lIns="76200" tIns="57150" rIns="76200" bIns="57150" numCol="1" spcCol="1270" anchor="ctr" anchorCtr="0">
+        <a:bodyPr spcFirstLastPara="0" vert="horz" wrap="square" lIns="50800" tIns="38100" rIns="50800" bIns="38100" numCol="1" spcCol="1270" anchor="ctr" anchorCtr="0">
           <a:noAutofit/>
         </a:bodyPr>
         <a:lstStyle/>
         <a:p>
-          <a:pPr marL="0" lvl="0" indent="0" algn="ctr" defTabSz="1333500">
+          <a:pPr marL="0" lvl="0" indent="0" algn="ctr" defTabSz="889000">
             <a:lnSpc>
               <a:spcPct val="90000"/>
             </a:lnSpc>
@@ -1978,10 +2066,10 @@
             <a:buNone/>
           </a:pPr>
           <a:r>
-            <a:rPr lang="en-US" altLang="zh-TW" sz="3000" kern="1200" dirty="0"/>
+            <a:rPr lang="en-US" altLang="zh-TW" sz="2000" kern="1200" dirty="0"/>
             <a:t>Database ( MySQL )</a:t>
           </a:r>
-          <a:endParaRPr lang="zh-TW" altLang="en-US" sz="3000" kern="1200" dirty="0"/>
+          <a:endParaRPr lang="zh-TW" altLang="en-US" sz="2000" kern="1200" dirty="0"/>
         </a:p>
       </dsp:txBody>
       <dsp:txXfrm>
@@ -2110,12 +2198,12 @@
         </a:fontRef>
       </dsp:style>
       <dsp:txBody>
-        <a:bodyPr spcFirstLastPara="0" vert="horz" wrap="square" lIns="76200" tIns="57150" rIns="76200" bIns="57150" numCol="1" spcCol="1270" anchor="t" anchorCtr="0">
+        <a:bodyPr spcFirstLastPara="0" vert="horz" wrap="square" lIns="50800" tIns="38100" rIns="50800" bIns="38100" numCol="1" spcCol="1270" anchor="t" anchorCtr="0">
           <a:noAutofit/>
         </a:bodyPr>
         <a:lstStyle/>
         <a:p>
-          <a:pPr marL="0" lvl="0" indent="0" algn="l" defTabSz="1333500">
+          <a:pPr marL="0" lvl="0" indent="0" algn="l" defTabSz="889000">
             <a:lnSpc>
               <a:spcPct val="90000"/>
             </a:lnSpc>
@@ -2128,13 +2216,21 @@
             <a:buNone/>
           </a:pPr>
           <a:r>
-            <a:rPr lang="en-US" altLang="zh-TW" sz="3000" kern="1200" dirty="0"/>
+            <a:rPr lang="en-US" altLang="zh-TW" sz="2000" kern="1200" dirty="0"/>
             <a:t>Client ( React )</a:t>
           </a:r>
-          <a:endParaRPr lang="zh-TW" altLang="en-US" sz="3000" kern="1200" dirty="0"/>
+          <a:r>
+            <a:rPr lang="zh-TW" altLang="en-US" sz="2000" kern="1200" dirty="0"/>
+            <a:t>、</a:t>
+          </a:r>
+          <a:r>
+            <a:rPr lang="en-US" altLang="zh-TW" sz="2000" kern="1200" dirty="0"/>
+            <a:t>Server ( Express )</a:t>
+          </a:r>
+          <a:endParaRPr lang="zh-TW" altLang="en-US" sz="2000" kern="1200" dirty="0"/>
         </a:p>
         <a:p>
-          <a:pPr marL="228600" lvl="1" indent="-228600" algn="l" defTabSz="1022350">
+          <a:pPr marL="171450" lvl="1" indent="-171450" algn="l" defTabSz="711200">
             <a:lnSpc>
               <a:spcPct val="90000"/>
             </a:lnSpc>
@@ -2147,12 +2243,12 @@
             <a:buChar char="•"/>
           </a:pPr>
           <a:r>
-            <a:rPr lang="zh-TW" altLang="en-US" sz="2300" kern="1200" dirty="0"/>
+            <a:rPr lang="zh-TW" altLang="en-US" sz="1600" kern="1200" dirty="0"/>
             <a:t>維修單</a:t>
           </a:r>
         </a:p>
         <a:p>
-          <a:pPr marL="228600" lvl="1" indent="-228600" algn="l" defTabSz="1022350">
+          <a:pPr marL="171450" lvl="1" indent="-171450" algn="l" defTabSz="711200">
             <a:lnSpc>
               <a:spcPct val="90000"/>
             </a:lnSpc>
@@ -2165,7 +2261,7 @@
             <a:buChar char="•"/>
           </a:pPr>
           <a:r>
-            <a:rPr lang="zh-TW" altLang="en-US" sz="2300" kern="1200" dirty="0"/>
+            <a:rPr lang="zh-TW" altLang="en-US" sz="1600" kern="1200" dirty="0"/>
             <a:t>報修單</a:t>
           </a:r>
         </a:p>
@@ -11558,7 +11654,7 @@
             <p:ph idx="1"/>
             <p:extLst>
               <p:ext uri="{D42A27DB-BD31-4B8C-83A1-F6EECF244321}">
-                <p14:modId xmlns:p14="http://schemas.microsoft.com/office/powerpoint/2010/main" val="3879392419"/>
+                <p14:modId xmlns:p14="http://schemas.microsoft.com/office/powerpoint/2010/main" val="1346565310"/>
               </p:ext>
             </p:extLst>
           </p:nvPr>
